--- a/Graphs_and_Functions/Graphs_and_Functions.pptx
+++ b/Graphs_and_Functions/Graphs_and_Functions.pptx
@@ -6,11 +6,12 @@
   </p:sldMasterIdLst>
   <p:sldIdLst>
     <p:sldId id="261" r:id="rId2"/>
-    <p:sldId id="262" r:id="rId3"/>
-    <p:sldId id="263" r:id="rId4"/>
-    <p:sldId id="264" r:id="rId5"/>
-    <p:sldId id="259" r:id="rId6"/>
-    <p:sldId id="260" r:id="rId7"/>
+    <p:sldId id="265" r:id="rId3"/>
+    <p:sldId id="262" r:id="rId4"/>
+    <p:sldId id="263" r:id="rId5"/>
+    <p:sldId id="264" r:id="rId6"/>
+    <p:sldId id="259" r:id="rId7"/>
+    <p:sldId id="260" r:id="rId8"/>
   </p:sldIdLst>
   <p:sldSz cx="12192000" cy="6858000"/>
   <p:notesSz cx="6858000" cy="9144000"/>
@@ -266,7 +267,7 @@
           <a:p>
             <a:fld id="{655AA731-BE5F-44DA-AAEA-300254B29F16}" type="datetimeFigureOut">
               <a:rPr lang="en-GB" smtClean="0"/>
-              <a:t>24/01/2022</a:t>
+              <a:t>26/01/2022</a:t>
             </a:fld>
             <a:endParaRPr lang="en-GB"/>
           </a:p>
@@ -466,7 +467,7 @@
           <a:p>
             <a:fld id="{655AA731-BE5F-44DA-AAEA-300254B29F16}" type="datetimeFigureOut">
               <a:rPr lang="en-GB" smtClean="0"/>
-              <a:t>24/01/2022</a:t>
+              <a:t>26/01/2022</a:t>
             </a:fld>
             <a:endParaRPr lang="en-GB"/>
           </a:p>
@@ -676,7 +677,7 @@
           <a:p>
             <a:fld id="{655AA731-BE5F-44DA-AAEA-300254B29F16}" type="datetimeFigureOut">
               <a:rPr lang="en-GB" smtClean="0"/>
-              <a:t>24/01/2022</a:t>
+              <a:t>26/01/2022</a:t>
             </a:fld>
             <a:endParaRPr lang="en-GB"/>
           </a:p>
@@ -876,7 +877,7 @@
           <a:p>
             <a:fld id="{655AA731-BE5F-44DA-AAEA-300254B29F16}" type="datetimeFigureOut">
               <a:rPr lang="en-GB" smtClean="0"/>
-              <a:t>24/01/2022</a:t>
+              <a:t>26/01/2022</a:t>
             </a:fld>
             <a:endParaRPr lang="en-GB"/>
           </a:p>
@@ -1152,7 +1153,7 @@
           <a:p>
             <a:fld id="{655AA731-BE5F-44DA-AAEA-300254B29F16}" type="datetimeFigureOut">
               <a:rPr lang="en-GB" smtClean="0"/>
-              <a:t>24/01/2022</a:t>
+              <a:t>26/01/2022</a:t>
             </a:fld>
             <a:endParaRPr lang="en-GB"/>
           </a:p>
@@ -1420,7 +1421,7 @@
           <a:p>
             <a:fld id="{655AA731-BE5F-44DA-AAEA-300254B29F16}" type="datetimeFigureOut">
               <a:rPr lang="en-GB" smtClean="0"/>
-              <a:t>24/01/2022</a:t>
+              <a:t>26/01/2022</a:t>
             </a:fld>
             <a:endParaRPr lang="en-GB"/>
           </a:p>
@@ -1835,7 +1836,7 @@
           <a:p>
             <a:fld id="{655AA731-BE5F-44DA-AAEA-300254B29F16}" type="datetimeFigureOut">
               <a:rPr lang="en-GB" smtClean="0"/>
-              <a:t>24/01/2022</a:t>
+              <a:t>26/01/2022</a:t>
             </a:fld>
             <a:endParaRPr lang="en-GB"/>
           </a:p>
@@ -1977,7 +1978,7 @@
           <a:p>
             <a:fld id="{655AA731-BE5F-44DA-AAEA-300254B29F16}" type="datetimeFigureOut">
               <a:rPr lang="en-GB" smtClean="0"/>
-              <a:t>24/01/2022</a:t>
+              <a:t>26/01/2022</a:t>
             </a:fld>
             <a:endParaRPr lang="en-GB"/>
           </a:p>
@@ -2090,7 +2091,7 @@
           <a:p>
             <a:fld id="{655AA731-BE5F-44DA-AAEA-300254B29F16}" type="datetimeFigureOut">
               <a:rPr lang="en-GB" smtClean="0"/>
-              <a:t>24/01/2022</a:t>
+              <a:t>26/01/2022</a:t>
             </a:fld>
             <a:endParaRPr lang="en-GB"/>
           </a:p>
@@ -2403,7 +2404,7 @@
           <a:p>
             <a:fld id="{655AA731-BE5F-44DA-AAEA-300254B29F16}" type="datetimeFigureOut">
               <a:rPr lang="en-GB" smtClean="0"/>
-              <a:t>24/01/2022</a:t>
+              <a:t>26/01/2022</a:t>
             </a:fld>
             <a:endParaRPr lang="en-GB"/>
           </a:p>
@@ -2692,7 +2693,7 @@
           <a:p>
             <a:fld id="{655AA731-BE5F-44DA-AAEA-300254B29F16}" type="datetimeFigureOut">
               <a:rPr lang="en-GB" smtClean="0"/>
-              <a:t>24/01/2022</a:t>
+              <a:t>26/01/2022</a:t>
             </a:fld>
             <a:endParaRPr lang="en-GB"/>
           </a:p>
@@ -2935,7 +2936,7 @@
           <a:p>
             <a:fld id="{655AA731-BE5F-44DA-AAEA-300254B29F16}" type="datetimeFigureOut">
               <a:rPr lang="en-GB" smtClean="0"/>
-              <a:t>24/01/2022</a:t>
+              <a:t>26/01/2022</a:t>
             </a:fld>
             <a:endParaRPr lang="en-GB"/>
           </a:p>
@@ -3729,6 +3730,370 @@
           </a:p>
         </p:txBody>
       </p:sp>
+      <p:sp>
+        <p:nvSpPr>
+          <p:cNvPr id="15" name="TextBox 14">
+            <a:extLst>
+              <a:ext uri="{FF2B5EF4-FFF2-40B4-BE49-F238E27FC236}">
+                <a16:creationId xmlns:a16="http://schemas.microsoft.com/office/drawing/2014/main" id="{2AAEB3A7-0A6C-409B-830E-F8836BC82932}"/>
+              </a:ext>
+            </a:extLst>
+          </p:cNvPr>
+          <p:cNvSpPr txBox="1"/>
+          <p:nvPr/>
+        </p:nvSpPr>
+        <p:spPr>
+          <a:xfrm>
+            <a:off x="296377" y="4329753"/>
+            <a:ext cx="7361011" cy="2308324"/>
+          </a:xfrm>
+          <a:prstGeom prst="rect">
+            <a:avLst/>
+          </a:prstGeom>
+          <a:noFill/>
+        </p:spPr>
+        <p:txBody>
+          <a:bodyPr wrap="square">
+            <a:spAutoFit/>
+          </a:bodyPr>
+          <a:lstStyle/>
+          <a:p>
+            <a:r>
+              <a:rPr lang="en-US" sz="1600" dirty="0"/>
+              <a:t>In fact, there are many ways of calculating the value of e, but none of them ever give a totally exact answer, because e is irrational, and its digits go on forever without repeating. It can be defined to 10 significant figures as the following:</a:t>
+            </a:r>
+          </a:p>
+          <a:p>
+            <a:endParaRPr lang="en-US" sz="1600" dirty="0"/>
+          </a:p>
+          <a:p>
+            <a:r>
+              <a:rPr lang="en-GB" sz="1600" dirty="0"/>
+              <a:t>e = 2.7 1828 1828</a:t>
+            </a:r>
+          </a:p>
+          <a:p>
+            <a:endParaRPr lang="en-GB" sz="1600" dirty="0"/>
+          </a:p>
+          <a:p>
+            <a:endParaRPr lang="en-GB" sz="1600" dirty="0"/>
+          </a:p>
+          <a:p>
+            <a:endParaRPr lang="en-GB" sz="1600" dirty="0"/>
+          </a:p>
+          <a:p>
+            <a:endParaRPr lang="en-GB" sz="1600" dirty="0"/>
+          </a:p>
+        </p:txBody>
+      </p:sp>
+      <p:sp>
+        <p:nvSpPr>
+          <p:cNvPr id="16" name="TextBox 15">
+            <a:extLst>
+              <a:ext uri="{FF2B5EF4-FFF2-40B4-BE49-F238E27FC236}">
+                <a16:creationId xmlns:a16="http://schemas.microsoft.com/office/drawing/2014/main" id="{7B2AED9A-33A0-42EB-BEAB-E1B4873BCD69}"/>
+              </a:ext>
+            </a:extLst>
+          </p:cNvPr>
+          <p:cNvSpPr txBox="1"/>
+          <p:nvPr/>
+        </p:nvSpPr>
+        <p:spPr>
+          <a:xfrm>
+            <a:off x="350355" y="1238177"/>
+            <a:ext cx="6096000" cy="369332"/>
+          </a:xfrm>
+          <a:prstGeom prst="rect">
+            <a:avLst/>
+          </a:prstGeom>
+          <a:noFill/>
+        </p:spPr>
+        <p:txBody>
+          <a:bodyPr wrap="square">
+            <a:spAutoFit/>
+          </a:bodyPr>
+          <a:lstStyle/>
+          <a:p>
+            <a:r>
+              <a:rPr lang="en-US" b="1" dirty="0"/>
+              <a:t>What's so special about Euler's Number?</a:t>
+            </a:r>
+            <a:endParaRPr lang="en-GB" b="1" dirty="0"/>
+          </a:p>
+        </p:txBody>
+      </p:sp>
+      <p:sp>
+        <p:nvSpPr>
+          <p:cNvPr id="19" name="TextBox 18">
+            <a:extLst>
+              <a:ext uri="{FF2B5EF4-FFF2-40B4-BE49-F238E27FC236}">
+                <a16:creationId xmlns:a16="http://schemas.microsoft.com/office/drawing/2014/main" id="{3F864550-F372-4118-9E7F-9A32D6AE5D6F}"/>
+              </a:ext>
+            </a:extLst>
+          </p:cNvPr>
+          <p:cNvSpPr txBox="1"/>
+          <p:nvPr/>
+        </p:nvSpPr>
+        <p:spPr>
+          <a:xfrm>
+            <a:off x="140575" y="6271249"/>
+            <a:ext cx="7516814" cy="430887"/>
+          </a:xfrm>
+          <a:prstGeom prst="rect">
+            <a:avLst/>
+          </a:prstGeom>
+          <a:noFill/>
+        </p:spPr>
+        <p:txBody>
+          <a:bodyPr wrap="square">
+            <a:spAutoFit/>
+          </a:bodyPr>
+          <a:lstStyle/>
+          <a:p>
+            <a:r>
+              <a:rPr lang="en-GB" sz="1050" i="1" dirty="0">
+                <a:hlinkClick r:id="rId3"/>
+              </a:rPr>
+              <a:t>https://www.mathsisfun.com/numbers/e-eulers-number.html#:~:text=It%20is%20often%20called%20Euler's,so%20is%20worth%20learning%20about</a:t>
+            </a:r>
+            <a:r>
+              <a:rPr lang="en-GB" sz="1050" i="1" dirty="0"/>
+              <a:t>.</a:t>
+            </a:r>
+          </a:p>
+        </p:txBody>
+      </p:sp>
+      <p:pic>
+        <p:nvPicPr>
+          <p:cNvPr id="14" name="Picture 13">
+            <a:extLst>
+              <a:ext uri="{FF2B5EF4-FFF2-40B4-BE49-F238E27FC236}">
+                <a16:creationId xmlns:a16="http://schemas.microsoft.com/office/drawing/2014/main" id="{EC43BCBB-2062-4B2F-A755-698AF74B6AE3}"/>
+              </a:ext>
+            </a:extLst>
+          </p:cNvPr>
+          <p:cNvPicPr>
+            <a:picLocks noChangeAspect="1"/>
+          </p:cNvPicPr>
+          <p:nvPr/>
+        </p:nvPicPr>
+        <p:blipFill>
+          <a:blip r:embed="rId4"/>
+          <a:stretch>
+            <a:fillRect/>
+          </a:stretch>
+        </p:blipFill>
+        <p:spPr>
+          <a:xfrm>
+            <a:off x="8074921" y="3649263"/>
+            <a:ext cx="3838575" cy="2988814"/>
+          </a:xfrm>
+          <a:prstGeom prst="rect">
+            <a:avLst/>
+          </a:prstGeom>
+        </p:spPr>
+      </p:pic>
+      <p:pic>
+        <p:nvPicPr>
+          <p:cNvPr id="9" name="Picture 8">
+            <a:extLst>
+              <a:ext uri="{FF2B5EF4-FFF2-40B4-BE49-F238E27FC236}">
+                <a16:creationId xmlns:a16="http://schemas.microsoft.com/office/drawing/2014/main" id="{0D8BA2E9-75B2-4484-849D-9A8A5608995E}"/>
+              </a:ext>
+            </a:extLst>
+          </p:cNvPr>
+          <p:cNvPicPr>
+            <a:picLocks noChangeAspect="1"/>
+          </p:cNvPicPr>
+          <p:nvPr/>
+        </p:nvPicPr>
+        <p:blipFill>
+          <a:blip r:embed="rId5"/>
+          <a:stretch>
+            <a:fillRect/>
+          </a:stretch>
+        </p:blipFill>
+        <p:spPr>
+          <a:xfrm>
+            <a:off x="8074921" y="304418"/>
+            <a:ext cx="4019357" cy="2964469"/>
+          </a:xfrm>
+          <a:prstGeom prst="rect">
+            <a:avLst/>
+          </a:prstGeom>
+        </p:spPr>
+      </p:pic>
+      <p:pic>
+        <p:nvPicPr>
+          <p:cNvPr id="3" name="Picture 2">
+            <a:extLst>
+              <a:ext uri="{FF2B5EF4-FFF2-40B4-BE49-F238E27FC236}">
+                <a16:creationId xmlns:a16="http://schemas.microsoft.com/office/drawing/2014/main" id="{8DBEB6AD-635E-4268-8277-9E1A2229B410}"/>
+              </a:ext>
+            </a:extLst>
+          </p:cNvPr>
+          <p:cNvPicPr>
+            <a:picLocks noChangeAspect="1"/>
+          </p:cNvPicPr>
+          <p:nvPr/>
+        </p:nvPicPr>
+        <p:blipFill>
+          <a:blip r:embed="rId6"/>
+          <a:stretch>
+            <a:fillRect/>
+          </a:stretch>
+        </p:blipFill>
+        <p:spPr>
+          <a:xfrm>
+            <a:off x="8458117" y="485715"/>
+            <a:ext cx="809725" cy="290151"/>
+          </a:xfrm>
+          <a:prstGeom prst="rect">
+            <a:avLst/>
+          </a:prstGeom>
+          <a:ln w="15875">
+            <a:solidFill>
+              <a:schemeClr val="tx1">
+                <a:lumMod val="95000"/>
+                <a:lumOff val="5000"/>
+              </a:schemeClr>
+            </a:solidFill>
+          </a:ln>
+        </p:spPr>
+      </p:pic>
+      <p:pic>
+        <p:nvPicPr>
+          <p:cNvPr id="22" name="Picture 21">
+            <a:extLst>
+              <a:ext uri="{FF2B5EF4-FFF2-40B4-BE49-F238E27FC236}">
+                <a16:creationId xmlns:a16="http://schemas.microsoft.com/office/drawing/2014/main" id="{76ED5A1D-B7AC-4DC4-9197-1743B06955F7}"/>
+              </a:ext>
+            </a:extLst>
+          </p:cNvPr>
+          <p:cNvPicPr>
+            <a:picLocks noChangeAspect="1"/>
+          </p:cNvPicPr>
+          <p:nvPr/>
+        </p:nvPicPr>
+        <p:blipFill>
+          <a:blip r:embed="rId7"/>
+          <a:stretch>
+            <a:fillRect/>
+          </a:stretch>
+        </p:blipFill>
+        <p:spPr>
+          <a:xfrm>
+            <a:off x="9733840" y="5344209"/>
+            <a:ext cx="1762125" cy="736513"/>
+          </a:xfrm>
+          <a:prstGeom prst="rect">
+            <a:avLst/>
+          </a:prstGeom>
+          <a:ln w="15875">
+            <a:solidFill>
+              <a:schemeClr val="tx1">
+                <a:lumMod val="95000"/>
+                <a:lumOff val="5000"/>
+              </a:schemeClr>
+            </a:solidFill>
+          </a:ln>
+        </p:spPr>
+      </p:pic>
+      <p:pic>
+        <p:nvPicPr>
+          <p:cNvPr id="26" name="Picture 25">
+            <a:extLst>
+              <a:ext uri="{FF2B5EF4-FFF2-40B4-BE49-F238E27FC236}">
+                <a16:creationId xmlns:a16="http://schemas.microsoft.com/office/drawing/2014/main" id="{EC430A40-B877-400C-AD33-C6B5F70FB2DB}"/>
+              </a:ext>
+            </a:extLst>
+          </p:cNvPr>
+          <p:cNvPicPr>
+            <a:picLocks noChangeAspect="1"/>
+          </p:cNvPicPr>
+          <p:nvPr/>
+        </p:nvPicPr>
+        <p:blipFill>
+          <a:blip r:embed="rId8"/>
+          <a:stretch>
+            <a:fillRect/>
+          </a:stretch>
+        </p:blipFill>
+        <p:spPr>
+          <a:xfrm>
+            <a:off x="8515350" y="4053873"/>
+            <a:ext cx="757238" cy="231275"/>
+          </a:xfrm>
+          <a:prstGeom prst="rect">
+            <a:avLst/>
+          </a:prstGeom>
+        </p:spPr>
+      </p:pic>
+      <p:pic>
+        <p:nvPicPr>
+          <p:cNvPr id="30" name="Picture 29">
+            <a:extLst>
+              <a:ext uri="{FF2B5EF4-FFF2-40B4-BE49-F238E27FC236}">
+                <a16:creationId xmlns:a16="http://schemas.microsoft.com/office/drawing/2014/main" id="{AEDE5DF6-E8DD-4D39-83FD-A5D37DEE1378}"/>
+              </a:ext>
+            </a:extLst>
+          </p:cNvPr>
+          <p:cNvPicPr>
+            <a:picLocks noChangeAspect="1"/>
+          </p:cNvPicPr>
+          <p:nvPr/>
+        </p:nvPicPr>
+        <p:blipFill>
+          <a:blip r:embed="rId9"/>
+          <a:stretch>
+            <a:fillRect/>
+          </a:stretch>
+        </p:blipFill>
+        <p:spPr>
+          <a:xfrm>
+            <a:off x="3316711" y="2856493"/>
+            <a:ext cx="1537193" cy="966734"/>
+          </a:xfrm>
+          <a:prstGeom prst="rect">
+            <a:avLst/>
+          </a:prstGeom>
+        </p:spPr>
+      </p:pic>
+      <p:sp>
+        <p:nvSpPr>
+          <p:cNvPr id="31" name="TextBox 30">
+            <a:extLst>
+              <a:ext uri="{FF2B5EF4-FFF2-40B4-BE49-F238E27FC236}">
+                <a16:creationId xmlns:a16="http://schemas.microsoft.com/office/drawing/2014/main" id="{9788770A-8AF5-40F9-AEF9-9D6C25D2B5B1}"/>
+              </a:ext>
+            </a:extLst>
+          </p:cNvPr>
+          <p:cNvSpPr txBox="1"/>
+          <p:nvPr/>
+        </p:nvSpPr>
+        <p:spPr>
+          <a:xfrm>
+            <a:off x="296377" y="1939613"/>
+            <a:ext cx="7361011" cy="584775"/>
+          </a:xfrm>
+          <a:prstGeom prst="rect">
+            <a:avLst/>
+          </a:prstGeom>
+          <a:noFill/>
+        </p:spPr>
+        <p:txBody>
+          <a:bodyPr wrap="square">
+            <a:spAutoFit/>
+          </a:bodyPr>
+          <a:lstStyle/>
+          <a:p>
+            <a:r>
+              <a:rPr lang="en-GB" sz="1600" dirty="0"/>
+              <a:t>Euler originally defined e through calculating the first 15 components of the following summation:</a:t>
+            </a:r>
+          </a:p>
+        </p:txBody>
+      </p:sp>
     </p:spTree>
     <p:extLst>
       <p:ext uri="{BB962C8B-B14F-4D97-AF65-F5344CB8AC3E}">
@@ -3743,6 +4108,573 @@
 </file>
 
 <file path=ppt/slides/slide2.xml><?xml version="1.0" encoding="utf-8"?>
+<p:sld xmlns:a="http://schemas.openxmlformats.org/drawingml/2006/main" xmlns:r="http://schemas.openxmlformats.org/officeDocument/2006/relationships" xmlns:p="http://schemas.openxmlformats.org/presentationml/2006/main">
+  <p:cSld>
+    <p:spTree>
+      <p:nvGrpSpPr>
+        <p:cNvPr id="1" name=""/>
+        <p:cNvGrpSpPr/>
+        <p:nvPr/>
+      </p:nvGrpSpPr>
+      <p:grpSpPr>
+        <a:xfrm>
+          <a:off x="0" y="0"/>
+          <a:ext cx="0" cy="0"/>
+          <a:chOff x="0" y="0"/>
+          <a:chExt cx="0" cy="0"/>
+        </a:xfrm>
+      </p:grpSpPr>
+      <p:pic>
+        <p:nvPicPr>
+          <p:cNvPr id="4" name="Picture 3">
+            <a:extLst>
+              <a:ext uri="{FF2B5EF4-FFF2-40B4-BE49-F238E27FC236}">
+                <a16:creationId xmlns:a16="http://schemas.microsoft.com/office/drawing/2014/main" id="{D65D8F90-58FB-473A-A1AE-D27275685229}"/>
+              </a:ext>
+            </a:extLst>
+          </p:cNvPr>
+          <p:cNvPicPr>
+            <a:picLocks noChangeAspect="1"/>
+          </p:cNvPicPr>
+          <p:nvPr/>
+        </p:nvPicPr>
+        <p:blipFill rotWithShape="1">
+          <a:blip r:embed="rId2"/>
+          <a:srcRect r="24301" b="26301"/>
+          <a:stretch/>
+        </p:blipFill>
+        <p:spPr>
+          <a:xfrm>
+            <a:off x="140575" y="124322"/>
+            <a:ext cx="974264" cy="729525"/>
+          </a:xfrm>
+          <a:prstGeom prst="rect">
+            <a:avLst/>
+          </a:prstGeom>
+          <a:ln w="12700">
+            <a:solidFill>
+              <a:srgbClr val="A05838"/>
+            </a:solidFill>
+          </a:ln>
+        </p:spPr>
+      </p:pic>
+      <p:grpSp>
+        <p:nvGrpSpPr>
+          <p:cNvPr id="18" name="Group 17">
+            <a:extLst>
+              <a:ext uri="{FF2B5EF4-FFF2-40B4-BE49-F238E27FC236}">
+                <a16:creationId xmlns:a16="http://schemas.microsoft.com/office/drawing/2014/main" id="{6185BE9B-87C8-4B46-9293-0E71CF17E76A}"/>
+              </a:ext>
+            </a:extLst>
+          </p:cNvPr>
+          <p:cNvGrpSpPr/>
+          <p:nvPr/>
+        </p:nvGrpSpPr>
+        <p:grpSpPr>
+          <a:xfrm>
+            <a:off x="99755" y="142348"/>
+            <a:ext cx="11953701" cy="813615"/>
+            <a:chOff x="99755" y="142348"/>
+            <a:chExt cx="11953701" cy="813615"/>
+          </a:xfrm>
+        </p:grpSpPr>
+        <p:cxnSp>
+          <p:nvCxnSpPr>
+            <p:cNvPr id="5" name="Straight Connector 4">
+              <a:extLst>
+                <a:ext uri="{FF2B5EF4-FFF2-40B4-BE49-F238E27FC236}">
+                  <a16:creationId xmlns:a16="http://schemas.microsoft.com/office/drawing/2014/main" id="{A8BE4EF8-406C-4035-940C-AB752B29BA18}"/>
+                </a:ext>
+              </a:extLst>
+            </p:cNvPr>
+            <p:cNvCxnSpPr/>
+            <p:nvPr/>
+          </p:nvCxnSpPr>
+          <p:spPr>
+            <a:xfrm>
+              <a:off x="99755" y="955963"/>
+              <a:ext cx="11953701" cy="0"/>
+            </a:xfrm>
+            <a:prstGeom prst="line">
+              <a:avLst/>
+            </a:prstGeom>
+            <a:ln w="19050">
+              <a:solidFill>
+                <a:srgbClr val="A05838"/>
+              </a:solidFill>
+            </a:ln>
+          </p:spPr>
+          <p:style>
+            <a:lnRef idx="1">
+              <a:schemeClr val="accent1"/>
+            </a:lnRef>
+            <a:fillRef idx="0">
+              <a:schemeClr val="accent1"/>
+            </a:fillRef>
+            <a:effectRef idx="0">
+              <a:schemeClr val="accent1"/>
+            </a:effectRef>
+            <a:fontRef idx="minor">
+              <a:schemeClr val="tx1"/>
+            </a:fontRef>
+          </p:style>
+        </p:cxnSp>
+        <p:sp>
+          <p:nvSpPr>
+            <p:cNvPr id="6" name="TextBox 5">
+              <a:extLst>
+                <a:ext uri="{FF2B5EF4-FFF2-40B4-BE49-F238E27FC236}">
+                  <a16:creationId xmlns:a16="http://schemas.microsoft.com/office/drawing/2014/main" id="{4A5E75BC-B6AC-4138-AB81-9DEC0096C5A8}"/>
+                </a:ext>
+              </a:extLst>
+            </p:cNvPr>
+            <p:cNvSpPr txBox="1"/>
+            <p:nvPr/>
+          </p:nvSpPr>
+          <p:spPr>
+            <a:xfrm>
+              <a:off x="1200698" y="304418"/>
+              <a:ext cx="2116013" cy="369332"/>
+            </a:xfrm>
+            <a:prstGeom prst="rect">
+              <a:avLst/>
+            </a:prstGeom>
+            <a:noFill/>
+          </p:spPr>
+          <p:txBody>
+            <a:bodyPr wrap="square" rtlCol="0">
+              <a:spAutoFit/>
+            </a:bodyPr>
+            <a:lstStyle/>
+            <a:p>
+              <a:pPr marL="0" marR="0" lvl="0" indent="0" algn="l" defTabSz="914400" rtl="0" eaLnBrk="1" fontAlgn="auto" latinLnBrk="0" hangingPunct="1">
+                <a:lnSpc>
+                  <a:spcPct val="100000"/>
+                </a:lnSpc>
+                <a:spcBef>
+                  <a:spcPts val="0"/>
+                </a:spcBef>
+                <a:spcAft>
+                  <a:spcPts val="0"/>
+                </a:spcAft>
+                <a:buClrTx/>
+                <a:buSzTx/>
+                <a:buFontTx/>
+                <a:buNone/>
+                <a:tabLst/>
+                <a:defRPr/>
+              </a:pPr>
+              <a:r>
+                <a:rPr kumimoji="0" lang="en-GB" sz="1800" b="0" i="0" u="none" strike="noStrike" kern="1200" cap="none" spc="0" normalizeH="0" baseline="0" noProof="0" dirty="0">
+                  <a:ln>
+                    <a:noFill/>
+                  </a:ln>
+                  <a:solidFill>
+                    <a:prstClr val="black"/>
+                  </a:solidFill>
+                  <a:effectLst/>
+                  <a:uLnTx/>
+                  <a:uFillTx/>
+                  <a:latin typeface="Calibri" panose="020F0502020204030204"/>
+                  <a:ea typeface="+mn-ea"/>
+                  <a:cs typeface="+mn-cs"/>
+                </a:rPr>
+                <a:t>Graph Database</a:t>
+              </a:r>
+            </a:p>
+          </p:txBody>
+        </p:sp>
+        <p:sp>
+          <p:nvSpPr>
+            <p:cNvPr id="8" name="TextBox 7">
+              <a:extLst>
+                <a:ext uri="{FF2B5EF4-FFF2-40B4-BE49-F238E27FC236}">
+                  <a16:creationId xmlns:a16="http://schemas.microsoft.com/office/drawing/2014/main" id="{C61B684E-FDA7-4625-9CC3-79C17CC59ED7}"/>
+                </a:ext>
+              </a:extLst>
+            </p:cNvPr>
+            <p:cNvSpPr txBox="1"/>
+            <p:nvPr/>
+          </p:nvSpPr>
+          <p:spPr>
+            <a:xfrm>
+              <a:off x="6392379" y="304418"/>
+              <a:ext cx="3262085" cy="369332"/>
+            </a:xfrm>
+            <a:prstGeom prst="rect">
+              <a:avLst/>
+            </a:prstGeom>
+            <a:noFill/>
+          </p:spPr>
+          <p:txBody>
+            <a:bodyPr wrap="square" rtlCol="0">
+              <a:spAutoFit/>
+            </a:bodyPr>
+            <a:lstStyle/>
+            <a:p>
+              <a:pPr marL="0" marR="0" lvl="0" indent="0" algn="l" defTabSz="914400" rtl="0" eaLnBrk="1" fontAlgn="auto" latinLnBrk="0" hangingPunct="1">
+                <a:lnSpc>
+                  <a:spcPct val="100000"/>
+                </a:lnSpc>
+                <a:spcBef>
+                  <a:spcPts val="0"/>
+                </a:spcBef>
+                <a:spcAft>
+                  <a:spcPts val="0"/>
+                </a:spcAft>
+                <a:buClrTx/>
+                <a:buSzTx/>
+                <a:buFontTx/>
+                <a:buNone/>
+                <a:tabLst/>
+                <a:defRPr/>
+              </a:pPr>
+              <a:r>
+                <a:rPr kumimoji="0" lang="en-GB" sz="1800" b="0" i="0" u="none" strike="noStrike" kern="1200" cap="none" spc="0" normalizeH="0" baseline="0" noProof="0" dirty="0">
+                  <a:ln>
+                    <a:noFill/>
+                  </a:ln>
+                  <a:solidFill>
+                    <a:prstClr val="black"/>
+                  </a:solidFill>
+                  <a:effectLst/>
+                  <a:uLnTx/>
+                  <a:uFillTx/>
+                  <a:latin typeface="Calibri" panose="020F0502020204030204"/>
+                  <a:ea typeface="+mn-ea"/>
+                  <a:cs typeface="+mn-cs"/>
+                </a:rPr>
+                <a:t>Exponential</a:t>
+              </a:r>
+            </a:p>
+          </p:txBody>
+        </p:sp>
+        <p:cxnSp>
+          <p:nvCxnSpPr>
+            <p:cNvPr id="11" name="Straight Connector 10">
+              <a:extLst>
+                <a:ext uri="{FF2B5EF4-FFF2-40B4-BE49-F238E27FC236}">
+                  <a16:creationId xmlns:a16="http://schemas.microsoft.com/office/drawing/2014/main" id="{F70ABCF3-BE60-426F-8C8C-059C854869C6}"/>
+                </a:ext>
+              </a:extLst>
+            </p:cNvPr>
+            <p:cNvCxnSpPr>
+              <a:cxnSpLocks/>
+            </p:cNvCxnSpPr>
+            <p:nvPr/>
+          </p:nvCxnSpPr>
+          <p:spPr>
+            <a:xfrm flipV="1">
+              <a:off x="3398355" y="142348"/>
+              <a:ext cx="1" cy="754394"/>
+            </a:xfrm>
+            <a:prstGeom prst="line">
+              <a:avLst/>
+            </a:prstGeom>
+            <a:ln w="19050">
+              <a:solidFill>
+                <a:srgbClr val="A05838"/>
+              </a:solidFill>
+            </a:ln>
+          </p:spPr>
+          <p:style>
+            <a:lnRef idx="1">
+              <a:schemeClr val="accent1"/>
+            </a:lnRef>
+            <a:fillRef idx="0">
+              <a:schemeClr val="accent1"/>
+            </a:fillRef>
+            <a:effectRef idx="0">
+              <a:schemeClr val="accent1"/>
+            </a:effectRef>
+            <a:fontRef idx="minor">
+              <a:schemeClr val="tx1"/>
+            </a:fontRef>
+          </p:style>
+        </p:cxnSp>
+      </p:grpSp>
+      <p:cxnSp>
+        <p:nvCxnSpPr>
+          <p:cNvPr id="20" name="Straight Connector 19">
+            <a:extLst>
+              <a:ext uri="{FF2B5EF4-FFF2-40B4-BE49-F238E27FC236}">
+                <a16:creationId xmlns:a16="http://schemas.microsoft.com/office/drawing/2014/main" id="{7222DEA1-AAC2-4636-8AF3-897B1813E0F8}"/>
+              </a:ext>
+            </a:extLst>
+          </p:cNvPr>
+          <p:cNvCxnSpPr>
+            <a:cxnSpLocks/>
+          </p:cNvCxnSpPr>
+          <p:nvPr/>
+        </p:nvCxnSpPr>
+        <p:spPr>
+          <a:xfrm flipV="1">
+            <a:off x="6171490" y="140610"/>
+            <a:ext cx="1" cy="754394"/>
+          </a:xfrm>
+          <a:prstGeom prst="line">
+            <a:avLst/>
+          </a:prstGeom>
+          <a:ln w="19050">
+            <a:solidFill>
+              <a:srgbClr val="A05838"/>
+            </a:solidFill>
+          </a:ln>
+        </p:spPr>
+        <p:style>
+          <a:lnRef idx="1">
+            <a:schemeClr val="accent1"/>
+          </a:lnRef>
+          <a:fillRef idx="0">
+            <a:schemeClr val="accent1"/>
+          </a:fillRef>
+          <a:effectRef idx="0">
+            <a:schemeClr val="accent1"/>
+          </a:effectRef>
+          <a:fontRef idx="minor">
+            <a:schemeClr val="tx1"/>
+          </a:fontRef>
+        </p:style>
+      </p:cxnSp>
+      <p:sp>
+        <p:nvSpPr>
+          <p:cNvPr id="21" name="TextBox 20">
+            <a:extLst>
+              <a:ext uri="{FF2B5EF4-FFF2-40B4-BE49-F238E27FC236}">
+                <a16:creationId xmlns:a16="http://schemas.microsoft.com/office/drawing/2014/main" id="{69E22CC5-42A3-422C-9B1B-96BCF7FEB5B8}"/>
+              </a:ext>
+            </a:extLst>
+          </p:cNvPr>
+          <p:cNvSpPr txBox="1"/>
+          <p:nvPr/>
+        </p:nvSpPr>
+        <p:spPr>
+          <a:xfrm>
+            <a:off x="3619246" y="304418"/>
+            <a:ext cx="2470600" cy="369332"/>
+          </a:xfrm>
+          <a:prstGeom prst="rect">
+            <a:avLst/>
+          </a:prstGeom>
+          <a:noFill/>
+        </p:spPr>
+        <p:txBody>
+          <a:bodyPr wrap="square" rtlCol="0">
+            <a:spAutoFit/>
+          </a:bodyPr>
+          <a:lstStyle/>
+          <a:p>
+            <a:pPr marL="0" marR="0" lvl="0" indent="0" algn="l" defTabSz="914400" rtl="0" eaLnBrk="1" fontAlgn="auto" latinLnBrk="0" hangingPunct="1">
+              <a:lnSpc>
+                <a:spcPct val="100000"/>
+              </a:lnSpc>
+              <a:spcBef>
+                <a:spcPts val="0"/>
+              </a:spcBef>
+              <a:spcAft>
+                <a:spcPts val="0"/>
+              </a:spcAft>
+              <a:buClrTx/>
+              <a:buSzTx/>
+              <a:buFontTx/>
+              <a:buNone/>
+              <a:tabLst/>
+              <a:defRPr/>
+            </a:pPr>
+            <a:r>
+              <a:rPr kumimoji="0" lang="en-GB" sz="1800" b="0" i="0" u="none" strike="noStrike" kern="1200" cap="none" spc="0" normalizeH="0" baseline="0" noProof="0" dirty="0">
+                <a:ln>
+                  <a:noFill/>
+                </a:ln>
+                <a:solidFill>
+                  <a:prstClr val="black"/>
+                </a:solidFill>
+                <a:effectLst/>
+                <a:uLnTx/>
+                <a:uFillTx/>
+                <a:latin typeface="Calibri" panose="020F0502020204030204"/>
+                <a:ea typeface="+mn-ea"/>
+                <a:cs typeface="+mn-cs"/>
+              </a:rPr>
+              <a:t>General Functions</a:t>
+            </a:r>
+          </a:p>
+        </p:txBody>
+      </p:sp>
+      <p:sp>
+        <p:nvSpPr>
+          <p:cNvPr id="16" name="TextBox 15">
+            <a:extLst>
+              <a:ext uri="{FF2B5EF4-FFF2-40B4-BE49-F238E27FC236}">
+                <a16:creationId xmlns:a16="http://schemas.microsoft.com/office/drawing/2014/main" id="{7B2AED9A-33A0-42EB-BEAB-E1B4873BCD69}"/>
+              </a:ext>
+            </a:extLst>
+          </p:cNvPr>
+          <p:cNvSpPr txBox="1"/>
+          <p:nvPr/>
+        </p:nvSpPr>
+        <p:spPr>
+          <a:xfrm>
+            <a:off x="350355" y="1238177"/>
+            <a:ext cx="6096000" cy="369332"/>
+          </a:xfrm>
+          <a:prstGeom prst="rect">
+            <a:avLst/>
+          </a:prstGeom>
+          <a:noFill/>
+        </p:spPr>
+        <p:txBody>
+          <a:bodyPr wrap="square">
+            <a:spAutoFit/>
+          </a:bodyPr>
+          <a:lstStyle/>
+          <a:p>
+            <a:r>
+              <a:rPr lang="en-US" b="1" dirty="0"/>
+              <a:t>What's so special about Euler's Number?</a:t>
+            </a:r>
+            <a:endParaRPr lang="en-GB" b="1" dirty="0"/>
+          </a:p>
+        </p:txBody>
+      </p:sp>
+      <p:sp>
+        <p:nvSpPr>
+          <p:cNvPr id="31" name="TextBox 30">
+            <a:extLst>
+              <a:ext uri="{FF2B5EF4-FFF2-40B4-BE49-F238E27FC236}">
+                <a16:creationId xmlns:a16="http://schemas.microsoft.com/office/drawing/2014/main" id="{9788770A-8AF5-40F9-AEF9-9D6C25D2B5B1}"/>
+              </a:ext>
+            </a:extLst>
+          </p:cNvPr>
+          <p:cNvSpPr txBox="1"/>
+          <p:nvPr/>
+        </p:nvSpPr>
+        <p:spPr>
+          <a:xfrm>
+            <a:off x="350355" y="1977713"/>
+            <a:ext cx="10565295" cy="338554"/>
+          </a:xfrm>
+          <a:prstGeom prst="rect">
+            <a:avLst/>
+          </a:prstGeom>
+          <a:noFill/>
+        </p:spPr>
+        <p:txBody>
+          <a:bodyPr wrap="square">
+            <a:spAutoFit/>
+          </a:bodyPr>
+          <a:lstStyle/>
+          <a:p>
+            <a:r>
+              <a:rPr lang="en-GB" sz="1600" dirty="0"/>
+              <a:t>e has many very interesting properties. The most remarkable is that the differential of </a:t>
+            </a:r>
+            <a:r>
+              <a:rPr lang="en-GB" sz="1600" dirty="0" err="1"/>
+              <a:t>e^x</a:t>
+            </a:r>
+            <a:r>
+              <a:rPr lang="en-GB" sz="1600" dirty="0"/>
+              <a:t> is </a:t>
+            </a:r>
+            <a:r>
+              <a:rPr lang="en-GB" sz="1600" dirty="0" err="1"/>
+              <a:t>e^x</a:t>
+            </a:r>
+            <a:r>
+              <a:rPr lang="en-GB" sz="1600" dirty="0"/>
+              <a:t>. That’s to say when:</a:t>
+            </a:r>
+          </a:p>
+        </p:txBody>
+      </p:sp>
+      <p:pic>
+        <p:nvPicPr>
+          <p:cNvPr id="7" name="Picture 6">
+            <a:extLst>
+              <a:ext uri="{FF2B5EF4-FFF2-40B4-BE49-F238E27FC236}">
+                <a16:creationId xmlns:a16="http://schemas.microsoft.com/office/drawing/2014/main" id="{2AEF7707-88B0-4689-BE4F-C07437AAFA33}"/>
+              </a:ext>
+            </a:extLst>
+          </p:cNvPr>
+          <p:cNvPicPr>
+            <a:picLocks noChangeAspect="1"/>
+          </p:cNvPicPr>
+          <p:nvPr/>
+        </p:nvPicPr>
+        <p:blipFill>
+          <a:blip r:embed="rId3"/>
+          <a:stretch>
+            <a:fillRect/>
+          </a:stretch>
+        </p:blipFill>
+        <p:spPr>
+          <a:xfrm>
+            <a:off x="4655791" y="2610273"/>
+            <a:ext cx="1954422" cy="909638"/>
+          </a:xfrm>
+          <a:prstGeom prst="rect">
+            <a:avLst/>
+          </a:prstGeom>
+        </p:spPr>
+      </p:pic>
+      <p:sp>
+        <p:nvSpPr>
+          <p:cNvPr id="32" name="TextBox 31">
+            <a:extLst>
+              <a:ext uri="{FF2B5EF4-FFF2-40B4-BE49-F238E27FC236}">
+                <a16:creationId xmlns:a16="http://schemas.microsoft.com/office/drawing/2014/main" id="{DAD1DC6E-4626-4F4B-8B63-169AA484E4E5}"/>
+              </a:ext>
+            </a:extLst>
+          </p:cNvPr>
+          <p:cNvSpPr txBox="1"/>
+          <p:nvPr/>
+        </p:nvSpPr>
+        <p:spPr>
+          <a:xfrm>
+            <a:off x="376860" y="3813917"/>
+            <a:ext cx="10565295" cy="584775"/>
+          </a:xfrm>
+          <a:prstGeom prst="rect">
+            <a:avLst/>
+          </a:prstGeom>
+          <a:noFill/>
+        </p:spPr>
+        <p:txBody>
+          <a:bodyPr wrap="square">
+            <a:spAutoFit/>
+          </a:bodyPr>
+          <a:lstStyle/>
+          <a:p>
+            <a:r>
+              <a:rPr lang="en-GB" sz="1600" dirty="0"/>
+              <a:t>If that value of e was any larger the derivative would be larger than </a:t>
+            </a:r>
+            <a:r>
+              <a:rPr lang="en-GB" sz="1600" dirty="0" err="1"/>
+              <a:t>e^x</a:t>
+            </a:r>
+            <a:r>
+              <a:rPr lang="en-GB" sz="1600" dirty="0"/>
+              <a:t> and if it were any smaller the derivative would be smaller.   </a:t>
+            </a:r>
+          </a:p>
+        </p:txBody>
+      </p:sp>
+    </p:spTree>
+    <p:extLst>
+      <p:ext uri="{BB962C8B-B14F-4D97-AF65-F5344CB8AC3E}">
+        <p14:creationId xmlns:p14="http://schemas.microsoft.com/office/powerpoint/2010/main" val="1883930508"/>
+      </p:ext>
+    </p:extLst>
+  </p:cSld>
+  <p:clrMapOvr>
+    <a:masterClrMapping/>
+  </p:clrMapOvr>
+</p:sld>
+</file>
+
+<file path=ppt/slides/slide3.xml><?xml version="1.0" encoding="utf-8"?>
 <p:sld xmlns:a="http://schemas.openxmlformats.org/drawingml/2006/main" xmlns:r="http://schemas.openxmlformats.org/officeDocument/2006/relationships" xmlns:p="http://schemas.openxmlformats.org/presentationml/2006/main">
   <p:cSld>
     <p:spTree>
@@ -4149,7 +5081,7 @@
 </p:sld>
 </file>
 
-<file path=ppt/slides/slide3.xml><?xml version="1.0" encoding="utf-8"?>
+<file path=ppt/slides/slide4.xml><?xml version="1.0" encoding="utf-8"?>
 <p:sld xmlns:a="http://schemas.openxmlformats.org/drawingml/2006/main" xmlns:r="http://schemas.openxmlformats.org/officeDocument/2006/relationships" xmlns:p="http://schemas.openxmlformats.org/presentationml/2006/main">
   <p:cSld>
     <p:spTree>
@@ -4556,7 +5488,7 @@
 </p:sld>
 </file>
 
-<file path=ppt/slides/slide4.xml><?xml version="1.0" encoding="utf-8"?>
+<file path=ppt/slides/slide5.xml><?xml version="1.0" encoding="utf-8"?>
 <p:sld xmlns:a="http://schemas.openxmlformats.org/drawingml/2006/main" xmlns:r="http://schemas.openxmlformats.org/officeDocument/2006/relationships" xmlns:p="http://schemas.openxmlformats.org/presentationml/2006/main">
   <p:cSld>
     <p:spTree>
@@ -4963,7 +5895,7 @@
 </p:sld>
 </file>
 
-<file path=ppt/slides/slide5.xml><?xml version="1.0" encoding="utf-8"?>
+<file path=ppt/slides/slide6.xml><?xml version="1.0" encoding="utf-8"?>
 <p:sld xmlns:a="http://schemas.openxmlformats.org/drawingml/2006/main" xmlns:r="http://schemas.openxmlformats.org/officeDocument/2006/relationships" xmlns:p="http://schemas.openxmlformats.org/presentationml/2006/main">
   <p:cSld>
     <p:spTree>
@@ -5370,7 +6302,7 @@
 </p:sld>
 </file>
 
-<file path=ppt/slides/slide6.xml><?xml version="1.0" encoding="utf-8"?>
+<file path=ppt/slides/slide7.xml><?xml version="1.0" encoding="utf-8"?>
 <p:sld xmlns:a="http://schemas.openxmlformats.org/drawingml/2006/main" xmlns:r="http://schemas.openxmlformats.org/officeDocument/2006/relationships" xmlns:p="http://schemas.openxmlformats.org/presentationml/2006/main">
   <p:cSld>
     <p:spTree>

--- a/Graphs_and_Functions/Graphs_and_Functions.pptx
+++ b/Graphs_and_Functions/Graphs_and_Functions.pptx
@@ -7,11 +7,13 @@
   <p:sldIdLst>
     <p:sldId id="261" r:id="rId2"/>
     <p:sldId id="265" r:id="rId3"/>
-    <p:sldId id="262" r:id="rId4"/>
-    <p:sldId id="263" r:id="rId5"/>
-    <p:sldId id="264" r:id="rId6"/>
-    <p:sldId id="259" r:id="rId7"/>
-    <p:sldId id="260" r:id="rId8"/>
+    <p:sldId id="266" r:id="rId4"/>
+    <p:sldId id="267" r:id="rId5"/>
+    <p:sldId id="262" r:id="rId6"/>
+    <p:sldId id="263" r:id="rId7"/>
+    <p:sldId id="264" r:id="rId8"/>
+    <p:sldId id="259" r:id="rId9"/>
+    <p:sldId id="260" r:id="rId10"/>
   </p:sldIdLst>
   <p:sldSz cx="12192000" cy="6858000"/>
   <p:notesSz cx="6858000" cy="9144000"/>
@@ -267,7 +269,7 @@
           <a:p>
             <a:fld id="{655AA731-BE5F-44DA-AAEA-300254B29F16}" type="datetimeFigureOut">
               <a:rPr lang="en-GB" smtClean="0"/>
-              <a:t>26/01/2022</a:t>
+              <a:t>27/01/2022</a:t>
             </a:fld>
             <a:endParaRPr lang="en-GB"/>
           </a:p>
@@ -467,7 +469,7 @@
           <a:p>
             <a:fld id="{655AA731-BE5F-44DA-AAEA-300254B29F16}" type="datetimeFigureOut">
               <a:rPr lang="en-GB" smtClean="0"/>
-              <a:t>26/01/2022</a:t>
+              <a:t>27/01/2022</a:t>
             </a:fld>
             <a:endParaRPr lang="en-GB"/>
           </a:p>
@@ -677,7 +679,7 @@
           <a:p>
             <a:fld id="{655AA731-BE5F-44DA-AAEA-300254B29F16}" type="datetimeFigureOut">
               <a:rPr lang="en-GB" smtClean="0"/>
-              <a:t>26/01/2022</a:t>
+              <a:t>27/01/2022</a:t>
             </a:fld>
             <a:endParaRPr lang="en-GB"/>
           </a:p>
@@ -877,7 +879,7 @@
           <a:p>
             <a:fld id="{655AA731-BE5F-44DA-AAEA-300254B29F16}" type="datetimeFigureOut">
               <a:rPr lang="en-GB" smtClean="0"/>
-              <a:t>26/01/2022</a:t>
+              <a:t>27/01/2022</a:t>
             </a:fld>
             <a:endParaRPr lang="en-GB"/>
           </a:p>
@@ -1153,7 +1155,7 @@
           <a:p>
             <a:fld id="{655AA731-BE5F-44DA-AAEA-300254B29F16}" type="datetimeFigureOut">
               <a:rPr lang="en-GB" smtClean="0"/>
-              <a:t>26/01/2022</a:t>
+              <a:t>27/01/2022</a:t>
             </a:fld>
             <a:endParaRPr lang="en-GB"/>
           </a:p>
@@ -1421,7 +1423,7 @@
           <a:p>
             <a:fld id="{655AA731-BE5F-44DA-AAEA-300254B29F16}" type="datetimeFigureOut">
               <a:rPr lang="en-GB" smtClean="0"/>
-              <a:t>26/01/2022</a:t>
+              <a:t>27/01/2022</a:t>
             </a:fld>
             <a:endParaRPr lang="en-GB"/>
           </a:p>
@@ -1836,7 +1838,7 @@
           <a:p>
             <a:fld id="{655AA731-BE5F-44DA-AAEA-300254B29F16}" type="datetimeFigureOut">
               <a:rPr lang="en-GB" smtClean="0"/>
-              <a:t>26/01/2022</a:t>
+              <a:t>27/01/2022</a:t>
             </a:fld>
             <a:endParaRPr lang="en-GB"/>
           </a:p>
@@ -1978,7 +1980,7 @@
           <a:p>
             <a:fld id="{655AA731-BE5F-44DA-AAEA-300254B29F16}" type="datetimeFigureOut">
               <a:rPr lang="en-GB" smtClean="0"/>
-              <a:t>26/01/2022</a:t>
+              <a:t>27/01/2022</a:t>
             </a:fld>
             <a:endParaRPr lang="en-GB"/>
           </a:p>
@@ -2091,7 +2093,7 @@
           <a:p>
             <a:fld id="{655AA731-BE5F-44DA-AAEA-300254B29F16}" type="datetimeFigureOut">
               <a:rPr lang="en-GB" smtClean="0"/>
-              <a:t>26/01/2022</a:t>
+              <a:t>27/01/2022</a:t>
             </a:fld>
             <a:endParaRPr lang="en-GB"/>
           </a:p>
@@ -2404,7 +2406,7 @@
           <a:p>
             <a:fld id="{655AA731-BE5F-44DA-AAEA-300254B29F16}" type="datetimeFigureOut">
               <a:rPr lang="en-GB" smtClean="0"/>
-              <a:t>26/01/2022</a:t>
+              <a:t>27/01/2022</a:t>
             </a:fld>
             <a:endParaRPr lang="en-GB"/>
           </a:p>
@@ -2693,7 +2695,7 @@
           <a:p>
             <a:fld id="{655AA731-BE5F-44DA-AAEA-300254B29F16}" type="datetimeFigureOut">
               <a:rPr lang="en-GB" smtClean="0"/>
-              <a:t>26/01/2022</a:t>
+              <a:t>27/01/2022</a:t>
             </a:fld>
             <a:endParaRPr lang="en-GB"/>
           </a:p>
@@ -2936,7 +2938,7 @@
           <a:p>
             <a:fld id="{655AA731-BE5F-44DA-AAEA-300254B29F16}" type="datetimeFigureOut">
               <a:rPr lang="en-GB" smtClean="0"/>
-              <a:t>26/01/2022</a:t>
+              <a:t>27/01/2022</a:t>
             </a:fld>
             <a:endParaRPr lang="en-GB"/>
           </a:p>
@@ -4094,6 +4096,41 @@
           </a:p>
         </p:txBody>
       </p:sp>
+      <p:sp>
+        <p:nvSpPr>
+          <p:cNvPr id="23" name="TextBox 22">
+            <a:extLst>
+              <a:ext uri="{FF2B5EF4-FFF2-40B4-BE49-F238E27FC236}">
+                <a16:creationId xmlns:a16="http://schemas.microsoft.com/office/drawing/2014/main" id="{2C27D908-3F91-4814-92AC-ADBD410CF570}"/>
+              </a:ext>
+            </a:extLst>
+          </p:cNvPr>
+          <p:cNvSpPr txBox="1"/>
+          <p:nvPr/>
+        </p:nvSpPr>
+        <p:spPr>
+          <a:xfrm>
+            <a:off x="10532125" y="3965782"/>
+            <a:ext cx="1370354" cy="369332"/>
+          </a:xfrm>
+          <a:prstGeom prst="rect">
+            <a:avLst/>
+          </a:prstGeom>
+          <a:noFill/>
+        </p:spPr>
+        <p:txBody>
+          <a:bodyPr wrap="square">
+            <a:spAutoFit/>
+          </a:bodyPr>
+          <a:lstStyle/>
+          <a:p>
+            <a:r>
+              <a:rPr lang="en-GB" sz="900" i="1" dirty="0"/>
+              <a:t>Note that this graph is asymptotic to e.</a:t>
+            </a:r>
+          </a:p>
+        </p:txBody>
+      </p:sp>
     </p:spTree>
     <p:extLst>
       <p:ext uri="{BB962C8B-B14F-4D97-AF65-F5344CB8AC3E}">
@@ -4552,7 +4589,7 @@
         <p:spPr>
           <a:xfrm>
             <a:off x="350355" y="1977713"/>
-            <a:ext cx="10565295" cy="338554"/>
+            <a:ext cx="6873405" cy="584775"/>
           </a:xfrm>
           <a:prstGeom prst="rect">
             <a:avLst/>
@@ -4610,7 +4647,7 @@
         </p:blipFill>
         <p:spPr>
           <a:xfrm>
-            <a:off x="4655791" y="2610273"/>
+            <a:off x="3316711" y="2867213"/>
             <a:ext cx="1954422" cy="909638"/>
           </a:xfrm>
           <a:prstGeom prst="rect">
@@ -4632,8 +4669,8 @@
         </p:nvSpPr>
         <p:spPr>
           <a:xfrm>
-            <a:off x="376860" y="3813917"/>
-            <a:ext cx="10565295" cy="584775"/>
+            <a:off x="350355" y="4286748"/>
+            <a:ext cx="7468692" cy="1323439"/>
           </a:xfrm>
           <a:prstGeom prst="rect">
             <a:avLst/>
@@ -4657,6 +4694,398 @@
             <a:r>
               <a:rPr lang="en-GB" sz="1600" dirty="0"/>
               <a:t> and if it were any smaller the derivative would be smaller.   </a:t>
+            </a:r>
+          </a:p>
+          <a:p>
+            <a:endParaRPr lang="en-GB" sz="1600" dirty="0"/>
+          </a:p>
+          <a:p>
+            <a:r>
+              <a:rPr lang="en-GB" sz="1600" dirty="0"/>
+              <a:t>Therefore on the flip side the integral of </a:t>
+            </a:r>
+            <a:r>
+              <a:rPr lang="en-GB" sz="1600" dirty="0" err="1"/>
+              <a:t>e^x</a:t>
+            </a:r>
+            <a:r>
+              <a:rPr lang="en-GB" sz="1600" dirty="0"/>
+              <a:t> is also </a:t>
+            </a:r>
+            <a:r>
+              <a:rPr lang="en-GB" sz="1600" dirty="0" err="1"/>
+              <a:t>e^x</a:t>
+            </a:r>
+            <a:r>
+              <a:rPr lang="en-GB" sz="1600" dirty="0"/>
+              <a:t>. This means that we know the area under the graph </a:t>
+            </a:r>
+          </a:p>
+        </p:txBody>
+      </p:sp>
+      <p:pic>
+        <p:nvPicPr>
+          <p:cNvPr id="15" name="Picture 14">
+            <a:extLst>
+              <a:ext uri="{FF2B5EF4-FFF2-40B4-BE49-F238E27FC236}">
+                <a16:creationId xmlns:a16="http://schemas.microsoft.com/office/drawing/2014/main" id="{8B77332B-ACED-4B28-BAF4-5E0D1A6EE37A}"/>
+              </a:ext>
+            </a:extLst>
+          </p:cNvPr>
+          <p:cNvPicPr>
+            <a:picLocks noChangeAspect="1"/>
+          </p:cNvPicPr>
+          <p:nvPr/>
+        </p:nvPicPr>
+        <p:blipFill>
+          <a:blip r:embed="rId4"/>
+          <a:stretch>
+            <a:fillRect/>
+          </a:stretch>
+        </p:blipFill>
+        <p:spPr>
+          <a:xfrm>
+            <a:off x="8110727" y="316140"/>
+            <a:ext cx="3940697" cy="2906453"/>
+          </a:xfrm>
+          <a:prstGeom prst="rect">
+            <a:avLst/>
+          </a:prstGeom>
+        </p:spPr>
+      </p:pic>
+      <p:pic>
+        <p:nvPicPr>
+          <p:cNvPr id="17" name="Picture 16">
+            <a:extLst>
+              <a:ext uri="{FF2B5EF4-FFF2-40B4-BE49-F238E27FC236}">
+                <a16:creationId xmlns:a16="http://schemas.microsoft.com/office/drawing/2014/main" id="{8A5BCC92-A66C-4592-984B-4F339D5AD933}"/>
+              </a:ext>
+            </a:extLst>
+          </p:cNvPr>
+          <p:cNvPicPr>
+            <a:picLocks noChangeAspect="1"/>
+          </p:cNvPicPr>
+          <p:nvPr/>
+        </p:nvPicPr>
+        <p:blipFill>
+          <a:blip r:embed="rId4"/>
+          <a:stretch>
+            <a:fillRect/>
+          </a:stretch>
+        </p:blipFill>
+        <p:spPr>
+          <a:xfrm>
+            <a:off x="8110726" y="3519911"/>
+            <a:ext cx="3940697" cy="2906453"/>
+          </a:xfrm>
+          <a:prstGeom prst="rect">
+            <a:avLst/>
+          </a:prstGeom>
+        </p:spPr>
+      </p:pic>
+      <p:cxnSp>
+        <p:nvCxnSpPr>
+          <p:cNvPr id="3" name="Straight Connector 2">
+            <a:extLst>
+              <a:ext uri="{FF2B5EF4-FFF2-40B4-BE49-F238E27FC236}">
+                <a16:creationId xmlns:a16="http://schemas.microsoft.com/office/drawing/2014/main" id="{B9D1069D-1C68-4D0F-86A7-6CD3AC21730B}"/>
+              </a:ext>
+            </a:extLst>
+          </p:cNvPr>
+          <p:cNvCxnSpPr/>
+          <p:nvPr/>
+        </p:nvCxnSpPr>
+        <p:spPr>
+          <a:xfrm flipV="1">
+            <a:off x="9244584" y="2359152"/>
+            <a:ext cx="1709928" cy="649224"/>
+          </a:xfrm>
+          <a:prstGeom prst="line">
+            <a:avLst/>
+          </a:prstGeom>
+          <a:ln>
+            <a:solidFill>
+              <a:srgbClr val="FF0000"/>
+            </a:solidFill>
+          </a:ln>
+        </p:spPr>
+        <p:style>
+          <a:lnRef idx="1">
+            <a:schemeClr val="accent1"/>
+          </a:lnRef>
+          <a:fillRef idx="0">
+            <a:schemeClr val="accent1"/>
+          </a:fillRef>
+          <a:effectRef idx="0">
+            <a:schemeClr val="accent1"/>
+          </a:effectRef>
+          <a:fontRef idx="minor">
+            <a:schemeClr val="tx1"/>
+          </a:fontRef>
+        </p:style>
+      </p:cxnSp>
+      <p:sp>
+        <p:nvSpPr>
+          <p:cNvPr id="9" name="TextBox 8">
+            <a:extLst>
+              <a:ext uri="{FF2B5EF4-FFF2-40B4-BE49-F238E27FC236}">
+                <a16:creationId xmlns:a16="http://schemas.microsoft.com/office/drawing/2014/main" id="{98493C86-486B-47DA-B629-AD034D7822F1}"/>
+              </a:ext>
+            </a:extLst>
+          </p:cNvPr>
+          <p:cNvSpPr txBox="1"/>
+          <p:nvPr/>
+        </p:nvSpPr>
+        <p:spPr>
+          <a:xfrm>
+            <a:off x="10669352" y="2377822"/>
+            <a:ext cx="1052595" cy="369332"/>
+          </a:xfrm>
+          <a:prstGeom prst="rect">
+            <a:avLst/>
+          </a:prstGeom>
+          <a:noFill/>
+        </p:spPr>
+        <p:txBody>
+          <a:bodyPr wrap="square" rtlCol="0">
+            <a:spAutoFit/>
+          </a:bodyPr>
+          <a:lstStyle/>
+          <a:p>
+            <a:r>
+              <a:rPr lang="en-GB" sz="900" i="1" dirty="0"/>
+              <a:t>Slope is equal to 1 where y=1</a:t>
+            </a:r>
+          </a:p>
+        </p:txBody>
+      </p:sp>
+      <p:sp>
+        <p:nvSpPr>
+          <p:cNvPr id="10" name="Freeform: Shape 9">
+            <a:extLst>
+              <a:ext uri="{FF2B5EF4-FFF2-40B4-BE49-F238E27FC236}">
+                <a16:creationId xmlns:a16="http://schemas.microsoft.com/office/drawing/2014/main" id="{4B4CE35A-6D5E-4180-A6B1-210470A5D734}"/>
+              </a:ext>
+            </a:extLst>
+          </p:cNvPr>
+          <p:cNvSpPr/>
+          <p:nvPr/>
+        </p:nvSpPr>
+        <p:spPr>
+          <a:xfrm>
+            <a:off x="8383836" y="4869455"/>
+            <a:ext cx="2919470" cy="1388126"/>
+          </a:xfrm>
+          <a:custGeom>
+            <a:avLst/>
+            <a:gdLst>
+              <a:gd name="connsiteX0" fmla="*/ 0 w 2919470"/>
+              <a:gd name="connsiteY0" fmla="*/ 1299991 h 1388126"/>
+              <a:gd name="connsiteX1" fmla="*/ 374574 w 2919470"/>
+              <a:gd name="connsiteY1" fmla="*/ 1299991 h 1388126"/>
+              <a:gd name="connsiteX2" fmla="*/ 815248 w 2919470"/>
+              <a:gd name="connsiteY2" fmla="*/ 1255923 h 1388126"/>
+              <a:gd name="connsiteX3" fmla="*/ 1079653 w 2919470"/>
+              <a:gd name="connsiteY3" fmla="*/ 1211856 h 1388126"/>
+              <a:gd name="connsiteX4" fmla="*/ 1575412 w 2919470"/>
+              <a:gd name="connsiteY4" fmla="*/ 1079653 h 1388126"/>
+              <a:gd name="connsiteX5" fmla="*/ 2005070 w 2919470"/>
+              <a:gd name="connsiteY5" fmla="*/ 859316 h 1388126"/>
+              <a:gd name="connsiteX6" fmla="*/ 2291509 w 2919470"/>
+              <a:gd name="connsiteY6" fmla="*/ 672029 h 1388126"/>
+              <a:gd name="connsiteX7" fmla="*/ 2544897 w 2919470"/>
+              <a:gd name="connsiteY7" fmla="*/ 462709 h 1388126"/>
+              <a:gd name="connsiteX8" fmla="*/ 2886419 w 2919470"/>
+              <a:gd name="connsiteY8" fmla="*/ 0 h 1388126"/>
+              <a:gd name="connsiteX9" fmla="*/ 2919470 w 2919470"/>
+              <a:gd name="connsiteY9" fmla="*/ 1377109 h 1388126"/>
+              <a:gd name="connsiteX10" fmla="*/ 11017 w 2919470"/>
+              <a:gd name="connsiteY10" fmla="*/ 1388126 h 1388126"/>
+              <a:gd name="connsiteX11" fmla="*/ 0 w 2919470"/>
+              <a:gd name="connsiteY11" fmla="*/ 1299991 h 1388126"/>
+            </a:gdLst>
+            <a:ahLst/>
+            <a:cxnLst>
+              <a:cxn ang="0">
+                <a:pos x="connsiteX0" y="connsiteY0"/>
+              </a:cxn>
+              <a:cxn ang="0">
+                <a:pos x="connsiteX1" y="connsiteY1"/>
+              </a:cxn>
+              <a:cxn ang="0">
+                <a:pos x="connsiteX2" y="connsiteY2"/>
+              </a:cxn>
+              <a:cxn ang="0">
+                <a:pos x="connsiteX3" y="connsiteY3"/>
+              </a:cxn>
+              <a:cxn ang="0">
+                <a:pos x="connsiteX4" y="connsiteY4"/>
+              </a:cxn>
+              <a:cxn ang="0">
+                <a:pos x="connsiteX5" y="connsiteY5"/>
+              </a:cxn>
+              <a:cxn ang="0">
+                <a:pos x="connsiteX6" y="connsiteY6"/>
+              </a:cxn>
+              <a:cxn ang="0">
+                <a:pos x="connsiteX7" y="connsiteY7"/>
+              </a:cxn>
+              <a:cxn ang="0">
+                <a:pos x="connsiteX8" y="connsiteY8"/>
+              </a:cxn>
+              <a:cxn ang="0">
+                <a:pos x="connsiteX9" y="connsiteY9"/>
+              </a:cxn>
+              <a:cxn ang="0">
+                <a:pos x="connsiteX10" y="connsiteY10"/>
+              </a:cxn>
+              <a:cxn ang="0">
+                <a:pos x="connsiteX11" y="connsiteY11"/>
+              </a:cxn>
+            </a:cxnLst>
+            <a:rect l="l" t="t" r="r" b="b"/>
+            <a:pathLst>
+              <a:path w="2919470" h="1388126">
+                <a:moveTo>
+                  <a:pt x="0" y="1299991"/>
+                </a:moveTo>
+                <a:lnTo>
+                  <a:pt x="374574" y="1299991"/>
+                </a:lnTo>
+                <a:lnTo>
+                  <a:pt x="815248" y="1255923"/>
+                </a:lnTo>
+                <a:lnTo>
+                  <a:pt x="1079653" y="1211856"/>
+                </a:lnTo>
+                <a:lnTo>
+                  <a:pt x="1575412" y="1079653"/>
+                </a:lnTo>
+                <a:lnTo>
+                  <a:pt x="2005070" y="859316"/>
+                </a:lnTo>
+                <a:lnTo>
+                  <a:pt x="2291509" y="672029"/>
+                </a:lnTo>
+                <a:lnTo>
+                  <a:pt x="2544897" y="462709"/>
+                </a:lnTo>
+                <a:lnTo>
+                  <a:pt x="2886419" y="0"/>
+                </a:lnTo>
+                <a:lnTo>
+                  <a:pt x="2919470" y="1377109"/>
+                </a:lnTo>
+                <a:lnTo>
+                  <a:pt x="11017" y="1388126"/>
+                </a:lnTo>
+                <a:lnTo>
+                  <a:pt x="0" y="1299991"/>
+                </a:lnTo>
+                <a:close/>
+              </a:path>
+            </a:pathLst>
+          </a:custGeom>
+          <a:solidFill>
+            <a:srgbClr val="FF0000">
+              <a:alpha val="20000"/>
+            </a:srgbClr>
+          </a:solidFill>
+          <a:ln>
+            <a:noFill/>
+          </a:ln>
+        </p:spPr>
+        <p:style>
+          <a:lnRef idx="2">
+            <a:schemeClr val="accent1">
+              <a:shade val="50000"/>
+            </a:schemeClr>
+          </a:lnRef>
+          <a:fillRef idx="1">
+            <a:schemeClr val="accent1"/>
+          </a:fillRef>
+          <a:effectRef idx="0">
+            <a:schemeClr val="accent1"/>
+          </a:effectRef>
+          <a:fontRef idx="minor">
+            <a:schemeClr val="lt1"/>
+          </a:fontRef>
+        </p:style>
+        <p:txBody>
+          <a:bodyPr rtlCol="0" anchor="ctr"/>
+          <a:lstStyle/>
+          <a:p>
+            <a:pPr algn="ctr"/>
+            <a:endParaRPr lang="en-GB"/>
+          </a:p>
+        </p:txBody>
+      </p:sp>
+      <p:sp>
+        <p:nvSpPr>
+          <p:cNvPr id="22" name="TextBox 21">
+            <a:extLst>
+              <a:ext uri="{FF2B5EF4-FFF2-40B4-BE49-F238E27FC236}">
+                <a16:creationId xmlns:a16="http://schemas.microsoft.com/office/drawing/2014/main" id="{29E5D2FF-0145-4B9B-A990-819671225020}"/>
+              </a:ext>
+            </a:extLst>
+          </p:cNvPr>
+          <p:cNvSpPr txBox="1"/>
+          <p:nvPr/>
+        </p:nvSpPr>
+        <p:spPr>
+          <a:xfrm>
+            <a:off x="10846589" y="4772569"/>
+            <a:ext cx="610953" cy="230832"/>
+          </a:xfrm>
+          <a:prstGeom prst="rect">
+            <a:avLst/>
+          </a:prstGeom>
+          <a:noFill/>
+        </p:spPr>
+        <p:txBody>
+          <a:bodyPr wrap="square" rtlCol="0">
+            <a:spAutoFit/>
+          </a:bodyPr>
+          <a:lstStyle/>
+          <a:p>
+            <a:r>
+              <a:rPr lang="en-GB" sz="900" i="1" dirty="0"/>
+              <a:t>Y=4</a:t>
+            </a:r>
+          </a:p>
+        </p:txBody>
+      </p:sp>
+      <p:sp>
+        <p:nvSpPr>
+          <p:cNvPr id="23" name="TextBox 22">
+            <a:extLst>
+              <a:ext uri="{FF2B5EF4-FFF2-40B4-BE49-F238E27FC236}">
+                <a16:creationId xmlns:a16="http://schemas.microsoft.com/office/drawing/2014/main" id="{A0D731AF-25F9-4B8B-B84E-E8C440A398A3}"/>
+              </a:ext>
+            </a:extLst>
+          </p:cNvPr>
+          <p:cNvSpPr txBox="1"/>
+          <p:nvPr/>
+        </p:nvSpPr>
+        <p:spPr>
+          <a:xfrm>
+            <a:off x="10504404" y="5680102"/>
+            <a:ext cx="798902" cy="507831"/>
+          </a:xfrm>
+          <a:prstGeom prst="rect">
+            <a:avLst/>
+          </a:prstGeom>
+          <a:noFill/>
+        </p:spPr>
+        <p:txBody>
+          <a:bodyPr wrap="square" rtlCol="0">
+            <a:spAutoFit/>
+          </a:bodyPr>
+          <a:lstStyle/>
+          <a:p>
+            <a:r>
+              <a:rPr lang="en-GB" sz="900" i="1" dirty="0"/>
+              <a:t>Hence the area is equal to 4</a:t>
             </a:r>
           </a:p>
         </p:txBody>
@@ -4675,6 +5104,1547 @@
 </file>
 
 <file path=ppt/slides/slide3.xml><?xml version="1.0" encoding="utf-8"?>
+<p:sld xmlns:a="http://schemas.openxmlformats.org/drawingml/2006/main" xmlns:r="http://schemas.openxmlformats.org/officeDocument/2006/relationships" xmlns:p="http://schemas.openxmlformats.org/presentationml/2006/main">
+  <p:cSld>
+    <p:spTree>
+      <p:nvGrpSpPr>
+        <p:cNvPr id="1" name=""/>
+        <p:cNvGrpSpPr/>
+        <p:nvPr/>
+      </p:nvGrpSpPr>
+      <p:grpSpPr>
+        <a:xfrm>
+          <a:off x="0" y="0"/>
+          <a:ext cx="0" cy="0"/>
+          <a:chOff x="0" y="0"/>
+          <a:chExt cx="0" cy="0"/>
+        </a:xfrm>
+      </p:grpSpPr>
+      <p:pic>
+        <p:nvPicPr>
+          <p:cNvPr id="4" name="Picture 3">
+            <a:extLst>
+              <a:ext uri="{FF2B5EF4-FFF2-40B4-BE49-F238E27FC236}">
+                <a16:creationId xmlns:a16="http://schemas.microsoft.com/office/drawing/2014/main" id="{D65D8F90-58FB-473A-A1AE-D27275685229}"/>
+              </a:ext>
+            </a:extLst>
+          </p:cNvPr>
+          <p:cNvPicPr>
+            <a:picLocks noChangeAspect="1"/>
+          </p:cNvPicPr>
+          <p:nvPr/>
+        </p:nvPicPr>
+        <p:blipFill rotWithShape="1">
+          <a:blip r:embed="rId2"/>
+          <a:srcRect r="24301" b="26301"/>
+          <a:stretch/>
+        </p:blipFill>
+        <p:spPr>
+          <a:xfrm>
+            <a:off x="140575" y="124322"/>
+            <a:ext cx="974264" cy="729525"/>
+          </a:xfrm>
+          <a:prstGeom prst="rect">
+            <a:avLst/>
+          </a:prstGeom>
+          <a:ln w="12700">
+            <a:solidFill>
+              <a:srgbClr val="A05838"/>
+            </a:solidFill>
+          </a:ln>
+        </p:spPr>
+      </p:pic>
+      <p:grpSp>
+        <p:nvGrpSpPr>
+          <p:cNvPr id="18" name="Group 17">
+            <a:extLst>
+              <a:ext uri="{FF2B5EF4-FFF2-40B4-BE49-F238E27FC236}">
+                <a16:creationId xmlns:a16="http://schemas.microsoft.com/office/drawing/2014/main" id="{6185BE9B-87C8-4B46-9293-0E71CF17E76A}"/>
+              </a:ext>
+            </a:extLst>
+          </p:cNvPr>
+          <p:cNvGrpSpPr/>
+          <p:nvPr/>
+        </p:nvGrpSpPr>
+        <p:grpSpPr>
+          <a:xfrm>
+            <a:off x="99755" y="142348"/>
+            <a:ext cx="11953701" cy="813615"/>
+            <a:chOff x="99755" y="142348"/>
+            <a:chExt cx="11953701" cy="813615"/>
+          </a:xfrm>
+        </p:grpSpPr>
+        <p:cxnSp>
+          <p:nvCxnSpPr>
+            <p:cNvPr id="5" name="Straight Connector 4">
+              <a:extLst>
+                <a:ext uri="{FF2B5EF4-FFF2-40B4-BE49-F238E27FC236}">
+                  <a16:creationId xmlns:a16="http://schemas.microsoft.com/office/drawing/2014/main" id="{A8BE4EF8-406C-4035-940C-AB752B29BA18}"/>
+                </a:ext>
+              </a:extLst>
+            </p:cNvPr>
+            <p:cNvCxnSpPr/>
+            <p:nvPr/>
+          </p:nvCxnSpPr>
+          <p:spPr>
+            <a:xfrm>
+              <a:off x="99755" y="955963"/>
+              <a:ext cx="11953701" cy="0"/>
+            </a:xfrm>
+            <a:prstGeom prst="line">
+              <a:avLst/>
+            </a:prstGeom>
+            <a:ln w="19050">
+              <a:solidFill>
+                <a:srgbClr val="A05838"/>
+              </a:solidFill>
+            </a:ln>
+          </p:spPr>
+          <p:style>
+            <a:lnRef idx="1">
+              <a:schemeClr val="accent1"/>
+            </a:lnRef>
+            <a:fillRef idx="0">
+              <a:schemeClr val="accent1"/>
+            </a:fillRef>
+            <a:effectRef idx="0">
+              <a:schemeClr val="accent1"/>
+            </a:effectRef>
+            <a:fontRef idx="minor">
+              <a:schemeClr val="tx1"/>
+            </a:fontRef>
+          </p:style>
+        </p:cxnSp>
+        <p:sp>
+          <p:nvSpPr>
+            <p:cNvPr id="6" name="TextBox 5">
+              <a:extLst>
+                <a:ext uri="{FF2B5EF4-FFF2-40B4-BE49-F238E27FC236}">
+                  <a16:creationId xmlns:a16="http://schemas.microsoft.com/office/drawing/2014/main" id="{4A5E75BC-B6AC-4138-AB81-9DEC0096C5A8}"/>
+                </a:ext>
+              </a:extLst>
+            </p:cNvPr>
+            <p:cNvSpPr txBox="1"/>
+            <p:nvPr/>
+          </p:nvSpPr>
+          <p:spPr>
+            <a:xfrm>
+              <a:off x="1200698" y="304418"/>
+              <a:ext cx="2116013" cy="369332"/>
+            </a:xfrm>
+            <a:prstGeom prst="rect">
+              <a:avLst/>
+            </a:prstGeom>
+            <a:noFill/>
+          </p:spPr>
+          <p:txBody>
+            <a:bodyPr wrap="square" rtlCol="0">
+              <a:spAutoFit/>
+            </a:bodyPr>
+            <a:lstStyle/>
+            <a:p>
+              <a:pPr marL="0" marR="0" lvl="0" indent="0" algn="l" defTabSz="914400" rtl="0" eaLnBrk="1" fontAlgn="auto" latinLnBrk="0" hangingPunct="1">
+                <a:lnSpc>
+                  <a:spcPct val="100000"/>
+                </a:lnSpc>
+                <a:spcBef>
+                  <a:spcPts val="0"/>
+                </a:spcBef>
+                <a:spcAft>
+                  <a:spcPts val="0"/>
+                </a:spcAft>
+                <a:buClrTx/>
+                <a:buSzTx/>
+                <a:buFontTx/>
+                <a:buNone/>
+                <a:tabLst/>
+                <a:defRPr/>
+              </a:pPr>
+              <a:r>
+                <a:rPr kumimoji="0" lang="en-GB" sz="1800" b="0" i="0" u="none" strike="noStrike" kern="1200" cap="none" spc="0" normalizeH="0" baseline="0" noProof="0" dirty="0">
+                  <a:ln>
+                    <a:noFill/>
+                  </a:ln>
+                  <a:solidFill>
+                    <a:prstClr val="black"/>
+                  </a:solidFill>
+                  <a:effectLst/>
+                  <a:uLnTx/>
+                  <a:uFillTx/>
+                  <a:latin typeface="Calibri" panose="020F0502020204030204"/>
+                  <a:ea typeface="+mn-ea"/>
+                  <a:cs typeface="+mn-cs"/>
+                </a:rPr>
+                <a:t>Graph Database</a:t>
+              </a:r>
+            </a:p>
+          </p:txBody>
+        </p:sp>
+        <p:sp>
+          <p:nvSpPr>
+            <p:cNvPr id="8" name="TextBox 7">
+              <a:extLst>
+                <a:ext uri="{FF2B5EF4-FFF2-40B4-BE49-F238E27FC236}">
+                  <a16:creationId xmlns:a16="http://schemas.microsoft.com/office/drawing/2014/main" id="{C61B684E-FDA7-4625-9CC3-79C17CC59ED7}"/>
+                </a:ext>
+              </a:extLst>
+            </p:cNvPr>
+            <p:cNvSpPr txBox="1"/>
+            <p:nvPr/>
+          </p:nvSpPr>
+          <p:spPr>
+            <a:xfrm>
+              <a:off x="6392379" y="304418"/>
+              <a:ext cx="3262085" cy="369332"/>
+            </a:xfrm>
+            <a:prstGeom prst="rect">
+              <a:avLst/>
+            </a:prstGeom>
+            <a:noFill/>
+          </p:spPr>
+          <p:txBody>
+            <a:bodyPr wrap="square" rtlCol="0">
+              <a:spAutoFit/>
+            </a:bodyPr>
+            <a:lstStyle/>
+            <a:p>
+              <a:pPr marL="0" marR="0" lvl="0" indent="0" algn="l" defTabSz="914400" rtl="0" eaLnBrk="1" fontAlgn="auto" latinLnBrk="0" hangingPunct="1">
+                <a:lnSpc>
+                  <a:spcPct val="100000"/>
+                </a:lnSpc>
+                <a:spcBef>
+                  <a:spcPts val="0"/>
+                </a:spcBef>
+                <a:spcAft>
+                  <a:spcPts val="0"/>
+                </a:spcAft>
+                <a:buClrTx/>
+                <a:buSzTx/>
+                <a:buFontTx/>
+                <a:buNone/>
+                <a:tabLst/>
+                <a:defRPr/>
+              </a:pPr>
+              <a:r>
+                <a:rPr kumimoji="0" lang="en-GB" sz="1800" b="0" i="0" u="none" strike="noStrike" kern="1200" cap="none" spc="0" normalizeH="0" baseline="0" noProof="0" dirty="0">
+                  <a:ln>
+                    <a:noFill/>
+                  </a:ln>
+                  <a:solidFill>
+                    <a:prstClr val="black"/>
+                  </a:solidFill>
+                  <a:effectLst/>
+                  <a:uLnTx/>
+                  <a:uFillTx/>
+                  <a:latin typeface="Calibri" panose="020F0502020204030204"/>
+                  <a:ea typeface="+mn-ea"/>
+                  <a:cs typeface="+mn-cs"/>
+                </a:rPr>
+                <a:t>Exponential</a:t>
+              </a:r>
+            </a:p>
+          </p:txBody>
+        </p:sp>
+        <p:cxnSp>
+          <p:nvCxnSpPr>
+            <p:cNvPr id="11" name="Straight Connector 10">
+              <a:extLst>
+                <a:ext uri="{FF2B5EF4-FFF2-40B4-BE49-F238E27FC236}">
+                  <a16:creationId xmlns:a16="http://schemas.microsoft.com/office/drawing/2014/main" id="{F70ABCF3-BE60-426F-8C8C-059C854869C6}"/>
+                </a:ext>
+              </a:extLst>
+            </p:cNvPr>
+            <p:cNvCxnSpPr>
+              <a:cxnSpLocks/>
+            </p:cNvCxnSpPr>
+            <p:nvPr/>
+          </p:nvCxnSpPr>
+          <p:spPr>
+            <a:xfrm flipV="1">
+              <a:off x="3398355" y="142348"/>
+              <a:ext cx="1" cy="754394"/>
+            </a:xfrm>
+            <a:prstGeom prst="line">
+              <a:avLst/>
+            </a:prstGeom>
+            <a:ln w="19050">
+              <a:solidFill>
+                <a:srgbClr val="A05838"/>
+              </a:solidFill>
+            </a:ln>
+          </p:spPr>
+          <p:style>
+            <a:lnRef idx="1">
+              <a:schemeClr val="accent1"/>
+            </a:lnRef>
+            <a:fillRef idx="0">
+              <a:schemeClr val="accent1"/>
+            </a:fillRef>
+            <a:effectRef idx="0">
+              <a:schemeClr val="accent1"/>
+            </a:effectRef>
+            <a:fontRef idx="minor">
+              <a:schemeClr val="tx1"/>
+            </a:fontRef>
+          </p:style>
+        </p:cxnSp>
+      </p:grpSp>
+      <p:cxnSp>
+        <p:nvCxnSpPr>
+          <p:cNvPr id="20" name="Straight Connector 19">
+            <a:extLst>
+              <a:ext uri="{FF2B5EF4-FFF2-40B4-BE49-F238E27FC236}">
+                <a16:creationId xmlns:a16="http://schemas.microsoft.com/office/drawing/2014/main" id="{7222DEA1-AAC2-4636-8AF3-897B1813E0F8}"/>
+              </a:ext>
+            </a:extLst>
+          </p:cNvPr>
+          <p:cNvCxnSpPr>
+            <a:cxnSpLocks/>
+          </p:cNvCxnSpPr>
+          <p:nvPr/>
+        </p:nvCxnSpPr>
+        <p:spPr>
+          <a:xfrm flipV="1">
+            <a:off x="6171490" y="140610"/>
+            <a:ext cx="1" cy="754394"/>
+          </a:xfrm>
+          <a:prstGeom prst="line">
+            <a:avLst/>
+          </a:prstGeom>
+          <a:ln w="19050">
+            <a:solidFill>
+              <a:srgbClr val="A05838"/>
+            </a:solidFill>
+          </a:ln>
+        </p:spPr>
+        <p:style>
+          <a:lnRef idx="1">
+            <a:schemeClr val="accent1"/>
+          </a:lnRef>
+          <a:fillRef idx="0">
+            <a:schemeClr val="accent1"/>
+          </a:fillRef>
+          <a:effectRef idx="0">
+            <a:schemeClr val="accent1"/>
+          </a:effectRef>
+          <a:fontRef idx="minor">
+            <a:schemeClr val="tx1"/>
+          </a:fontRef>
+        </p:style>
+      </p:cxnSp>
+      <p:sp>
+        <p:nvSpPr>
+          <p:cNvPr id="21" name="TextBox 20">
+            <a:extLst>
+              <a:ext uri="{FF2B5EF4-FFF2-40B4-BE49-F238E27FC236}">
+                <a16:creationId xmlns:a16="http://schemas.microsoft.com/office/drawing/2014/main" id="{69E22CC5-42A3-422C-9B1B-96BCF7FEB5B8}"/>
+              </a:ext>
+            </a:extLst>
+          </p:cNvPr>
+          <p:cNvSpPr txBox="1"/>
+          <p:nvPr/>
+        </p:nvSpPr>
+        <p:spPr>
+          <a:xfrm>
+            <a:off x="3619246" y="304418"/>
+            <a:ext cx="2470600" cy="369332"/>
+          </a:xfrm>
+          <a:prstGeom prst="rect">
+            <a:avLst/>
+          </a:prstGeom>
+          <a:noFill/>
+        </p:spPr>
+        <p:txBody>
+          <a:bodyPr wrap="square" rtlCol="0">
+            <a:spAutoFit/>
+          </a:bodyPr>
+          <a:lstStyle/>
+          <a:p>
+            <a:pPr marL="0" marR="0" lvl="0" indent="0" algn="l" defTabSz="914400" rtl="0" eaLnBrk="1" fontAlgn="auto" latinLnBrk="0" hangingPunct="1">
+              <a:lnSpc>
+                <a:spcPct val="100000"/>
+              </a:lnSpc>
+              <a:spcBef>
+                <a:spcPts val="0"/>
+              </a:spcBef>
+              <a:spcAft>
+                <a:spcPts val="0"/>
+              </a:spcAft>
+              <a:buClrTx/>
+              <a:buSzTx/>
+              <a:buFontTx/>
+              <a:buNone/>
+              <a:tabLst/>
+              <a:defRPr/>
+            </a:pPr>
+            <a:r>
+              <a:rPr kumimoji="0" lang="en-GB" sz="1800" b="0" i="0" u="none" strike="noStrike" kern="1200" cap="none" spc="0" normalizeH="0" baseline="0" noProof="0" dirty="0">
+                <a:ln>
+                  <a:noFill/>
+                </a:ln>
+                <a:solidFill>
+                  <a:prstClr val="black"/>
+                </a:solidFill>
+                <a:effectLst/>
+                <a:uLnTx/>
+                <a:uFillTx/>
+                <a:latin typeface="Calibri" panose="020F0502020204030204"/>
+                <a:ea typeface="+mn-ea"/>
+                <a:cs typeface="+mn-cs"/>
+              </a:rPr>
+              <a:t>General Functions</a:t>
+            </a:r>
+          </a:p>
+        </p:txBody>
+      </p:sp>
+      <p:sp>
+        <p:nvSpPr>
+          <p:cNvPr id="16" name="TextBox 15">
+            <a:extLst>
+              <a:ext uri="{FF2B5EF4-FFF2-40B4-BE49-F238E27FC236}">
+                <a16:creationId xmlns:a16="http://schemas.microsoft.com/office/drawing/2014/main" id="{7B2AED9A-33A0-42EB-BEAB-E1B4873BCD69}"/>
+              </a:ext>
+            </a:extLst>
+          </p:cNvPr>
+          <p:cNvSpPr txBox="1"/>
+          <p:nvPr/>
+        </p:nvSpPr>
+        <p:spPr>
+          <a:xfrm>
+            <a:off x="350355" y="1238177"/>
+            <a:ext cx="6096000" cy="369332"/>
+          </a:xfrm>
+          <a:prstGeom prst="rect">
+            <a:avLst/>
+          </a:prstGeom>
+          <a:noFill/>
+        </p:spPr>
+        <p:txBody>
+          <a:bodyPr wrap="square">
+            <a:spAutoFit/>
+          </a:bodyPr>
+          <a:lstStyle/>
+          <a:p>
+            <a:r>
+              <a:rPr lang="en-US" b="1" dirty="0"/>
+              <a:t>Other Exponential Functions</a:t>
+            </a:r>
+            <a:endParaRPr lang="en-GB" b="1" dirty="0"/>
+          </a:p>
+        </p:txBody>
+      </p:sp>
+      <p:pic>
+        <p:nvPicPr>
+          <p:cNvPr id="24" name="Picture 23">
+            <a:extLst>
+              <a:ext uri="{FF2B5EF4-FFF2-40B4-BE49-F238E27FC236}">
+                <a16:creationId xmlns:a16="http://schemas.microsoft.com/office/drawing/2014/main" id="{28681C5E-98F6-45A2-9B0C-D0DC1D1A7211}"/>
+              </a:ext>
+            </a:extLst>
+          </p:cNvPr>
+          <p:cNvPicPr>
+            <a:picLocks noChangeAspect="1"/>
+          </p:cNvPicPr>
+          <p:nvPr/>
+        </p:nvPicPr>
+        <p:blipFill>
+          <a:blip r:embed="rId3"/>
+          <a:stretch>
+            <a:fillRect/>
+          </a:stretch>
+        </p:blipFill>
+        <p:spPr>
+          <a:xfrm>
+            <a:off x="4507503" y="1909256"/>
+            <a:ext cx="3608044" cy="3039487"/>
+          </a:xfrm>
+          <a:prstGeom prst="rect">
+            <a:avLst/>
+          </a:prstGeom>
+        </p:spPr>
+      </p:pic>
+      <p:pic>
+        <p:nvPicPr>
+          <p:cNvPr id="25" name="Picture 24">
+            <a:extLst>
+              <a:ext uri="{FF2B5EF4-FFF2-40B4-BE49-F238E27FC236}">
+                <a16:creationId xmlns:a16="http://schemas.microsoft.com/office/drawing/2014/main" id="{70AEA39D-0D69-4AAF-AE1B-D6FF9AFF0AB7}"/>
+              </a:ext>
+            </a:extLst>
+          </p:cNvPr>
+          <p:cNvPicPr>
+            <a:picLocks noChangeAspect="1"/>
+          </p:cNvPicPr>
+          <p:nvPr/>
+        </p:nvPicPr>
+        <p:blipFill rotWithShape="1">
+          <a:blip r:embed="rId4"/>
+          <a:srcRect t="8619" b="9331"/>
+          <a:stretch/>
+        </p:blipFill>
+        <p:spPr>
+          <a:xfrm>
+            <a:off x="7018352" y="2068248"/>
+            <a:ext cx="803597" cy="284778"/>
+          </a:xfrm>
+          <a:prstGeom prst="rect">
+            <a:avLst/>
+          </a:prstGeom>
+          <a:ln w="15875">
+            <a:solidFill>
+              <a:schemeClr val="tx1">
+                <a:lumMod val="95000"/>
+                <a:lumOff val="5000"/>
+              </a:schemeClr>
+            </a:solidFill>
+          </a:ln>
+        </p:spPr>
+      </p:pic>
+      <p:pic>
+        <p:nvPicPr>
+          <p:cNvPr id="12" name="Picture 11">
+            <a:extLst>
+              <a:ext uri="{FF2B5EF4-FFF2-40B4-BE49-F238E27FC236}">
+                <a16:creationId xmlns:a16="http://schemas.microsoft.com/office/drawing/2014/main" id="{55F84609-9B69-4B94-959C-12E0B6E11D7E}"/>
+              </a:ext>
+            </a:extLst>
+          </p:cNvPr>
+          <p:cNvPicPr>
+            <a:picLocks noChangeAspect="1"/>
+          </p:cNvPicPr>
+          <p:nvPr/>
+        </p:nvPicPr>
+        <p:blipFill>
+          <a:blip r:embed="rId5"/>
+          <a:stretch>
+            <a:fillRect/>
+          </a:stretch>
+        </p:blipFill>
+        <p:spPr>
+          <a:xfrm>
+            <a:off x="6975658" y="2475072"/>
+            <a:ext cx="890359" cy="289002"/>
+          </a:xfrm>
+          <a:prstGeom prst="rect">
+            <a:avLst/>
+          </a:prstGeom>
+          <a:ln w="15875">
+            <a:solidFill>
+              <a:schemeClr val="tx1">
+                <a:lumMod val="95000"/>
+                <a:lumOff val="5000"/>
+              </a:schemeClr>
+            </a:solidFill>
+          </a:ln>
+        </p:spPr>
+      </p:pic>
+      <p:sp>
+        <p:nvSpPr>
+          <p:cNvPr id="26" name="TextBox 25">
+            <a:extLst>
+              <a:ext uri="{FF2B5EF4-FFF2-40B4-BE49-F238E27FC236}">
+                <a16:creationId xmlns:a16="http://schemas.microsoft.com/office/drawing/2014/main" id="{62F810BB-0C31-4210-8B3C-863E3D3D56C6}"/>
+              </a:ext>
+            </a:extLst>
+          </p:cNvPr>
+          <p:cNvSpPr txBox="1"/>
+          <p:nvPr/>
+        </p:nvSpPr>
+        <p:spPr>
+          <a:xfrm>
+            <a:off x="4507503" y="5355566"/>
+            <a:ext cx="3736903" cy="830997"/>
+          </a:xfrm>
+          <a:prstGeom prst="rect">
+            <a:avLst/>
+          </a:prstGeom>
+          <a:noFill/>
+        </p:spPr>
+        <p:txBody>
+          <a:bodyPr wrap="square">
+            <a:spAutoFit/>
+          </a:bodyPr>
+          <a:lstStyle/>
+          <a:p>
+            <a:r>
+              <a:rPr lang="en-GB" sz="1600" dirty="0"/>
+              <a:t>Here we’re taking the inverse of e^x. It is effectively a mirror around the line x=0 or y axis.</a:t>
+            </a:r>
+          </a:p>
+        </p:txBody>
+      </p:sp>
+      <p:pic>
+        <p:nvPicPr>
+          <p:cNvPr id="14" name="Picture 13">
+            <a:extLst>
+              <a:ext uri="{FF2B5EF4-FFF2-40B4-BE49-F238E27FC236}">
+                <a16:creationId xmlns:a16="http://schemas.microsoft.com/office/drawing/2014/main" id="{B87F3731-91AD-4AAB-9BEC-787C5545290E}"/>
+              </a:ext>
+            </a:extLst>
+          </p:cNvPr>
+          <p:cNvPicPr>
+            <a:picLocks noChangeAspect="1"/>
+          </p:cNvPicPr>
+          <p:nvPr/>
+        </p:nvPicPr>
+        <p:blipFill>
+          <a:blip r:embed="rId6"/>
+          <a:stretch>
+            <a:fillRect/>
+          </a:stretch>
+        </p:blipFill>
+        <p:spPr>
+          <a:xfrm>
+            <a:off x="389497" y="1909256"/>
+            <a:ext cx="3610190" cy="3039487"/>
+          </a:xfrm>
+          <a:prstGeom prst="rect">
+            <a:avLst/>
+          </a:prstGeom>
+        </p:spPr>
+      </p:pic>
+      <p:pic>
+        <p:nvPicPr>
+          <p:cNvPr id="27" name="Picture 26">
+            <a:extLst>
+              <a:ext uri="{FF2B5EF4-FFF2-40B4-BE49-F238E27FC236}">
+                <a16:creationId xmlns:a16="http://schemas.microsoft.com/office/drawing/2014/main" id="{CB221D00-5FB6-4C64-BD9A-320E9C6ECE2B}"/>
+              </a:ext>
+            </a:extLst>
+          </p:cNvPr>
+          <p:cNvPicPr>
+            <a:picLocks noChangeAspect="1"/>
+          </p:cNvPicPr>
+          <p:nvPr/>
+        </p:nvPicPr>
+        <p:blipFill>
+          <a:blip r:embed="rId7"/>
+          <a:stretch>
+            <a:fillRect/>
+          </a:stretch>
+        </p:blipFill>
+        <p:spPr>
+          <a:xfrm>
+            <a:off x="8619867" y="1997944"/>
+            <a:ext cx="3433589" cy="2950799"/>
+          </a:xfrm>
+          <a:prstGeom prst="rect">
+            <a:avLst/>
+          </a:prstGeom>
+        </p:spPr>
+      </p:pic>
+      <p:sp>
+        <p:nvSpPr>
+          <p:cNvPr id="33" name="TextBox 32">
+            <a:extLst>
+              <a:ext uri="{FF2B5EF4-FFF2-40B4-BE49-F238E27FC236}">
+                <a16:creationId xmlns:a16="http://schemas.microsoft.com/office/drawing/2014/main" id="{5A29DEA6-E49F-4821-9875-60A685158867}"/>
+              </a:ext>
+            </a:extLst>
+          </p:cNvPr>
+          <p:cNvSpPr txBox="1"/>
+          <p:nvPr/>
+        </p:nvSpPr>
+        <p:spPr>
+          <a:xfrm>
+            <a:off x="448735" y="5377391"/>
+            <a:ext cx="3736903" cy="1077218"/>
+          </a:xfrm>
+          <a:prstGeom prst="rect">
+            <a:avLst/>
+          </a:prstGeom>
+          <a:noFill/>
+        </p:spPr>
+        <p:txBody>
+          <a:bodyPr wrap="square">
+            <a:spAutoFit/>
+          </a:bodyPr>
+          <a:lstStyle/>
+          <a:p>
+            <a:r>
+              <a:rPr lang="en-GB" sz="1600" dirty="0"/>
+              <a:t>Here we’re simply doubling the value of the exponent, meaning the gradient is increased in comparison to previous graphs shown.</a:t>
+            </a:r>
+          </a:p>
+        </p:txBody>
+      </p:sp>
+      <p:pic>
+        <p:nvPicPr>
+          <p:cNvPr id="30" name="Picture 29">
+            <a:extLst>
+              <a:ext uri="{FF2B5EF4-FFF2-40B4-BE49-F238E27FC236}">
+                <a16:creationId xmlns:a16="http://schemas.microsoft.com/office/drawing/2014/main" id="{DC5F78C8-95A4-4418-8E5D-FBDB01D8FEA8}"/>
+              </a:ext>
+            </a:extLst>
+          </p:cNvPr>
+          <p:cNvPicPr>
+            <a:picLocks noChangeAspect="1"/>
+          </p:cNvPicPr>
+          <p:nvPr/>
+        </p:nvPicPr>
+        <p:blipFill>
+          <a:blip r:embed="rId8"/>
+          <a:stretch>
+            <a:fillRect/>
+          </a:stretch>
+        </p:blipFill>
+        <p:spPr>
+          <a:xfrm>
+            <a:off x="696565" y="2091343"/>
+            <a:ext cx="814904" cy="287613"/>
+          </a:xfrm>
+          <a:prstGeom prst="rect">
+            <a:avLst/>
+          </a:prstGeom>
+          <a:ln w="15875">
+            <a:solidFill>
+              <a:schemeClr val="tx1">
+                <a:lumMod val="95000"/>
+                <a:lumOff val="5000"/>
+              </a:schemeClr>
+            </a:solidFill>
+          </a:ln>
+        </p:spPr>
+      </p:pic>
+      <p:pic>
+        <p:nvPicPr>
+          <p:cNvPr id="35" name="Picture 34">
+            <a:extLst>
+              <a:ext uri="{FF2B5EF4-FFF2-40B4-BE49-F238E27FC236}">
+                <a16:creationId xmlns:a16="http://schemas.microsoft.com/office/drawing/2014/main" id="{8F22962D-4798-4AB6-91D9-2146E06F1FAD}"/>
+              </a:ext>
+            </a:extLst>
+          </p:cNvPr>
+          <p:cNvPicPr>
+            <a:picLocks noChangeAspect="1"/>
+          </p:cNvPicPr>
+          <p:nvPr/>
+        </p:nvPicPr>
+        <p:blipFill>
+          <a:blip r:embed="rId9"/>
+          <a:stretch>
+            <a:fillRect/>
+          </a:stretch>
+        </p:blipFill>
+        <p:spPr>
+          <a:xfrm>
+            <a:off x="8871827" y="4429527"/>
+            <a:ext cx="911187" cy="296136"/>
+          </a:xfrm>
+          <a:prstGeom prst="rect">
+            <a:avLst/>
+          </a:prstGeom>
+          <a:ln w="15875">
+            <a:solidFill>
+              <a:schemeClr val="tx1">
+                <a:lumMod val="95000"/>
+                <a:lumOff val="5000"/>
+              </a:schemeClr>
+            </a:solidFill>
+          </a:ln>
+        </p:spPr>
+      </p:pic>
+      <p:sp>
+        <p:nvSpPr>
+          <p:cNvPr id="36" name="TextBox 35">
+            <a:extLst>
+              <a:ext uri="{FF2B5EF4-FFF2-40B4-BE49-F238E27FC236}">
+                <a16:creationId xmlns:a16="http://schemas.microsoft.com/office/drawing/2014/main" id="{74FB1D74-ABAA-4E20-A577-99F985891100}"/>
+              </a:ext>
+            </a:extLst>
+          </p:cNvPr>
+          <p:cNvSpPr txBox="1"/>
+          <p:nvPr/>
+        </p:nvSpPr>
+        <p:spPr>
+          <a:xfrm>
+            <a:off x="8455097" y="5355566"/>
+            <a:ext cx="3736903" cy="584775"/>
+          </a:xfrm>
+          <a:prstGeom prst="rect">
+            <a:avLst/>
+          </a:prstGeom>
+          <a:noFill/>
+        </p:spPr>
+        <p:txBody>
+          <a:bodyPr wrap="square">
+            <a:spAutoFit/>
+          </a:bodyPr>
+          <a:lstStyle/>
+          <a:p>
+            <a:r>
+              <a:rPr lang="en-GB" sz="1600" dirty="0"/>
+              <a:t>The mirror this time is around y=0 or the x axis.</a:t>
+            </a:r>
+          </a:p>
+        </p:txBody>
+      </p:sp>
+    </p:spTree>
+    <p:extLst>
+      <p:ext uri="{BB962C8B-B14F-4D97-AF65-F5344CB8AC3E}">
+        <p14:creationId xmlns:p14="http://schemas.microsoft.com/office/powerpoint/2010/main" val="600313830"/>
+      </p:ext>
+    </p:extLst>
+  </p:cSld>
+  <p:clrMapOvr>
+    <a:masterClrMapping/>
+  </p:clrMapOvr>
+</p:sld>
+</file>
+
+<file path=ppt/slides/slide4.xml><?xml version="1.0" encoding="utf-8"?>
+<p:sld xmlns:a="http://schemas.openxmlformats.org/drawingml/2006/main" xmlns:r="http://schemas.openxmlformats.org/officeDocument/2006/relationships" xmlns:p="http://schemas.openxmlformats.org/presentationml/2006/main">
+  <p:cSld>
+    <p:spTree>
+      <p:nvGrpSpPr>
+        <p:cNvPr id="1" name=""/>
+        <p:cNvGrpSpPr/>
+        <p:nvPr/>
+      </p:nvGrpSpPr>
+      <p:grpSpPr>
+        <a:xfrm>
+          <a:off x="0" y="0"/>
+          <a:ext cx="0" cy="0"/>
+          <a:chOff x="0" y="0"/>
+          <a:chExt cx="0" cy="0"/>
+        </a:xfrm>
+      </p:grpSpPr>
+      <p:pic>
+        <p:nvPicPr>
+          <p:cNvPr id="23" name="Picture 22">
+            <a:extLst>
+              <a:ext uri="{FF2B5EF4-FFF2-40B4-BE49-F238E27FC236}">
+                <a16:creationId xmlns:a16="http://schemas.microsoft.com/office/drawing/2014/main" id="{CC883479-505C-4964-89E2-267725FDE25E}"/>
+              </a:ext>
+            </a:extLst>
+          </p:cNvPr>
+          <p:cNvPicPr>
+            <a:picLocks noChangeAspect="1"/>
+          </p:cNvPicPr>
+          <p:nvPr/>
+        </p:nvPicPr>
+        <p:blipFill>
+          <a:blip r:embed="rId2"/>
+          <a:stretch>
+            <a:fillRect/>
+          </a:stretch>
+        </p:blipFill>
+        <p:spPr>
+          <a:xfrm>
+            <a:off x="402951" y="1889723"/>
+            <a:ext cx="3319780" cy="2990748"/>
+          </a:xfrm>
+          <a:prstGeom prst="rect">
+            <a:avLst/>
+          </a:prstGeom>
+        </p:spPr>
+      </p:pic>
+      <p:pic>
+        <p:nvPicPr>
+          <p:cNvPr id="4" name="Picture 3">
+            <a:extLst>
+              <a:ext uri="{FF2B5EF4-FFF2-40B4-BE49-F238E27FC236}">
+                <a16:creationId xmlns:a16="http://schemas.microsoft.com/office/drawing/2014/main" id="{D65D8F90-58FB-473A-A1AE-D27275685229}"/>
+              </a:ext>
+            </a:extLst>
+          </p:cNvPr>
+          <p:cNvPicPr>
+            <a:picLocks noChangeAspect="1"/>
+          </p:cNvPicPr>
+          <p:nvPr/>
+        </p:nvPicPr>
+        <p:blipFill rotWithShape="1">
+          <a:blip r:embed="rId3"/>
+          <a:srcRect r="24301" b="26301"/>
+          <a:stretch/>
+        </p:blipFill>
+        <p:spPr>
+          <a:xfrm>
+            <a:off x="140575" y="124322"/>
+            <a:ext cx="974264" cy="729525"/>
+          </a:xfrm>
+          <a:prstGeom prst="rect">
+            <a:avLst/>
+          </a:prstGeom>
+          <a:ln w="12700">
+            <a:solidFill>
+              <a:srgbClr val="A05838"/>
+            </a:solidFill>
+          </a:ln>
+        </p:spPr>
+      </p:pic>
+      <p:grpSp>
+        <p:nvGrpSpPr>
+          <p:cNvPr id="18" name="Group 17">
+            <a:extLst>
+              <a:ext uri="{FF2B5EF4-FFF2-40B4-BE49-F238E27FC236}">
+                <a16:creationId xmlns:a16="http://schemas.microsoft.com/office/drawing/2014/main" id="{6185BE9B-87C8-4B46-9293-0E71CF17E76A}"/>
+              </a:ext>
+            </a:extLst>
+          </p:cNvPr>
+          <p:cNvGrpSpPr/>
+          <p:nvPr/>
+        </p:nvGrpSpPr>
+        <p:grpSpPr>
+          <a:xfrm>
+            <a:off x="99755" y="142348"/>
+            <a:ext cx="11953701" cy="813615"/>
+            <a:chOff x="99755" y="142348"/>
+            <a:chExt cx="11953701" cy="813615"/>
+          </a:xfrm>
+        </p:grpSpPr>
+        <p:cxnSp>
+          <p:nvCxnSpPr>
+            <p:cNvPr id="5" name="Straight Connector 4">
+              <a:extLst>
+                <a:ext uri="{FF2B5EF4-FFF2-40B4-BE49-F238E27FC236}">
+                  <a16:creationId xmlns:a16="http://schemas.microsoft.com/office/drawing/2014/main" id="{A8BE4EF8-406C-4035-940C-AB752B29BA18}"/>
+                </a:ext>
+              </a:extLst>
+            </p:cNvPr>
+            <p:cNvCxnSpPr/>
+            <p:nvPr/>
+          </p:nvCxnSpPr>
+          <p:spPr>
+            <a:xfrm>
+              <a:off x="99755" y="955963"/>
+              <a:ext cx="11953701" cy="0"/>
+            </a:xfrm>
+            <a:prstGeom prst="line">
+              <a:avLst/>
+            </a:prstGeom>
+            <a:ln w="19050">
+              <a:solidFill>
+                <a:srgbClr val="A05838"/>
+              </a:solidFill>
+            </a:ln>
+          </p:spPr>
+          <p:style>
+            <a:lnRef idx="1">
+              <a:schemeClr val="accent1"/>
+            </a:lnRef>
+            <a:fillRef idx="0">
+              <a:schemeClr val="accent1"/>
+            </a:fillRef>
+            <a:effectRef idx="0">
+              <a:schemeClr val="accent1"/>
+            </a:effectRef>
+            <a:fontRef idx="minor">
+              <a:schemeClr val="tx1"/>
+            </a:fontRef>
+          </p:style>
+        </p:cxnSp>
+        <p:sp>
+          <p:nvSpPr>
+            <p:cNvPr id="6" name="TextBox 5">
+              <a:extLst>
+                <a:ext uri="{FF2B5EF4-FFF2-40B4-BE49-F238E27FC236}">
+                  <a16:creationId xmlns:a16="http://schemas.microsoft.com/office/drawing/2014/main" id="{4A5E75BC-B6AC-4138-AB81-9DEC0096C5A8}"/>
+                </a:ext>
+              </a:extLst>
+            </p:cNvPr>
+            <p:cNvSpPr txBox="1"/>
+            <p:nvPr/>
+          </p:nvSpPr>
+          <p:spPr>
+            <a:xfrm>
+              <a:off x="1200698" y="304418"/>
+              <a:ext cx="2116013" cy="369332"/>
+            </a:xfrm>
+            <a:prstGeom prst="rect">
+              <a:avLst/>
+            </a:prstGeom>
+            <a:noFill/>
+          </p:spPr>
+          <p:txBody>
+            <a:bodyPr wrap="square" rtlCol="0">
+              <a:spAutoFit/>
+            </a:bodyPr>
+            <a:lstStyle/>
+            <a:p>
+              <a:pPr marL="0" marR="0" lvl="0" indent="0" algn="l" defTabSz="914400" rtl="0" eaLnBrk="1" fontAlgn="auto" latinLnBrk="0" hangingPunct="1">
+                <a:lnSpc>
+                  <a:spcPct val="100000"/>
+                </a:lnSpc>
+                <a:spcBef>
+                  <a:spcPts val="0"/>
+                </a:spcBef>
+                <a:spcAft>
+                  <a:spcPts val="0"/>
+                </a:spcAft>
+                <a:buClrTx/>
+                <a:buSzTx/>
+                <a:buFontTx/>
+                <a:buNone/>
+                <a:tabLst/>
+                <a:defRPr/>
+              </a:pPr>
+              <a:r>
+                <a:rPr kumimoji="0" lang="en-GB" sz="1800" b="0" i="0" u="none" strike="noStrike" kern="1200" cap="none" spc="0" normalizeH="0" baseline="0" noProof="0" dirty="0">
+                  <a:ln>
+                    <a:noFill/>
+                  </a:ln>
+                  <a:solidFill>
+                    <a:prstClr val="black"/>
+                  </a:solidFill>
+                  <a:effectLst/>
+                  <a:uLnTx/>
+                  <a:uFillTx/>
+                  <a:latin typeface="Calibri" panose="020F0502020204030204"/>
+                  <a:ea typeface="+mn-ea"/>
+                  <a:cs typeface="+mn-cs"/>
+                </a:rPr>
+                <a:t>Graph Database</a:t>
+              </a:r>
+            </a:p>
+          </p:txBody>
+        </p:sp>
+        <p:sp>
+          <p:nvSpPr>
+            <p:cNvPr id="8" name="TextBox 7">
+              <a:extLst>
+                <a:ext uri="{FF2B5EF4-FFF2-40B4-BE49-F238E27FC236}">
+                  <a16:creationId xmlns:a16="http://schemas.microsoft.com/office/drawing/2014/main" id="{C61B684E-FDA7-4625-9CC3-79C17CC59ED7}"/>
+                </a:ext>
+              </a:extLst>
+            </p:cNvPr>
+            <p:cNvSpPr txBox="1"/>
+            <p:nvPr/>
+          </p:nvSpPr>
+          <p:spPr>
+            <a:xfrm>
+              <a:off x="6392379" y="304418"/>
+              <a:ext cx="3262085" cy="369332"/>
+            </a:xfrm>
+            <a:prstGeom prst="rect">
+              <a:avLst/>
+            </a:prstGeom>
+            <a:noFill/>
+          </p:spPr>
+          <p:txBody>
+            <a:bodyPr wrap="square" rtlCol="0">
+              <a:spAutoFit/>
+            </a:bodyPr>
+            <a:lstStyle/>
+            <a:p>
+              <a:pPr marL="0" marR="0" lvl="0" indent="0" algn="l" defTabSz="914400" rtl="0" eaLnBrk="1" fontAlgn="auto" latinLnBrk="0" hangingPunct="1">
+                <a:lnSpc>
+                  <a:spcPct val="100000"/>
+                </a:lnSpc>
+                <a:spcBef>
+                  <a:spcPts val="0"/>
+                </a:spcBef>
+                <a:spcAft>
+                  <a:spcPts val="0"/>
+                </a:spcAft>
+                <a:buClrTx/>
+                <a:buSzTx/>
+                <a:buFontTx/>
+                <a:buNone/>
+                <a:tabLst/>
+                <a:defRPr/>
+              </a:pPr>
+              <a:r>
+                <a:rPr kumimoji="0" lang="en-GB" sz="1800" b="0" i="0" u="none" strike="noStrike" kern="1200" cap="none" spc="0" normalizeH="0" baseline="0" noProof="0" dirty="0">
+                  <a:ln>
+                    <a:noFill/>
+                  </a:ln>
+                  <a:solidFill>
+                    <a:prstClr val="black"/>
+                  </a:solidFill>
+                  <a:effectLst/>
+                  <a:uLnTx/>
+                  <a:uFillTx/>
+                  <a:latin typeface="Calibri" panose="020F0502020204030204"/>
+                  <a:ea typeface="+mn-ea"/>
+                  <a:cs typeface="+mn-cs"/>
+                </a:rPr>
+                <a:t>Exponential</a:t>
+              </a:r>
+            </a:p>
+          </p:txBody>
+        </p:sp>
+        <p:cxnSp>
+          <p:nvCxnSpPr>
+            <p:cNvPr id="11" name="Straight Connector 10">
+              <a:extLst>
+                <a:ext uri="{FF2B5EF4-FFF2-40B4-BE49-F238E27FC236}">
+                  <a16:creationId xmlns:a16="http://schemas.microsoft.com/office/drawing/2014/main" id="{F70ABCF3-BE60-426F-8C8C-059C854869C6}"/>
+                </a:ext>
+              </a:extLst>
+            </p:cNvPr>
+            <p:cNvCxnSpPr>
+              <a:cxnSpLocks/>
+            </p:cNvCxnSpPr>
+            <p:nvPr/>
+          </p:nvCxnSpPr>
+          <p:spPr>
+            <a:xfrm flipV="1">
+              <a:off x="3398355" y="142348"/>
+              <a:ext cx="1" cy="754394"/>
+            </a:xfrm>
+            <a:prstGeom prst="line">
+              <a:avLst/>
+            </a:prstGeom>
+            <a:ln w="19050">
+              <a:solidFill>
+                <a:srgbClr val="A05838"/>
+              </a:solidFill>
+            </a:ln>
+          </p:spPr>
+          <p:style>
+            <a:lnRef idx="1">
+              <a:schemeClr val="accent1"/>
+            </a:lnRef>
+            <a:fillRef idx="0">
+              <a:schemeClr val="accent1"/>
+            </a:fillRef>
+            <a:effectRef idx="0">
+              <a:schemeClr val="accent1"/>
+            </a:effectRef>
+            <a:fontRef idx="minor">
+              <a:schemeClr val="tx1"/>
+            </a:fontRef>
+          </p:style>
+        </p:cxnSp>
+      </p:grpSp>
+      <p:cxnSp>
+        <p:nvCxnSpPr>
+          <p:cNvPr id="20" name="Straight Connector 19">
+            <a:extLst>
+              <a:ext uri="{FF2B5EF4-FFF2-40B4-BE49-F238E27FC236}">
+                <a16:creationId xmlns:a16="http://schemas.microsoft.com/office/drawing/2014/main" id="{7222DEA1-AAC2-4636-8AF3-897B1813E0F8}"/>
+              </a:ext>
+            </a:extLst>
+          </p:cNvPr>
+          <p:cNvCxnSpPr>
+            <a:cxnSpLocks/>
+          </p:cNvCxnSpPr>
+          <p:nvPr/>
+        </p:nvCxnSpPr>
+        <p:spPr>
+          <a:xfrm flipV="1">
+            <a:off x="6171490" y="140610"/>
+            <a:ext cx="1" cy="754394"/>
+          </a:xfrm>
+          <a:prstGeom prst="line">
+            <a:avLst/>
+          </a:prstGeom>
+          <a:ln w="19050">
+            <a:solidFill>
+              <a:srgbClr val="A05838"/>
+            </a:solidFill>
+          </a:ln>
+        </p:spPr>
+        <p:style>
+          <a:lnRef idx="1">
+            <a:schemeClr val="accent1"/>
+          </a:lnRef>
+          <a:fillRef idx="0">
+            <a:schemeClr val="accent1"/>
+          </a:fillRef>
+          <a:effectRef idx="0">
+            <a:schemeClr val="accent1"/>
+          </a:effectRef>
+          <a:fontRef idx="minor">
+            <a:schemeClr val="tx1"/>
+          </a:fontRef>
+        </p:style>
+      </p:cxnSp>
+      <p:sp>
+        <p:nvSpPr>
+          <p:cNvPr id="21" name="TextBox 20">
+            <a:extLst>
+              <a:ext uri="{FF2B5EF4-FFF2-40B4-BE49-F238E27FC236}">
+                <a16:creationId xmlns:a16="http://schemas.microsoft.com/office/drawing/2014/main" id="{69E22CC5-42A3-422C-9B1B-96BCF7FEB5B8}"/>
+              </a:ext>
+            </a:extLst>
+          </p:cNvPr>
+          <p:cNvSpPr txBox="1"/>
+          <p:nvPr/>
+        </p:nvSpPr>
+        <p:spPr>
+          <a:xfrm>
+            <a:off x="3619246" y="304418"/>
+            <a:ext cx="2470600" cy="369332"/>
+          </a:xfrm>
+          <a:prstGeom prst="rect">
+            <a:avLst/>
+          </a:prstGeom>
+          <a:noFill/>
+        </p:spPr>
+        <p:txBody>
+          <a:bodyPr wrap="square" rtlCol="0">
+            <a:spAutoFit/>
+          </a:bodyPr>
+          <a:lstStyle/>
+          <a:p>
+            <a:pPr marL="0" marR="0" lvl="0" indent="0" algn="l" defTabSz="914400" rtl="0" eaLnBrk="1" fontAlgn="auto" latinLnBrk="0" hangingPunct="1">
+              <a:lnSpc>
+                <a:spcPct val="100000"/>
+              </a:lnSpc>
+              <a:spcBef>
+                <a:spcPts val="0"/>
+              </a:spcBef>
+              <a:spcAft>
+                <a:spcPts val="0"/>
+              </a:spcAft>
+              <a:buClrTx/>
+              <a:buSzTx/>
+              <a:buFontTx/>
+              <a:buNone/>
+              <a:tabLst/>
+              <a:defRPr/>
+            </a:pPr>
+            <a:r>
+              <a:rPr kumimoji="0" lang="en-GB" sz="1800" b="0" i="0" u="none" strike="noStrike" kern="1200" cap="none" spc="0" normalizeH="0" baseline="0" noProof="0" dirty="0">
+                <a:ln>
+                  <a:noFill/>
+                </a:ln>
+                <a:solidFill>
+                  <a:prstClr val="black"/>
+                </a:solidFill>
+                <a:effectLst/>
+                <a:uLnTx/>
+                <a:uFillTx/>
+                <a:latin typeface="Calibri" panose="020F0502020204030204"/>
+                <a:ea typeface="+mn-ea"/>
+                <a:cs typeface="+mn-cs"/>
+              </a:rPr>
+              <a:t>General Functions</a:t>
+            </a:r>
+          </a:p>
+        </p:txBody>
+      </p:sp>
+      <p:sp>
+        <p:nvSpPr>
+          <p:cNvPr id="16" name="TextBox 15">
+            <a:extLst>
+              <a:ext uri="{FF2B5EF4-FFF2-40B4-BE49-F238E27FC236}">
+                <a16:creationId xmlns:a16="http://schemas.microsoft.com/office/drawing/2014/main" id="{7B2AED9A-33A0-42EB-BEAB-E1B4873BCD69}"/>
+              </a:ext>
+            </a:extLst>
+          </p:cNvPr>
+          <p:cNvSpPr txBox="1"/>
+          <p:nvPr/>
+        </p:nvSpPr>
+        <p:spPr>
+          <a:xfrm>
+            <a:off x="350355" y="1238177"/>
+            <a:ext cx="6096000" cy="369332"/>
+          </a:xfrm>
+          <a:prstGeom prst="rect">
+            <a:avLst/>
+          </a:prstGeom>
+          <a:noFill/>
+        </p:spPr>
+        <p:txBody>
+          <a:bodyPr wrap="square">
+            <a:spAutoFit/>
+          </a:bodyPr>
+          <a:lstStyle/>
+          <a:p>
+            <a:r>
+              <a:rPr lang="en-US" b="1" dirty="0"/>
+              <a:t>Other Exponential Functions</a:t>
+            </a:r>
+            <a:endParaRPr lang="en-GB" b="1" dirty="0"/>
+          </a:p>
+        </p:txBody>
+      </p:sp>
+      <p:pic>
+        <p:nvPicPr>
+          <p:cNvPr id="12" name="Picture 11">
+            <a:extLst>
+              <a:ext uri="{FF2B5EF4-FFF2-40B4-BE49-F238E27FC236}">
+                <a16:creationId xmlns:a16="http://schemas.microsoft.com/office/drawing/2014/main" id="{40C725B6-57F5-4711-90E6-4F899D108659}"/>
+              </a:ext>
+            </a:extLst>
+          </p:cNvPr>
+          <p:cNvPicPr>
+            <a:picLocks noChangeAspect="1"/>
+          </p:cNvPicPr>
+          <p:nvPr/>
+        </p:nvPicPr>
+        <p:blipFill>
+          <a:blip r:embed="rId4"/>
+          <a:stretch>
+            <a:fillRect/>
+          </a:stretch>
+        </p:blipFill>
+        <p:spPr>
+          <a:xfrm>
+            <a:off x="8469271" y="1815488"/>
+            <a:ext cx="3319779" cy="3064985"/>
+          </a:xfrm>
+          <a:prstGeom prst="rect">
+            <a:avLst/>
+          </a:prstGeom>
+        </p:spPr>
+      </p:pic>
+      <p:pic>
+        <p:nvPicPr>
+          <p:cNvPr id="14" name="Picture 13">
+            <a:extLst>
+              <a:ext uri="{FF2B5EF4-FFF2-40B4-BE49-F238E27FC236}">
+                <a16:creationId xmlns:a16="http://schemas.microsoft.com/office/drawing/2014/main" id="{DBBF83C2-B289-4782-BAD2-1041E391D552}"/>
+              </a:ext>
+            </a:extLst>
+          </p:cNvPr>
+          <p:cNvPicPr>
+            <a:picLocks noChangeAspect="1"/>
+          </p:cNvPicPr>
+          <p:nvPr/>
+        </p:nvPicPr>
+        <p:blipFill>
+          <a:blip r:embed="rId5"/>
+          <a:stretch>
+            <a:fillRect/>
+          </a:stretch>
+        </p:blipFill>
+        <p:spPr>
+          <a:xfrm>
+            <a:off x="8879982" y="1974028"/>
+            <a:ext cx="1284556" cy="253706"/>
+          </a:xfrm>
+          <a:prstGeom prst="rect">
+            <a:avLst/>
+          </a:prstGeom>
+          <a:ln w="15875">
+            <a:solidFill>
+              <a:schemeClr val="tx1">
+                <a:lumMod val="95000"/>
+                <a:lumOff val="5000"/>
+              </a:schemeClr>
+            </a:solidFill>
+          </a:ln>
+        </p:spPr>
+      </p:pic>
+      <p:sp>
+        <p:nvSpPr>
+          <p:cNvPr id="19" name="TextBox 18">
+            <a:extLst>
+              <a:ext uri="{FF2B5EF4-FFF2-40B4-BE49-F238E27FC236}">
+                <a16:creationId xmlns:a16="http://schemas.microsoft.com/office/drawing/2014/main" id="{6B136BCC-111D-4BE8-968D-3BA53D7B3AA9}"/>
+              </a:ext>
+            </a:extLst>
+          </p:cNvPr>
+          <p:cNvSpPr txBox="1"/>
+          <p:nvPr/>
+        </p:nvSpPr>
+        <p:spPr>
+          <a:xfrm>
+            <a:off x="8455097" y="5117207"/>
+            <a:ext cx="3736903" cy="1569660"/>
+          </a:xfrm>
+          <a:prstGeom prst="rect">
+            <a:avLst/>
+          </a:prstGeom>
+          <a:noFill/>
+        </p:spPr>
+        <p:txBody>
+          <a:bodyPr wrap="square">
+            <a:spAutoFit/>
+          </a:bodyPr>
+          <a:lstStyle/>
+          <a:p>
+            <a:r>
+              <a:rPr lang="en-GB" sz="1600" dirty="0"/>
+              <a:t>Complex composite function, which is the combination of a sine and exponential function. By having x multiplied by 2pi in the sine function we can get a full wavelength for every increment of 1 on the x axis.</a:t>
+            </a:r>
+          </a:p>
+        </p:txBody>
+      </p:sp>
+      <p:pic>
+        <p:nvPicPr>
+          <p:cNvPr id="25" name="Picture 24">
+            <a:extLst>
+              <a:ext uri="{FF2B5EF4-FFF2-40B4-BE49-F238E27FC236}">
+                <a16:creationId xmlns:a16="http://schemas.microsoft.com/office/drawing/2014/main" id="{6B3F6122-4289-478B-B45F-367071CBEE09}"/>
+              </a:ext>
+            </a:extLst>
+          </p:cNvPr>
+          <p:cNvPicPr>
+            <a:picLocks noChangeAspect="1"/>
+          </p:cNvPicPr>
+          <p:nvPr/>
+        </p:nvPicPr>
+        <p:blipFill>
+          <a:blip r:embed="rId6"/>
+          <a:stretch>
+            <a:fillRect/>
+          </a:stretch>
+        </p:blipFill>
+        <p:spPr>
+          <a:xfrm>
+            <a:off x="525512" y="2093861"/>
+            <a:ext cx="675186" cy="267746"/>
+          </a:xfrm>
+          <a:prstGeom prst="rect">
+            <a:avLst/>
+          </a:prstGeom>
+          <a:ln w="15875">
+            <a:solidFill>
+              <a:schemeClr val="tx1">
+                <a:lumMod val="95000"/>
+                <a:lumOff val="5000"/>
+              </a:schemeClr>
+            </a:solidFill>
+          </a:ln>
+        </p:spPr>
+      </p:pic>
+      <p:pic>
+        <p:nvPicPr>
+          <p:cNvPr id="27" name="Picture 26">
+            <a:extLst>
+              <a:ext uri="{FF2B5EF4-FFF2-40B4-BE49-F238E27FC236}">
+                <a16:creationId xmlns:a16="http://schemas.microsoft.com/office/drawing/2014/main" id="{B20ABD03-84E3-46E2-B463-B7CBA64EC7F4}"/>
+              </a:ext>
+            </a:extLst>
+          </p:cNvPr>
+          <p:cNvPicPr>
+            <a:picLocks noChangeAspect="1"/>
+          </p:cNvPicPr>
+          <p:nvPr/>
+        </p:nvPicPr>
+        <p:blipFill>
+          <a:blip r:embed="rId7"/>
+          <a:stretch>
+            <a:fillRect/>
+          </a:stretch>
+        </p:blipFill>
+        <p:spPr>
+          <a:xfrm>
+            <a:off x="4261050" y="1852605"/>
+            <a:ext cx="3372375" cy="3064983"/>
+          </a:xfrm>
+          <a:prstGeom prst="rect">
+            <a:avLst/>
+          </a:prstGeom>
+        </p:spPr>
+      </p:pic>
+      <p:pic>
+        <p:nvPicPr>
+          <p:cNvPr id="29" name="Picture 28">
+            <a:extLst>
+              <a:ext uri="{FF2B5EF4-FFF2-40B4-BE49-F238E27FC236}">
+                <a16:creationId xmlns:a16="http://schemas.microsoft.com/office/drawing/2014/main" id="{4886B5B9-5E28-4807-81B7-9D406ED6DC9F}"/>
+              </a:ext>
+            </a:extLst>
+          </p:cNvPr>
+          <p:cNvPicPr>
+            <a:picLocks noChangeAspect="1"/>
+          </p:cNvPicPr>
+          <p:nvPr/>
+        </p:nvPicPr>
+        <p:blipFill>
+          <a:blip r:embed="rId8"/>
+          <a:stretch>
+            <a:fillRect/>
+          </a:stretch>
+        </p:blipFill>
+        <p:spPr>
+          <a:xfrm>
+            <a:off x="4474802" y="2023357"/>
+            <a:ext cx="791261" cy="283822"/>
+          </a:xfrm>
+          <a:prstGeom prst="rect">
+            <a:avLst/>
+          </a:prstGeom>
+          <a:ln w="15875">
+            <a:solidFill>
+              <a:schemeClr val="tx1">
+                <a:lumMod val="95000"/>
+                <a:lumOff val="5000"/>
+              </a:schemeClr>
+            </a:solidFill>
+          </a:ln>
+        </p:spPr>
+      </p:pic>
+      <p:sp>
+        <p:nvSpPr>
+          <p:cNvPr id="30" name="TextBox 29">
+            <a:extLst>
+              <a:ext uri="{FF2B5EF4-FFF2-40B4-BE49-F238E27FC236}">
+                <a16:creationId xmlns:a16="http://schemas.microsoft.com/office/drawing/2014/main" id="{9330747F-A489-4C40-8EA3-FC90CCECBA5E}"/>
+              </a:ext>
+            </a:extLst>
+          </p:cNvPr>
+          <p:cNvSpPr txBox="1"/>
+          <p:nvPr/>
+        </p:nvSpPr>
+        <p:spPr>
+          <a:xfrm>
+            <a:off x="402951" y="5117207"/>
+            <a:ext cx="3386549" cy="1077218"/>
+          </a:xfrm>
+          <a:prstGeom prst="rect">
+            <a:avLst/>
+          </a:prstGeom>
+          <a:noFill/>
+        </p:spPr>
+        <p:txBody>
+          <a:bodyPr wrap="square">
+            <a:spAutoFit/>
+          </a:bodyPr>
+          <a:lstStyle/>
+          <a:p>
+            <a:r>
+              <a:rPr lang="en-GB" sz="1600" dirty="0"/>
+              <a:t>The exponent remains x but the base is reduced from the value of e. Note the gradient or slope is now shallower in comparison. The growth is slower</a:t>
+            </a:r>
+          </a:p>
+        </p:txBody>
+      </p:sp>
+      <p:sp>
+        <p:nvSpPr>
+          <p:cNvPr id="31" name="TextBox 30">
+            <a:extLst>
+              <a:ext uri="{FF2B5EF4-FFF2-40B4-BE49-F238E27FC236}">
+                <a16:creationId xmlns:a16="http://schemas.microsoft.com/office/drawing/2014/main" id="{5136632B-5320-4813-B793-3E75C0BFA51D}"/>
+              </a:ext>
+            </a:extLst>
+          </p:cNvPr>
+          <p:cNvSpPr txBox="1"/>
+          <p:nvPr/>
+        </p:nvSpPr>
+        <p:spPr>
+          <a:xfrm>
+            <a:off x="4383330" y="5169512"/>
+            <a:ext cx="3386549" cy="584775"/>
+          </a:xfrm>
+          <a:prstGeom prst="rect">
+            <a:avLst/>
+          </a:prstGeom>
+          <a:noFill/>
+        </p:spPr>
+        <p:txBody>
+          <a:bodyPr wrap="square">
+            <a:spAutoFit/>
+          </a:bodyPr>
+          <a:lstStyle/>
+          <a:p>
+            <a:r>
+              <a:rPr lang="en-GB" sz="1600" dirty="0"/>
+              <a:t>The base has now increased to 10 and the gradient takes off. </a:t>
+            </a:r>
+          </a:p>
+        </p:txBody>
+      </p:sp>
+    </p:spTree>
+    <p:extLst>
+      <p:ext uri="{BB962C8B-B14F-4D97-AF65-F5344CB8AC3E}">
+        <p14:creationId xmlns:p14="http://schemas.microsoft.com/office/powerpoint/2010/main" val="4133554202"/>
+      </p:ext>
+    </p:extLst>
+  </p:cSld>
+  <p:clrMapOvr>
+    <a:masterClrMapping/>
+  </p:clrMapOvr>
+</p:sld>
+</file>
+
+<file path=ppt/slides/slide5.xml><?xml version="1.0" encoding="utf-8"?>
 <p:sld xmlns:a="http://schemas.openxmlformats.org/drawingml/2006/main" xmlns:r="http://schemas.openxmlformats.org/officeDocument/2006/relationships" xmlns:p="http://schemas.openxmlformats.org/presentationml/2006/main">
   <p:cSld>
     <p:spTree>
@@ -5081,7 +7051,7 @@
 </p:sld>
 </file>
 
-<file path=ppt/slides/slide4.xml><?xml version="1.0" encoding="utf-8"?>
+<file path=ppt/slides/slide6.xml><?xml version="1.0" encoding="utf-8"?>
 <p:sld xmlns:a="http://schemas.openxmlformats.org/drawingml/2006/main" xmlns:r="http://schemas.openxmlformats.org/officeDocument/2006/relationships" xmlns:p="http://schemas.openxmlformats.org/presentationml/2006/main">
   <p:cSld>
     <p:spTree>
@@ -5488,7 +7458,7 @@
 </p:sld>
 </file>
 
-<file path=ppt/slides/slide5.xml><?xml version="1.0" encoding="utf-8"?>
+<file path=ppt/slides/slide7.xml><?xml version="1.0" encoding="utf-8"?>
 <p:sld xmlns:a="http://schemas.openxmlformats.org/drawingml/2006/main" xmlns:r="http://schemas.openxmlformats.org/officeDocument/2006/relationships" xmlns:p="http://schemas.openxmlformats.org/presentationml/2006/main">
   <p:cSld>
     <p:spTree>
@@ -5895,7 +7865,7 @@
 </p:sld>
 </file>
 
-<file path=ppt/slides/slide6.xml><?xml version="1.0" encoding="utf-8"?>
+<file path=ppt/slides/slide8.xml><?xml version="1.0" encoding="utf-8"?>
 <p:sld xmlns:a="http://schemas.openxmlformats.org/drawingml/2006/main" xmlns:r="http://schemas.openxmlformats.org/officeDocument/2006/relationships" xmlns:p="http://schemas.openxmlformats.org/presentationml/2006/main">
   <p:cSld>
     <p:spTree>
@@ -6302,7 +8272,7 @@
 </p:sld>
 </file>
 
-<file path=ppt/slides/slide7.xml><?xml version="1.0" encoding="utf-8"?>
+<file path=ppt/slides/slide9.xml><?xml version="1.0" encoding="utf-8"?>
 <p:sld xmlns:a="http://schemas.openxmlformats.org/drawingml/2006/main" xmlns:r="http://schemas.openxmlformats.org/officeDocument/2006/relationships" xmlns:p="http://schemas.openxmlformats.org/presentationml/2006/main">
   <p:cSld>
     <p:spTree>

--- a/Graphs_and_Functions/Graphs_and_Functions.pptx
+++ b/Graphs_and_Functions/Graphs_and_Functions.pptx
@@ -13,9 +13,12 @@
     <p:sldId id="270" r:id="rId7"/>
     <p:sldId id="268" r:id="rId8"/>
     <p:sldId id="269" r:id="rId9"/>
-    <p:sldId id="264" r:id="rId10"/>
-    <p:sldId id="259" r:id="rId11"/>
-    <p:sldId id="260" r:id="rId12"/>
+    <p:sldId id="271" r:id="rId10"/>
+    <p:sldId id="272" r:id="rId11"/>
+    <p:sldId id="264" r:id="rId12"/>
+    <p:sldId id="273" r:id="rId13"/>
+    <p:sldId id="259" r:id="rId14"/>
+    <p:sldId id="260" r:id="rId15"/>
   </p:sldIdLst>
   <p:sldSz cx="12192000" cy="6858000"/>
   <p:notesSz cx="6858000" cy="9144000"/>
@@ -271,7 +274,7 @@
           <a:p>
             <a:fld id="{655AA731-BE5F-44DA-AAEA-300254B29F16}" type="datetimeFigureOut">
               <a:rPr lang="en-GB" smtClean="0"/>
-              <a:t>29/01/2022</a:t>
+              <a:t>31/01/2022</a:t>
             </a:fld>
             <a:endParaRPr lang="en-GB"/>
           </a:p>
@@ -471,7 +474,7 @@
           <a:p>
             <a:fld id="{655AA731-BE5F-44DA-AAEA-300254B29F16}" type="datetimeFigureOut">
               <a:rPr lang="en-GB" smtClean="0"/>
-              <a:t>29/01/2022</a:t>
+              <a:t>31/01/2022</a:t>
             </a:fld>
             <a:endParaRPr lang="en-GB"/>
           </a:p>
@@ -681,7 +684,7 @@
           <a:p>
             <a:fld id="{655AA731-BE5F-44DA-AAEA-300254B29F16}" type="datetimeFigureOut">
               <a:rPr lang="en-GB" smtClean="0"/>
-              <a:t>29/01/2022</a:t>
+              <a:t>31/01/2022</a:t>
             </a:fld>
             <a:endParaRPr lang="en-GB"/>
           </a:p>
@@ -881,7 +884,7 @@
           <a:p>
             <a:fld id="{655AA731-BE5F-44DA-AAEA-300254B29F16}" type="datetimeFigureOut">
               <a:rPr lang="en-GB" smtClean="0"/>
-              <a:t>29/01/2022</a:t>
+              <a:t>31/01/2022</a:t>
             </a:fld>
             <a:endParaRPr lang="en-GB"/>
           </a:p>
@@ -1157,7 +1160,7 @@
           <a:p>
             <a:fld id="{655AA731-BE5F-44DA-AAEA-300254B29F16}" type="datetimeFigureOut">
               <a:rPr lang="en-GB" smtClean="0"/>
-              <a:t>29/01/2022</a:t>
+              <a:t>31/01/2022</a:t>
             </a:fld>
             <a:endParaRPr lang="en-GB"/>
           </a:p>
@@ -1425,7 +1428,7 @@
           <a:p>
             <a:fld id="{655AA731-BE5F-44DA-AAEA-300254B29F16}" type="datetimeFigureOut">
               <a:rPr lang="en-GB" smtClean="0"/>
-              <a:t>29/01/2022</a:t>
+              <a:t>31/01/2022</a:t>
             </a:fld>
             <a:endParaRPr lang="en-GB"/>
           </a:p>
@@ -1840,7 +1843,7 @@
           <a:p>
             <a:fld id="{655AA731-BE5F-44DA-AAEA-300254B29F16}" type="datetimeFigureOut">
               <a:rPr lang="en-GB" smtClean="0"/>
-              <a:t>29/01/2022</a:t>
+              <a:t>31/01/2022</a:t>
             </a:fld>
             <a:endParaRPr lang="en-GB"/>
           </a:p>
@@ -1982,7 +1985,7 @@
           <a:p>
             <a:fld id="{655AA731-BE5F-44DA-AAEA-300254B29F16}" type="datetimeFigureOut">
               <a:rPr lang="en-GB" smtClean="0"/>
-              <a:t>29/01/2022</a:t>
+              <a:t>31/01/2022</a:t>
             </a:fld>
             <a:endParaRPr lang="en-GB"/>
           </a:p>
@@ -2095,7 +2098,7 @@
           <a:p>
             <a:fld id="{655AA731-BE5F-44DA-AAEA-300254B29F16}" type="datetimeFigureOut">
               <a:rPr lang="en-GB" smtClean="0"/>
-              <a:t>29/01/2022</a:t>
+              <a:t>31/01/2022</a:t>
             </a:fld>
             <a:endParaRPr lang="en-GB"/>
           </a:p>
@@ -2408,7 +2411,7 @@
           <a:p>
             <a:fld id="{655AA731-BE5F-44DA-AAEA-300254B29F16}" type="datetimeFigureOut">
               <a:rPr lang="en-GB" smtClean="0"/>
-              <a:t>29/01/2022</a:t>
+              <a:t>31/01/2022</a:t>
             </a:fld>
             <a:endParaRPr lang="en-GB"/>
           </a:p>
@@ -2697,7 +2700,7 @@
           <a:p>
             <a:fld id="{655AA731-BE5F-44DA-AAEA-300254B29F16}" type="datetimeFigureOut">
               <a:rPr lang="en-GB" smtClean="0"/>
-              <a:t>29/01/2022</a:t>
+              <a:t>31/01/2022</a:t>
             </a:fld>
             <a:endParaRPr lang="en-GB"/>
           </a:p>
@@ -2940,7 +2943,7 @@
           <a:p>
             <a:fld id="{655AA731-BE5F-44DA-AAEA-300254B29F16}" type="datetimeFigureOut">
               <a:rPr lang="en-GB" smtClean="0"/>
-              <a:t>29/01/2022</a:t>
+              <a:t>31/01/2022</a:t>
             </a:fld>
             <a:endParaRPr lang="en-GB"/>
           </a:p>
@@ -4165,6 +4168,4498 @@
       </p:grpSpPr>
       <p:pic>
         <p:nvPicPr>
+          <p:cNvPr id="10" name="Picture 9">
+            <a:extLst>
+              <a:ext uri="{FF2B5EF4-FFF2-40B4-BE49-F238E27FC236}">
+                <a16:creationId xmlns:a16="http://schemas.microsoft.com/office/drawing/2014/main" id="{5856448E-27FA-4EF4-86C0-945F12A2482F}"/>
+              </a:ext>
+            </a:extLst>
+          </p:cNvPr>
+          <p:cNvPicPr>
+            <a:picLocks noChangeAspect="1"/>
+          </p:cNvPicPr>
+          <p:nvPr/>
+        </p:nvPicPr>
+        <p:blipFill>
+          <a:blip r:embed="rId2"/>
+          <a:stretch>
+            <a:fillRect/>
+          </a:stretch>
+        </p:blipFill>
+        <p:spPr>
+          <a:xfrm>
+            <a:off x="715019" y="2123322"/>
+            <a:ext cx="4215501" cy="3330663"/>
+          </a:xfrm>
+          <a:prstGeom prst="rect">
+            <a:avLst/>
+          </a:prstGeom>
+        </p:spPr>
+      </p:pic>
+      <p:pic>
+        <p:nvPicPr>
+          <p:cNvPr id="4" name="Picture 3">
+            <a:extLst>
+              <a:ext uri="{FF2B5EF4-FFF2-40B4-BE49-F238E27FC236}">
+                <a16:creationId xmlns:a16="http://schemas.microsoft.com/office/drawing/2014/main" id="{D65D8F90-58FB-473A-A1AE-D27275685229}"/>
+              </a:ext>
+            </a:extLst>
+          </p:cNvPr>
+          <p:cNvPicPr>
+            <a:picLocks noChangeAspect="1"/>
+          </p:cNvPicPr>
+          <p:nvPr/>
+        </p:nvPicPr>
+        <p:blipFill rotWithShape="1">
+          <a:blip r:embed="rId3"/>
+          <a:srcRect r="24301" b="26301"/>
+          <a:stretch/>
+        </p:blipFill>
+        <p:spPr>
+          <a:xfrm>
+            <a:off x="140575" y="124322"/>
+            <a:ext cx="974264" cy="729525"/>
+          </a:xfrm>
+          <a:prstGeom prst="rect">
+            <a:avLst/>
+          </a:prstGeom>
+          <a:ln w="12700">
+            <a:solidFill>
+              <a:srgbClr val="A05838"/>
+            </a:solidFill>
+          </a:ln>
+        </p:spPr>
+      </p:pic>
+      <p:grpSp>
+        <p:nvGrpSpPr>
+          <p:cNvPr id="18" name="Group 17">
+            <a:extLst>
+              <a:ext uri="{FF2B5EF4-FFF2-40B4-BE49-F238E27FC236}">
+                <a16:creationId xmlns:a16="http://schemas.microsoft.com/office/drawing/2014/main" id="{6185BE9B-87C8-4B46-9293-0E71CF17E76A}"/>
+              </a:ext>
+            </a:extLst>
+          </p:cNvPr>
+          <p:cNvGrpSpPr/>
+          <p:nvPr/>
+        </p:nvGrpSpPr>
+        <p:grpSpPr>
+          <a:xfrm>
+            <a:off x="99755" y="142348"/>
+            <a:ext cx="11953701" cy="813615"/>
+            <a:chOff x="99755" y="142348"/>
+            <a:chExt cx="11953701" cy="813615"/>
+          </a:xfrm>
+        </p:grpSpPr>
+        <p:cxnSp>
+          <p:nvCxnSpPr>
+            <p:cNvPr id="5" name="Straight Connector 4">
+              <a:extLst>
+                <a:ext uri="{FF2B5EF4-FFF2-40B4-BE49-F238E27FC236}">
+                  <a16:creationId xmlns:a16="http://schemas.microsoft.com/office/drawing/2014/main" id="{A8BE4EF8-406C-4035-940C-AB752B29BA18}"/>
+                </a:ext>
+              </a:extLst>
+            </p:cNvPr>
+            <p:cNvCxnSpPr/>
+            <p:nvPr/>
+          </p:nvCxnSpPr>
+          <p:spPr>
+            <a:xfrm>
+              <a:off x="99755" y="955963"/>
+              <a:ext cx="11953701" cy="0"/>
+            </a:xfrm>
+            <a:prstGeom prst="line">
+              <a:avLst/>
+            </a:prstGeom>
+            <a:ln w="19050">
+              <a:solidFill>
+                <a:srgbClr val="A05838"/>
+              </a:solidFill>
+            </a:ln>
+          </p:spPr>
+          <p:style>
+            <a:lnRef idx="1">
+              <a:schemeClr val="accent1"/>
+            </a:lnRef>
+            <a:fillRef idx="0">
+              <a:schemeClr val="accent1"/>
+            </a:fillRef>
+            <a:effectRef idx="0">
+              <a:schemeClr val="accent1"/>
+            </a:effectRef>
+            <a:fontRef idx="minor">
+              <a:schemeClr val="tx1"/>
+            </a:fontRef>
+          </p:style>
+        </p:cxnSp>
+        <p:sp>
+          <p:nvSpPr>
+            <p:cNvPr id="6" name="TextBox 5">
+              <a:extLst>
+                <a:ext uri="{FF2B5EF4-FFF2-40B4-BE49-F238E27FC236}">
+                  <a16:creationId xmlns:a16="http://schemas.microsoft.com/office/drawing/2014/main" id="{4A5E75BC-B6AC-4138-AB81-9DEC0096C5A8}"/>
+                </a:ext>
+              </a:extLst>
+            </p:cNvPr>
+            <p:cNvSpPr txBox="1"/>
+            <p:nvPr/>
+          </p:nvSpPr>
+          <p:spPr>
+            <a:xfrm>
+              <a:off x="1200698" y="304418"/>
+              <a:ext cx="2116013" cy="369332"/>
+            </a:xfrm>
+            <a:prstGeom prst="rect">
+              <a:avLst/>
+            </a:prstGeom>
+            <a:noFill/>
+          </p:spPr>
+          <p:txBody>
+            <a:bodyPr wrap="square" rtlCol="0">
+              <a:spAutoFit/>
+            </a:bodyPr>
+            <a:lstStyle/>
+            <a:p>
+              <a:pPr marL="0" marR="0" lvl="0" indent="0" algn="l" defTabSz="914400" rtl="0" eaLnBrk="1" fontAlgn="auto" latinLnBrk="0" hangingPunct="1">
+                <a:lnSpc>
+                  <a:spcPct val="100000"/>
+                </a:lnSpc>
+                <a:spcBef>
+                  <a:spcPts val="0"/>
+                </a:spcBef>
+                <a:spcAft>
+                  <a:spcPts val="0"/>
+                </a:spcAft>
+                <a:buClrTx/>
+                <a:buSzTx/>
+                <a:buFontTx/>
+                <a:buNone/>
+                <a:tabLst/>
+                <a:defRPr/>
+              </a:pPr>
+              <a:r>
+                <a:rPr kumimoji="0" lang="en-GB" sz="1800" b="0" i="0" u="none" strike="noStrike" kern="1200" cap="none" spc="0" normalizeH="0" baseline="0" noProof="0" dirty="0">
+                  <a:ln>
+                    <a:noFill/>
+                  </a:ln>
+                  <a:solidFill>
+                    <a:prstClr val="black"/>
+                  </a:solidFill>
+                  <a:effectLst/>
+                  <a:uLnTx/>
+                  <a:uFillTx/>
+                  <a:latin typeface="Calibri" panose="020F0502020204030204"/>
+                  <a:ea typeface="+mn-ea"/>
+                  <a:cs typeface="+mn-cs"/>
+                </a:rPr>
+                <a:t>Graph Database</a:t>
+              </a:r>
+            </a:p>
+          </p:txBody>
+        </p:sp>
+        <p:sp>
+          <p:nvSpPr>
+            <p:cNvPr id="8" name="TextBox 7">
+              <a:extLst>
+                <a:ext uri="{FF2B5EF4-FFF2-40B4-BE49-F238E27FC236}">
+                  <a16:creationId xmlns:a16="http://schemas.microsoft.com/office/drawing/2014/main" id="{C61B684E-FDA7-4625-9CC3-79C17CC59ED7}"/>
+                </a:ext>
+              </a:extLst>
+            </p:cNvPr>
+            <p:cNvSpPr txBox="1"/>
+            <p:nvPr/>
+          </p:nvSpPr>
+          <p:spPr>
+            <a:xfrm>
+              <a:off x="6392379" y="304418"/>
+              <a:ext cx="3262085" cy="369332"/>
+            </a:xfrm>
+            <a:prstGeom prst="rect">
+              <a:avLst/>
+            </a:prstGeom>
+            <a:noFill/>
+          </p:spPr>
+          <p:txBody>
+            <a:bodyPr wrap="square" rtlCol="0">
+              <a:spAutoFit/>
+            </a:bodyPr>
+            <a:lstStyle/>
+            <a:p>
+              <a:pPr marL="0" marR="0" lvl="0" indent="0" algn="l" defTabSz="914400" rtl="0" eaLnBrk="1" fontAlgn="auto" latinLnBrk="0" hangingPunct="1">
+                <a:lnSpc>
+                  <a:spcPct val="100000"/>
+                </a:lnSpc>
+                <a:spcBef>
+                  <a:spcPts val="0"/>
+                </a:spcBef>
+                <a:spcAft>
+                  <a:spcPts val="0"/>
+                </a:spcAft>
+                <a:buClrTx/>
+                <a:buSzTx/>
+                <a:buFontTx/>
+                <a:buNone/>
+                <a:tabLst/>
+                <a:defRPr/>
+              </a:pPr>
+              <a:r>
+                <a:rPr kumimoji="0" lang="en-GB" sz="1800" b="0" i="0" u="none" strike="noStrike" kern="1200" cap="none" spc="0" normalizeH="0" baseline="0" noProof="0" dirty="0">
+                  <a:ln>
+                    <a:noFill/>
+                  </a:ln>
+                  <a:solidFill>
+                    <a:prstClr val="black"/>
+                  </a:solidFill>
+                  <a:effectLst/>
+                  <a:uLnTx/>
+                  <a:uFillTx/>
+                  <a:latin typeface="Calibri" panose="020F0502020204030204"/>
+                  <a:ea typeface="+mn-ea"/>
+                  <a:cs typeface="+mn-cs"/>
+                </a:rPr>
+                <a:t>Logarithmic</a:t>
+              </a:r>
+            </a:p>
+          </p:txBody>
+        </p:sp>
+        <p:cxnSp>
+          <p:nvCxnSpPr>
+            <p:cNvPr id="11" name="Straight Connector 10">
+              <a:extLst>
+                <a:ext uri="{FF2B5EF4-FFF2-40B4-BE49-F238E27FC236}">
+                  <a16:creationId xmlns:a16="http://schemas.microsoft.com/office/drawing/2014/main" id="{F70ABCF3-BE60-426F-8C8C-059C854869C6}"/>
+                </a:ext>
+              </a:extLst>
+            </p:cNvPr>
+            <p:cNvCxnSpPr>
+              <a:cxnSpLocks/>
+            </p:cNvCxnSpPr>
+            <p:nvPr/>
+          </p:nvCxnSpPr>
+          <p:spPr>
+            <a:xfrm flipV="1">
+              <a:off x="3398355" y="142348"/>
+              <a:ext cx="1" cy="754394"/>
+            </a:xfrm>
+            <a:prstGeom prst="line">
+              <a:avLst/>
+            </a:prstGeom>
+            <a:ln w="19050">
+              <a:solidFill>
+                <a:srgbClr val="A05838"/>
+              </a:solidFill>
+            </a:ln>
+          </p:spPr>
+          <p:style>
+            <a:lnRef idx="1">
+              <a:schemeClr val="accent1"/>
+            </a:lnRef>
+            <a:fillRef idx="0">
+              <a:schemeClr val="accent1"/>
+            </a:fillRef>
+            <a:effectRef idx="0">
+              <a:schemeClr val="accent1"/>
+            </a:effectRef>
+            <a:fontRef idx="minor">
+              <a:schemeClr val="tx1"/>
+            </a:fontRef>
+          </p:style>
+        </p:cxnSp>
+      </p:grpSp>
+      <p:cxnSp>
+        <p:nvCxnSpPr>
+          <p:cNvPr id="20" name="Straight Connector 19">
+            <a:extLst>
+              <a:ext uri="{FF2B5EF4-FFF2-40B4-BE49-F238E27FC236}">
+                <a16:creationId xmlns:a16="http://schemas.microsoft.com/office/drawing/2014/main" id="{7222DEA1-AAC2-4636-8AF3-897B1813E0F8}"/>
+              </a:ext>
+            </a:extLst>
+          </p:cNvPr>
+          <p:cNvCxnSpPr>
+            <a:cxnSpLocks/>
+          </p:cNvCxnSpPr>
+          <p:nvPr/>
+        </p:nvCxnSpPr>
+        <p:spPr>
+          <a:xfrm flipV="1">
+            <a:off x="6171490" y="140610"/>
+            <a:ext cx="1" cy="754394"/>
+          </a:xfrm>
+          <a:prstGeom prst="line">
+            <a:avLst/>
+          </a:prstGeom>
+          <a:ln w="19050">
+            <a:solidFill>
+              <a:srgbClr val="A05838"/>
+            </a:solidFill>
+          </a:ln>
+        </p:spPr>
+        <p:style>
+          <a:lnRef idx="1">
+            <a:schemeClr val="accent1"/>
+          </a:lnRef>
+          <a:fillRef idx="0">
+            <a:schemeClr val="accent1"/>
+          </a:fillRef>
+          <a:effectRef idx="0">
+            <a:schemeClr val="accent1"/>
+          </a:effectRef>
+          <a:fontRef idx="minor">
+            <a:schemeClr val="tx1"/>
+          </a:fontRef>
+        </p:style>
+      </p:cxnSp>
+      <p:sp>
+        <p:nvSpPr>
+          <p:cNvPr id="21" name="TextBox 20">
+            <a:extLst>
+              <a:ext uri="{FF2B5EF4-FFF2-40B4-BE49-F238E27FC236}">
+                <a16:creationId xmlns:a16="http://schemas.microsoft.com/office/drawing/2014/main" id="{69E22CC5-42A3-422C-9B1B-96BCF7FEB5B8}"/>
+              </a:ext>
+            </a:extLst>
+          </p:cNvPr>
+          <p:cNvSpPr txBox="1"/>
+          <p:nvPr/>
+        </p:nvSpPr>
+        <p:spPr>
+          <a:xfrm>
+            <a:off x="3619246" y="304418"/>
+            <a:ext cx="2470600" cy="369332"/>
+          </a:xfrm>
+          <a:prstGeom prst="rect">
+            <a:avLst/>
+          </a:prstGeom>
+          <a:noFill/>
+        </p:spPr>
+        <p:txBody>
+          <a:bodyPr wrap="square" rtlCol="0">
+            <a:spAutoFit/>
+          </a:bodyPr>
+          <a:lstStyle/>
+          <a:p>
+            <a:pPr marL="0" marR="0" lvl="0" indent="0" algn="l" defTabSz="914400" rtl="0" eaLnBrk="1" fontAlgn="auto" latinLnBrk="0" hangingPunct="1">
+              <a:lnSpc>
+                <a:spcPct val="100000"/>
+              </a:lnSpc>
+              <a:spcBef>
+                <a:spcPts val="0"/>
+              </a:spcBef>
+              <a:spcAft>
+                <a:spcPts val="0"/>
+              </a:spcAft>
+              <a:buClrTx/>
+              <a:buSzTx/>
+              <a:buFontTx/>
+              <a:buNone/>
+              <a:tabLst/>
+              <a:defRPr/>
+            </a:pPr>
+            <a:r>
+              <a:rPr kumimoji="0" lang="en-GB" sz="1800" b="0" i="0" u="none" strike="noStrike" kern="1200" cap="none" spc="0" normalizeH="0" baseline="0" noProof="0" dirty="0">
+                <a:ln>
+                  <a:noFill/>
+                </a:ln>
+                <a:solidFill>
+                  <a:prstClr val="black"/>
+                </a:solidFill>
+                <a:effectLst/>
+                <a:uLnTx/>
+                <a:uFillTx/>
+                <a:latin typeface="Calibri" panose="020F0502020204030204"/>
+                <a:ea typeface="+mn-ea"/>
+                <a:cs typeface="+mn-cs"/>
+              </a:rPr>
+              <a:t>General Functions</a:t>
+            </a:r>
+          </a:p>
+        </p:txBody>
+      </p:sp>
+      <mc:AlternateContent xmlns:mc="http://schemas.openxmlformats.org/markup-compatibility/2006">
+        <mc:Choice xmlns:a14="http://schemas.microsoft.com/office/drawing/2010/main" Requires="a14">
+          <p:sp>
+            <p:nvSpPr>
+              <p:cNvPr id="19" name="TextBox 18">
+                <a:extLst>
+                  <a:ext uri="{FF2B5EF4-FFF2-40B4-BE49-F238E27FC236}">
+                    <a16:creationId xmlns:a16="http://schemas.microsoft.com/office/drawing/2014/main" id="{957EB46A-B670-4F8D-8694-B34391A5DF32}"/>
+                  </a:ext>
+                </a:extLst>
+              </p:cNvPr>
+              <p:cNvSpPr txBox="1"/>
+              <p:nvPr/>
+            </p:nvSpPr>
+            <p:spPr>
+              <a:xfrm>
+                <a:off x="1539007" y="2064100"/>
+                <a:ext cx="1109663" cy="307777"/>
+              </a:xfrm>
+              <a:prstGeom prst="rect">
+                <a:avLst/>
+              </a:prstGeom>
+              <a:solidFill>
+                <a:schemeClr val="bg1"/>
+              </a:solidFill>
+              <a:ln w="15875">
+                <a:solidFill>
+                  <a:schemeClr val="tx1">
+                    <a:lumMod val="85000"/>
+                    <a:lumOff val="15000"/>
+                  </a:schemeClr>
+                </a:solidFill>
+              </a:ln>
+            </p:spPr>
+            <p:txBody>
+              <a:bodyPr wrap="none" lIns="0" tIns="0" rIns="0" bIns="0" rtlCol="0">
+                <a:spAutoFit/>
+              </a:bodyPr>
+              <a:lstStyle/>
+              <a:p>
+                <a:pPr/>
+                <a14:m>
+                  <m:oMathPara xmlns:m="http://schemas.openxmlformats.org/officeDocument/2006/math">
+                    <m:oMathParaPr>
+                      <m:jc m:val="centerGroup"/>
+                    </m:oMathParaPr>
+                    <m:oMath xmlns:m="http://schemas.openxmlformats.org/officeDocument/2006/math">
+                      <m:r>
+                        <a:rPr lang="en-GB" sz="2000" i="1" smtClean="0">
+                          <a:latin typeface="Cambria Math" panose="02040503050406030204" pitchFamily="18" charset="0"/>
+                        </a:rPr>
+                        <m:t>𝑦</m:t>
+                      </m:r>
+                      <m:r>
+                        <a:rPr lang="en-GB" sz="2000" i="0">
+                          <a:latin typeface="Cambria Math" panose="02040503050406030204" pitchFamily="18" charset="0"/>
+                        </a:rPr>
+                        <m:t>=</m:t>
+                      </m:r>
+                      <m:func>
+                        <m:funcPr>
+                          <m:ctrlPr>
+                            <a:rPr lang="en-GB" sz="2000" i="1">
+                              <a:latin typeface="Cambria Math" panose="02040503050406030204" pitchFamily="18" charset="0"/>
+                            </a:rPr>
+                          </m:ctrlPr>
+                        </m:funcPr>
+                        <m:fName>
+                          <m:r>
+                            <m:rPr>
+                              <m:sty m:val="p"/>
+                            </m:rPr>
+                            <a:rPr lang="en-GB" sz="2000" b="0" i="0" smtClean="0">
+                              <a:latin typeface="Cambria Math" panose="02040503050406030204" pitchFamily="18" charset="0"/>
+                            </a:rPr>
+                            <m:t>ln</m:t>
+                          </m:r>
+                        </m:fName>
+                        <m:e>
+                          <m:d>
+                            <m:dPr>
+                              <m:ctrlPr>
+                                <a:rPr lang="en-GB" sz="2000" i="1">
+                                  <a:solidFill>
+                                    <a:srgbClr val="836967"/>
+                                  </a:solidFill>
+                                  <a:latin typeface="Cambria Math" panose="02040503050406030204" pitchFamily="18" charset="0"/>
+                                </a:rPr>
+                              </m:ctrlPr>
+                            </m:dPr>
+                            <m:e>
+                              <m:r>
+                                <a:rPr lang="en-GB" sz="2000" i="1">
+                                  <a:latin typeface="Cambria Math" panose="02040503050406030204" pitchFamily="18" charset="0"/>
+                                </a:rPr>
+                                <m:t>𝑥</m:t>
+                              </m:r>
+                            </m:e>
+                          </m:d>
+                        </m:e>
+                      </m:func>
+                    </m:oMath>
+                  </m:oMathPara>
+                </a14:m>
+                <a:endParaRPr lang="en-GB" sz="2000" dirty="0"/>
+              </a:p>
+            </p:txBody>
+          </p:sp>
+        </mc:Choice>
+        <mc:Fallback>
+          <p:sp>
+            <p:nvSpPr>
+              <p:cNvPr id="19" name="TextBox 18">
+                <a:extLst>
+                  <a:ext uri="{FF2B5EF4-FFF2-40B4-BE49-F238E27FC236}">
+                    <a16:creationId xmlns:a16="http://schemas.microsoft.com/office/drawing/2014/main" id="{957EB46A-B670-4F8D-8694-B34391A5DF32}"/>
+                  </a:ext>
+                </a:extLst>
+              </p:cNvPr>
+              <p:cNvSpPr txBox="1">
+                <a:spLocks noRot="1" noChangeAspect="1" noMove="1" noResize="1" noEditPoints="1" noAdjustHandles="1" noChangeArrowheads="1" noChangeShapeType="1" noTextEdit="1"/>
+              </p:cNvSpPr>
+              <p:nvPr/>
+            </p:nvSpPr>
+            <p:spPr>
+              <a:xfrm>
+                <a:off x="1539007" y="2064100"/>
+                <a:ext cx="1109663" cy="307777"/>
+              </a:xfrm>
+              <a:prstGeom prst="rect">
+                <a:avLst/>
+              </a:prstGeom>
+              <a:blipFill>
+                <a:blip r:embed="rId4"/>
+                <a:stretch>
+                  <a:fillRect l="-4324" b="-20755"/>
+                </a:stretch>
+              </a:blipFill>
+              <a:ln w="15875">
+                <a:solidFill>
+                  <a:schemeClr val="tx1">
+                    <a:lumMod val="85000"/>
+                    <a:lumOff val="15000"/>
+                  </a:schemeClr>
+                </a:solidFill>
+              </a:ln>
+            </p:spPr>
+            <p:txBody>
+              <a:bodyPr/>
+              <a:lstStyle/>
+              <a:p>
+                <a:r>
+                  <a:rPr lang="en-GB">
+                    <a:noFill/>
+                  </a:rPr>
+                  <a:t> </a:t>
+                </a:r>
+              </a:p>
+            </p:txBody>
+          </p:sp>
+        </mc:Fallback>
+      </mc:AlternateContent>
+      <p:pic>
+        <p:nvPicPr>
+          <p:cNvPr id="15" name="Picture 14">
+            <a:extLst>
+              <a:ext uri="{FF2B5EF4-FFF2-40B4-BE49-F238E27FC236}">
+                <a16:creationId xmlns:a16="http://schemas.microsoft.com/office/drawing/2014/main" id="{4B623E65-64B0-439E-B0D9-E12836BE717F}"/>
+              </a:ext>
+            </a:extLst>
+          </p:cNvPr>
+          <p:cNvPicPr>
+            <a:picLocks noChangeAspect="1"/>
+          </p:cNvPicPr>
+          <p:nvPr/>
+        </p:nvPicPr>
+        <p:blipFill>
+          <a:blip r:embed="rId5"/>
+          <a:stretch>
+            <a:fillRect/>
+          </a:stretch>
+        </p:blipFill>
+        <p:spPr>
+          <a:xfrm>
+            <a:off x="5906621" y="2064101"/>
+            <a:ext cx="4233599" cy="3321618"/>
+          </a:xfrm>
+          <a:prstGeom prst="rect">
+            <a:avLst/>
+          </a:prstGeom>
+        </p:spPr>
+      </p:pic>
+      <mc:AlternateContent xmlns:mc="http://schemas.openxmlformats.org/markup-compatibility/2006">
+        <mc:Choice xmlns:a14="http://schemas.microsoft.com/office/drawing/2010/main" Requires="a14">
+          <p:sp>
+            <p:nvSpPr>
+              <p:cNvPr id="13" name="TextBox 12">
+                <a:extLst>
+                  <a:ext uri="{FF2B5EF4-FFF2-40B4-BE49-F238E27FC236}">
+                    <a16:creationId xmlns:a16="http://schemas.microsoft.com/office/drawing/2014/main" id="{89EA848E-732E-427E-9D5D-72C33C09B6E0}"/>
+                  </a:ext>
+                </a:extLst>
+              </p:cNvPr>
+              <p:cNvSpPr txBox="1"/>
+              <p:nvPr/>
+            </p:nvSpPr>
+            <p:spPr>
+              <a:xfrm>
+                <a:off x="6517666" y="2064100"/>
+                <a:ext cx="1252330" cy="307777"/>
+              </a:xfrm>
+              <a:prstGeom prst="rect">
+                <a:avLst/>
+              </a:prstGeom>
+              <a:solidFill>
+                <a:schemeClr val="bg1"/>
+              </a:solidFill>
+              <a:ln w="15875">
+                <a:solidFill>
+                  <a:schemeClr val="tx1">
+                    <a:lumMod val="85000"/>
+                    <a:lumOff val="15000"/>
+                  </a:schemeClr>
+                </a:solidFill>
+              </a:ln>
+            </p:spPr>
+            <p:txBody>
+              <a:bodyPr wrap="none" lIns="0" tIns="0" rIns="0" bIns="0" rtlCol="0">
+                <a:spAutoFit/>
+              </a:bodyPr>
+              <a:lstStyle/>
+              <a:p>
+                <a:pPr/>
+                <a14:m>
+                  <m:oMathPara xmlns:m="http://schemas.openxmlformats.org/officeDocument/2006/math">
+                    <m:oMathParaPr>
+                      <m:jc m:val="centerGroup"/>
+                    </m:oMathParaPr>
+                    <m:oMath xmlns:m="http://schemas.openxmlformats.org/officeDocument/2006/math">
+                      <m:r>
+                        <a:rPr lang="en-GB" sz="2000" i="1" smtClean="0">
+                          <a:latin typeface="Cambria Math" panose="02040503050406030204" pitchFamily="18" charset="0"/>
+                        </a:rPr>
+                        <m:t>𝑦</m:t>
+                      </m:r>
+                      <m:r>
+                        <a:rPr lang="en-GB" sz="2000" i="0">
+                          <a:latin typeface="Cambria Math" panose="02040503050406030204" pitchFamily="18" charset="0"/>
+                        </a:rPr>
+                        <m:t>=</m:t>
+                      </m:r>
+                      <m:func>
+                        <m:funcPr>
+                          <m:ctrlPr>
+                            <a:rPr lang="en-GB" sz="2000" i="1">
+                              <a:latin typeface="Cambria Math" panose="02040503050406030204" pitchFamily="18" charset="0"/>
+                            </a:rPr>
+                          </m:ctrlPr>
+                        </m:funcPr>
+                        <m:fName>
+                          <m:r>
+                            <m:rPr>
+                              <m:sty m:val="p"/>
+                            </m:rPr>
+                            <a:rPr lang="en-GB" sz="2000" b="0" i="0" smtClean="0">
+                              <a:latin typeface="Cambria Math" panose="02040503050406030204" pitchFamily="18" charset="0"/>
+                            </a:rPr>
+                            <m:t>ln</m:t>
+                          </m:r>
+                        </m:fName>
+                        <m:e>
+                          <m:d>
+                            <m:dPr>
+                              <m:ctrlPr>
+                                <a:rPr lang="en-GB" sz="2000" i="1">
+                                  <a:solidFill>
+                                    <a:srgbClr val="836967"/>
+                                  </a:solidFill>
+                                  <a:latin typeface="Cambria Math" panose="02040503050406030204" pitchFamily="18" charset="0"/>
+                                </a:rPr>
+                              </m:ctrlPr>
+                            </m:dPr>
+                            <m:e>
+                              <m:r>
+                                <a:rPr lang="en-GB" sz="2000" b="0" i="1" smtClean="0">
+                                  <a:latin typeface="Cambria Math" panose="02040503050406030204" pitchFamily="18" charset="0"/>
+                                </a:rPr>
+                                <m:t>3</m:t>
+                              </m:r>
+                              <m:r>
+                                <a:rPr lang="en-GB" sz="2000" b="0" i="1" smtClean="0">
+                                  <a:latin typeface="Cambria Math" panose="02040503050406030204" pitchFamily="18" charset="0"/>
+                                </a:rPr>
+                                <m:t>𝑥</m:t>
+                              </m:r>
+                            </m:e>
+                          </m:d>
+                        </m:e>
+                      </m:func>
+                    </m:oMath>
+                  </m:oMathPara>
+                </a14:m>
+                <a:endParaRPr lang="en-GB" sz="2000" dirty="0"/>
+              </a:p>
+            </p:txBody>
+          </p:sp>
+        </mc:Choice>
+        <mc:Fallback>
+          <p:sp>
+            <p:nvSpPr>
+              <p:cNvPr id="13" name="TextBox 12">
+                <a:extLst>
+                  <a:ext uri="{FF2B5EF4-FFF2-40B4-BE49-F238E27FC236}">
+                    <a16:creationId xmlns:a16="http://schemas.microsoft.com/office/drawing/2014/main" id="{89EA848E-732E-427E-9D5D-72C33C09B6E0}"/>
+                  </a:ext>
+                </a:extLst>
+              </p:cNvPr>
+              <p:cNvSpPr txBox="1">
+                <a:spLocks noRot="1" noChangeAspect="1" noMove="1" noResize="1" noEditPoints="1" noAdjustHandles="1" noChangeArrowheads="1" noChangeShapeType="1" noTextEdit="1"/>
+              </p:cNvSpPr>
+              <p:nvPr/>
+            </p:nvSpPr>
+            <p:spPr>
+              <a:xfrm>
+                <a:off x="6517666" y="2064100"/>
+                <a:ext cx="1252330" cy="307777"/>
+              </a:xfrm>
+              <a:prstGeom prst="rect">
+                <a:avLst/>
+              </a:prstGeom>
+              <a:blipFill>
+                <a:blip r:embed="rId6"/>
+                <a:stretch>
+                  <a:fillRect l="-3828" b="-20755"/>
+                </a:stretch>
+              </a:blipFill>
+              <a:ln w="15875">
+                <a:solidFill>
+                  <a:schemeClr val="tx1">
+                    <a:lumMod val="85000"/>
+                    <a:lumOff val="15000"/>
+                  </a:schemeClr>
+                </a:solidFill>
+              </a:ln>
+            </p:spPr>
+            <p:txBody>
+              <a:bodyPr/>
+              <a:lstStyle/>
+              <a:p>
+                <a:r>
+                  <a:rPr lang="en-GB">
+                    <a:noFill/>
+                  </a:rPr>
+                  <a:t> </a:t>
+                </a:r>
+              </a:p>
+            </p:txBody>
+          </p:sp>
+        </mc:Fallback>
+      </mc:AlternateContent>
+      <mc:AlternateContent xmlns:mc="http://schemas.openxmlformats.org/markup-compatibility/2006">
+        <mc:Choice xmlns:a14="http://schemas.microsoft.com/office/drawing/2010/main" Requires="a14">
+          <p:sp>
+            <p:nvSpPr>
+              <p:cNvPr id="22" name="TextBox 21">
+                <a:extLst>
+                  <a:ext uri="{FF2B5EF4-FFF2-40B4-BE49-F238E27FC236}">
+                    <a16:creationId xmlns:a16="http://schemas.microsoft.com/office/drawing/2014/main" id="{648A0FEE-9A5F-4F2B-9F1D-C8F0EE3DAD80}"/>
+                  </a:ext>
+                </a:extLst>
+              </p:cNvPr>
+              <p:cNvSpPr txBox="1"/>
+              <p:nvPr/>
+            </p:nvSpPr>
+            <p:spPr>
+              <a:xfrm>
+                <a:off x="6106003" y="5667933"/>
+                <a:ext cx="5278698" cy="584775"/>
+              </a:xfrm>
+              <a:prstGeom prst="rect">
+                <a:avLst/>
+              </a:prstGeom>
+              <a:noFill/>
+            </p:spPr>
+            <p:txBody>
+              <a:bodyPr wrap="square">
+                <a:spAutoFit/>
+              </a:bodyPr>
+              <a:lstStyle/>
+              <a:p>
+                <a:r>
+                  <a:rPr lang="en-GB" sz="1600" dirty="0"/>
+                  <a:t>Here </a:t>
+                </a:r>
+                <a14:m>
+                  <m:oMath xmlns:m="http://schemas.openxmlformats.org/officeDocument/2006/math">
+                    <m:sSup>
+                      <m:sSupPr>
+                        <m:ctrlPr>
+                          <a:rPr lang="en-GB" sz="1600" dirty="0" smtClean="0">
+                            <a:solidFill>
+                              <a:srgbClr val="836967"/>
+                            </a:solidFill>
+                            <a:latin typeface="Cambria Math" panose="02040503050406030204" pitchFamily="18" charset="0"/>
+                          </a:rPr>
+                        </m:ctrlPr>
+                      </m:sSupPr>
+                      <m:e>
+                        <m:r>
+                          <a:rPr lang="en-GB" sz="1600" dirty="0">
+                            <a:latin typeface="Cambria Math" panose="02040503050406030204" pitchFamily="18" charset="0"/>
+                          </a:rPr>
+                          <m:t>ⅇ</m:t>
+                        </m:r>
+                      </m:e>
+                      <m:sup>
+                        <m:r>
+                          <a:rPr lang="en-GB" sz="1600" i="1" dirty="0">
+                            <a:latin typeface="Cambria Math" panose="02040503050406030204" pitchFamily="18" charset="0"/>
+                          </a:rPr>
+                          <m:t>𝑦</m:t>
+                        </m:r>
+                      </m:sup>
+                    </m:sSup>
+                    <m:r>
+                      <a:rPr lang="en-GB" sz="1600" i="0" dirty="0">
+                        <a:latin typeface="Cambria Math" panose="02040503050406030204" pitchFamily="18" charset="0"/>
+                      </a:rPr>
+                      <m:t>=3</m:t>
+                    </m:r>
+                    <m:r>
+                      <a:rPr lang="en-GB" sz="1600" i="1" dirty="0">
+                        <a:latin typeface="Cambria Math" panose="02040503050406030204" pitchFamily="18" charset="0"/>
+                      </a:rPr>
+                      <m:t>𝑥</m:t>
+                    </m:r>
+                  </m:oMath>
+                </a14:m>
+                <a:r>
+                  <a:rPr lang="en-GB" sz="1600" dirty="0"/>
+                  <a:t> so given a value of y, x is three times smaller than its counterpart to the right.  </a:t>
+                </a:r>
+              </a:p>
+            </p:txBody>
+          </p:sp>
+        </mc:Choice>
+        <mc:Fallback>
+          <p:sp>
+            <p:nvSpPr>
+              <p:cNvPr id="22" name="TextBox 21">
+                <a:extLst>
+                  <a:ext uri="{FF2B5EF4-FFF2-40B4-BE49-F238E27FC236}">
+                    <a16:creationId xmlns:a16="http://schemas.microsoft.com/office/drawing/2014/main" id="{648A0FEE-9A5F-4F2B-9F1D-C8F0EE3DAD80}"/>
+                  </a:ext>
+                </a:extLst>
+              </p:cNvPr>
+              <p:cNvSpPr txBox="1">
+                <a:spLocks noRot="1" noChangeAspect="1" noMove="1" noResize="1" noEditPoints="1" noAdjustHandles="1" noChangeArrowheads="1" noChangeShapeType="1" noTextEdit="1"/>
+              </p:cNvSpPr>
+              <p:nvPr/>
+            </p:nvSpPr>
+            <p:spPr>
+              <a:xfrm>
+                <a:off x="6106003" y="5667933"/>
+                <a:ext cx="5278698" cy="584775"/>
+              </a:xfrm>
+              <a:prstGeom prst="rect">
+                <a:avLst/>
+              </a:prstGeom>
+              <a:blipFill>
+                <a:blip r:embed="rId7"/>
+                <a:stretch>
+                  <a:fillRect l="-693" t="-3125" b="-12500"/>
+                </a:stretch>
+              </a:blipFill>
+            </p:spPr>
+            <p:txBody>
+              <a:bodyPr/>
+              <a:lstStyle/>
+              <a:p>
+                <a:r>
+                  <a:rPr lang="en-GB">
+                    <a:noFill/>
+                  </a:rPr>
+                  <a:t> </a:t>
+                </a:r>
+              </a:p>
+            </p:txBody>
+          </p:sp>
+        </mc:Fallback>
+      </mc:AlternateContent>
+    </p:spTree>
+    <p:extLst>
+      <p:ext uri="{BB962C8B-B14F-4D97-AF65-F5344CB8AC3E}">
+        <p14:creationId xmlns:p14="http://schemas.microsoft.com/office/powerpoint/2010/main" val="3695712889"/>
+      </p:ext>
+    </p:extLst>
+  </p:cSld>
+  <p:clrMapOvr>
+    <a:masterClrMapping/>
+  </p:clrMapOvr>
+</p:sld>
+</file>
+
+<file path=ppt/slides/slide11.xml><?xml version="1.0" encoding="utf-8"?>
+<p:sld xmlns:a="http://schemas.openxmlformats.org/drawingml/2006/main" xmlns:r="http://schemas.openxmlformats.org/officeDocument/2006/relationships" xmlns:p="http://schemas.openxmlformats.org/presentationml/2006/main">
+  <p:cSld>
+    <p:spTree>
+      <p:nvGrpSpPr>
+        <p:cNvPr id="1" name=""/>
+        <p:cNvGrpSpPr/>
+        <p:nvPr/>
+      </p:nvGrpSpPr>
+      <p:grpSpPr>
+        <a:xfrm>
+          <a:off x="0" y="0"/>
+          <a:ext cx="0" cy="0"/>
+          <a:chOff x="0" y="0"/>
+          <a:chExt cx="0" cy="0"/>
+        </a:xfrm>
+      </p:grpSpPr>
+      <mc:AlternateContent xmlns:mc="http://schemas.openxmlformats.org/markup-compatibility/2006">
+        <mc:Choice xmlns:a14="http://schemas.microsoft.com/office/drawing/2010/main" Requires="a14">
+          <p:sp>
+            <p:nvSpPr>
+              <p:cNvPr id="15" name="TextBox 14">
+                <a:extLst>
+                  <a:ext uri="{FF2B5EF4-FFF2-40B4-BE49-F238E27FC236}">
+                    <a16:creationId xmlns:a16="http://schemas.microsoft.com/office/drawing/2014/main" id="{E8198B67-6144-486B-A563-807EF69E7715}"/>
+                  </a:ext>
+                </a:extLst>
+              </p:cNvPr>
+              <p:cNvSpPr txBox="1"/>
+              <p:nvPr/>
+            </p:nvSpPr>
+            <p:spPr>
+              <a:xfrm>
+                <a:off x="5949918" y="2392338"/>
+                <a:ext cx="6103538" cy="4052135"/>
+              </a:xfrm>
+              <a:prstGeom prst="rect">
+                <a:avLst/>
+              </a:prstGeom>
+              <a:noFill/>
+            </p:spPr>
+            <p:txBody>
+              <a:bodyPr wrap="square">
+                <a:spAutoFit/>
+              </a:bodyPr>
+              <a:lstStyle/>
+              <a:p>
+                <a:r>
+                  <a:rPr lang="en-GB" sz="1600" dirty="0"/>
+                  <a:t>It was fairly clear this was formed of multiple components. Firstly I recognised this must be an exponential:</a:t>
+                </a:r>
+              </a:p>
+              <a:p>
+                <a:endParaRPr lang="en-GB" sz="1600" b="0" dirty="0"/>
+              </a:p>
+              <a:p>
+                <a14:m>
+                  <m:oMathPara xmlns:m="http://schemas.openxmlformats.org/officeDocument/2006/math">
+                    <m:oMathParaPr>
+                      <m:jc m:val="centerGroup"/>
+                    </m:oMathParaPr>
+                    <m:oMath xmlns:m="http://schemas.openxmlformats.org/officeDocument/2006/math">
+                      <m:r>
+                        <a:rPr lang="en-GB" sz="1600" b="0" i="1" smtClean="0">
+                          <a:latin typeface="Cambria Math" panose="02040503050406030204" pitchFamily="18" charset="0"/>
+                        </a:rPr>
+                        <m:t>𝑦</m:t>
+                      </m:r>
+                      <m:r>
+                        <a:rPr lang="en-GB" sz="1600" b="0" i="1" smtClean="0">
+                          <a:latin typeface="Cambria Math" panose="02040503050406030204" pitchFamily="18" charset="0"/>
+                        </a:rPr>
+                        <m:t>=</m:t>
+                      </m:r>
+                      <m:r>
+                        <a:rPr lang="en-GB" sz="1600" b="0" i="1" smtClean="0">
+                          <a:latin typeface="Cambria Math" panose="02040503050406030204" pitchFamily="18" charset="0"/>
+                        </a:rPr>
+                        <m:t>𝑎</m:t>
+                      </m:r>
+                      <m:r>
+                        <a:rPr lang="en-GB" sz="1600" b="0" i="1" smtClean="0">
+                          <a:latin typeface="Cambria Math" panose="02040503050406030204" pitchFamily="18" charset="0"/>
+                        </a:rPr>
+                        <m:t>.</m:t>
+                      </m:r>
+                      <m:sSup>
+                        <m:sSupPr>
+                          <m:ctrlPr>
+                            <a:rPr lang="en-GB" sz="1600" b="0" i="1" smtClean="0">
+                              <a:latin typeface="Cambria Math" panose="02040503050406030204" pitchFamily="18" charset="0"/>
+                            </a:rPr>
+                          </m:ctrlPr>
+                        </m:sSupPr>
+                        <m:e>
+                          <m:r>
+                            <a:rPr lang="en-GB" sz="1600" b="0" i="1" smtClean="0">
+                              <a:latin typeface="Cambria Math" panose="02040503050406030204" pitchFamily="18" charset="0"/>
+                            </a:rPr>
+                            <m:t>𝑒</m:t>
+                          </m:r>
+                        </m:e>
+                        <m:sup>
+                          <m:r>
+                            <a:rPr lang="en-GB" sz="1600" b="0" i="1" smtClean="0">
+                              <a:latin typeface="Cambria Math" panose="02040503050406030204" pitchFamily="18" charset="0"/>
+                            </a:rPr>
+                            <m:t>𝑥</m:t>
+                          </m:r>
+                        </m:sup>
+                      </m:sSup>
+                    </m:oMath>
+                  </m:oMathPara>
+                </a14:m>
+                <a:endParaRPr lang="en-GB" sz="1600" b="0" dirty="0"/>
+              </a:p>
+              <a:p>
+                <a:endParaRPr lang="en-GB" sz="1600" dirty="0"/>
+              </a:p>
+              <a:p>
+                <a:r>
+                  <a:rPr lang="en-GB" sz="1600" b="0" dirty="0"/>
+                  <a:t>We know that a=1 where x=1 and a=0 where x=2. We can also see that the equation appears asymptotic to x = 3. Hence a was tested to be:</a:t>
+                </a:r>
+              </a:p>
+              <a:p>
+                <a:endParaRPr lang="en-GB" sz="1600" b="0" dirty="0"/>
+              </a:p>
+              <a:p>
+                <a14:m>
+                  <m:oMathPara xmlns:m="http://schemas.openxmlformats.org/officeDocument/2006/math">
+                    <m:oMathParaPr>
+                      <m:jc m:val="centerGroup"/>
+                    </m:oMathParaPr>
+                    <m:oMath xmlns:m="http://schemas.openxmlformats.org/officeDocument/2006/math">
+                      <m:r>
+                        <a:rPr lang="en-GB" sz="1600" b="0" i="1" smtClean="0">
+                          <a:latin typeface="Cambria Math" panose="02040503050406030204" pitchFamily="18" charset="0"/>
+                        </a:rPr>
+                        <m:t>𝑦</m:t>
+                      </m:r>
+                      <m:r>
+                        <a:rPr lang="en-GB" sz="1600" b="0" i="1" smtClean="0">
+                          <a:latin typeface="Cambria Math" panose="02040503050406030204" pitchFamily="18" charset="0"/>
+                        </a:rPr>
+                        <m:t>=</m:t>
+                      </m:r>
+                      <m:func>
+                        <m:funcPr>
+                          <m:ctrlPr>
+                            <a:rPr lang="en-GB" sz="1600" b="0" i="1" smtClean="0">
+                              <a:latin typeface="Cambria Math" panose="02040503050406030204" pitchFamily="18" charset="0"/>
+                            </a:rPr>
+                          </m:ctrlPr>
+                        </m:funcPr>
+                        <m:fName>
+                          <m:r>
+                            <m:rPr>
+                              <m:sty m:val="p"/>
+                            </m:rPr>
+                            <a:rPr lang="en-GB" sz="1600" b="0" i="0" smtClean="0">
+                              <a:latin typeface="Cambria Math" panose="02040503050406030204" pitchFamily="18" charset="0"/>
+                            </a:rPr>
+                            <m:t>ln</m:t>
+                          </m:r>
+                        </m:fName>
+                        <m:e>
+                          <m:d>
+                            <m:dPr>
+                              <m:ctrlPr>
+                                <a:rPr lang="en-GB" sz="1600" b="0" i="1" smtClean="0">
+                                  <a:latin typeface="Cambria Math" panose="02040503050406030204" pitchFamily="18" charset="0"/>
+                                </a:rPr>
+                              </m:ctrlPr>
+                            </m:dPr>
+                            <m:e>
+                              <m:r>
+                                <a:rPr lang="en-GB" sz="1600" b="0" i="1" smtClean="0">
+                                  <a:latin typeface="Cambria Math" panose="02040503050406030204" pitchFamily="18" charset="0"/>
+                                </a:rPr>
+                                <m:t>3−</m:t>
+                              </m:r>
+                              <m:r>
+                                <a:rPr lang="en-GB" sz="1600" b="0" i="1" smtClean="0">
+                                  <a:latin typeface="Cambria Math" panose="02040503050406030204" pitchFamily="18" charset="0"/>
+                                </a:rPr>
+                                <m:t>𝑥</m:t>
+                              </m:r>
+                            </m:e>
+                          </m:d>
+                        </m:e>
+                      </m:func>
+                      <m:r>
+                        <a:rPr lang="en-GB" sz="1600" b="0" i="1" smtClean="0">
+                          <a:latin typeface="Cambria Math" panose="02040503050406030204" pitchFamily="18" charset="0"/>
+                        </a:rPr>
+                        <m:t>.</m:t>
+                      </m:r>
+                      <m:sSup>
+                        <m:sSupPr>
+                          <m:ctrlPr>
+                            <a:rPr lang="en-GB" sz="1600" b="0" i="1" smtClean="0">
+                              <a:latin typeface="Cambria Math" panose="02040503050406030204" pitchFamily="18" charset="0"/>
+                            </a:rPr>
+                          </m:ctrlPr>
+                        </m:sSupPr>
+                        <m:e>
+                          <m:r>
+                            <a:rPr lang="en-GB" sz="1600" b="0" i="1" smtClean="0">
+                              <a:latin typeface="Cambria Math" panose="02040503050406030204" pitchFamily="18" charset="0"/>
+                            </a:rPr>
+                            <m:t>𝑒</m:t>
+                          </m:r>
+                        </m:e>
+                        <m:sup>
+                          <m:r>
+                            <a:rPr lang="en-GB" sz="1600" b="0" i="1" smtClean="0">
+                              <a:latin typeface="Cambria Math" panose="02040503050406030204" pitchFamily="18" charset="0"/>
+                            </a:rPr>
+                            <m:t>𝑥</m:t>
+                          </m:r>
+                        </m:sup>
+                      </m:sSup>
+                    </m:oMath>
+                  </m:oMathPara>
+                </a14:m>
+                <a:endParaRPr lang="en-GB" sz="1600" b="0" dirty="0"/>
+              </a:p>
+              <a:p>
+                <a:endParaRPr lang="en-GB" sz="1600" b="0" dirty="0"/>
+              </a:p>
+              <a:p>
+                <a:r>
+                  <a:rPr lang="en-GB" sz="1600" b="0" dirty="0"/>
+                  <a:t>This work</a:t>
+                </a:r>
+                <a:r>
+                  <a:rPr lang="en-GB" sz="1600" dirty="0"/>
+                  <a:t>s where x=2 as ln(1)=0. But it doesn’t work where x=1, ln(2)=0.69. But dividing through by ln(2) make</a:t>
+                </a:r>
+              </a:p>
+              <a:p>
+                <a:endParaRPr lang="en-GB" sz="1600" b="0" dirty="0"/>
+              </a:p>
+              <a:p>
+                <a14:m>
+                  <m:oMathPara xmlns:m="http://schemas.openxmlformats.org/officeDocument/2006/math">
+                    <m:oMathParaPr>
+                      <m:jc m:val="centerGroup"/>
+                    </m:oMathParaPr>
+                    <m:oMath xmlns:m="http://schemas.openxmlformats.org/officeDocument/2006/math">
+                      <m:r>
+                        <m:rPr>
+                          <m:sty m:val="p"/>
+                        </m:rPr>
+                        <a:rPr lang="en-GB" sz="1600" b="0" i="0" smtClean="0">
+                          <a:solidFill>
+                            <a:schemeClr val="tx1">
+                              <a:lumMod val="95000"/>
+                              <a:lumOff val="5000"/>
+                            </a:schemeClr>
+                          </a:solidFill>
+                          <a:latin typeface="Cambria Math" panose="02040503050406030204" pitchFamily="18" charset="0"/>
+                        </a:rPr>
+                        <m:t>y</m:t>
+                      </m:r>
+                      <m:r>
+                        <a:rPr lang="en-GB" sz="1600" b="0" i="0" smtClean="0">
+                          <a:solidFill>
+                            <a:schemeClr val="tx1">
+                              <a:lumMod val="95000"/>
+                              <a:lumOff val="5000"/>
+                            </a:schemeClr>
+                          </a:solidFill>
+                          <a:latin typeface="Cambria Math" panose="02040503050406030204" pitchFamily="18" charset="0"/>
+                        </a:rPr>
+                        <m:t>= </m:t>
+                      </m:r>
+                      <m:f>
+                        <m:fPr>
+                          <m:ctrlPr>
+                            <a:rPr lang="en-GB" sz="1600" i="1" smtClean="0">
+                              <a:solidFill>
+                                <a:schemeClr val="tx1">
+                                  <a:lumMod val="95000"/>
+                                  <a:lumOff val="5000"/>
+                                </a:schemeClr>
+                              </a:solidFill>
+                              <a:latin typeface="Cambria Math" panose="02040503050406030204" pitchFamily="18" charset="0"/>
+                            </a:rPr>
+                          </m:ctrlPr>
+                        </m:fPr>
+                        <m:num>
+                          <m:func>
+                            <m:funcPr>
+                              <m:ctrlPr>
+                                <a:rPr lang="en-GB" sz="1600" i="1">
+                                  <a:solidFill>
+                                    <a:schemeClr val="tx1">
+                                      <a:lumMod val="95000"/>
+                                      <a:lumOff val="5000"/>
+                                    </a:schemeClr>
+                                  </a:solidFill>
+                                  <a:latin typeface="Cambria Math" panose="02040503050406030204" pitchFamily="18" charset="0"/>
+                                </a:rPr>
+                              </m:ctrlPr>
+                            </m:funcPr>
+                            <m:fName>
+                              <m:r>
+                                <m:rPr>
+                                  <m:sty m:val="p"/>
+                                </m:rPr>
+                                <a:rPr lang="en-GB" sz="1600">
+                                  <a:solidFill>
+                                    <a:schemeClr val="tx1">
+                                      <a:lumMod val="95000"/>
+                                      <a:lumOff val="5000"/>
+                                    </a:schemeClr>
+                                  </a:solidFill>
+                                  <a:latin typeface="Cambria Math" panose="02040503050406030204" pitchFamily="18" charset="0"/>
+                                </a:rPr>
+                                <m:t>ln</m:t>
+                              </m:r>
+                            </m:fName>
+                            <m:e>
+                              <m:d>
+                                <m:dPr>
+                                  <m:ctrlPr>
+                                    <a:rPr lang="en-GB" sz="1600" i="1">
+                                      <a:solidFill>
+                                        <a:schemeClr val="tx1">
+                                          <a:lumMod val="95000"/>
+                                          <a:lumOff val="5000"/>
+                                        </a:schemeClr>
+                                      </a:solidFill>
+                                      <a:latin typeface="Cambria Math" panose="02040503050406030204" pitchFamily="18" charset="0"/>
+                                    </a:rPr>
+                                  </m:ctrlPr>
+                                </m:dPr>
+                                <m:e>
+                                  <m:r>
+                                    <a:rPr lang="en-GB" sz="1600" i="0">
+                                      <a:solidFill>
+                                        <a:schemeClr val="tx1">
+                                          <a:lumMod val="95000"/>
+                                          <a:lumOff val="5000"/>
+                                        </a:schemeClr>
+                                      </a:solidFill>
+                                      <a:latin typeface="Cambria Math" panose="02040503050406030204" pitchFamily="18" charset="0"/>
+                                    </a:rPr>
+                                    <m:t>3−</m:t>
+                                  </m:r>
+                                  <m:r>
+                                    <a:rPr lang="en-GB" sz="1600" i="1">
+                                      <a:solidFill>
+                                        <a:schemeClr val="tx1">
+                                          <a:lumMod val="95000"/>
+                                          <a:lumOff val="5000"/>
+                                        </a:schemeClr>
+                                      </a:solidFill>
+                                      <a:latin typeface="Cambria Math" panose="02040503050406030204" pitchFamily="18" charset="0"/>
+                                    </a:rPr>
+                                    <m:t>𝑥</m:t>
+                                  </m:r>
+                                </m:e>
+                              </m:d>
+                              <m:sSup>
+                                <m:sSupPr>
+                                  <m:ctrlPr>
+                                    <a:rPr lang="en-GB" sz="1600" i="1">
+                                      <a:solidFill>
+                                        <a:schemeClr val="tx1">
+                                          <a:lumMod val="95000"/>
+                                          <a:lumOff val="5000"/>
+                                        </a:schemeClr>
+                                      </a:solidFill>
+                                      <a:latin typeface="Cambria Math" panose="02040503050406030204" pitchFamily="18" charset="0"/>
+                                    </a:rPr>
+                                  </m:ctrlPr>
+                                </m:sSupPr>
+                                <m:e>
+                                  <m:r>
+                                    <a:rPr lang="en-GB" sz="1600" b="0" i="0" smtClean="0">
+                                      <a:solidFill>
+                                        <a:schemeClr val="tx1">
+                                          <a:lumMod val="95000"/>
+                                          <a:lumOff val="5000"/>
+                                        </a:schemeClr>
+                                      </a:solidFill>
+                                      <a:latin typeface="Cambria Math" panose="02040503050406030204" pitchFamily="18" charset="0"/>
+                                    </a:rPr>
+                                    <m:t>.</m:t>
+                                  </m:r>
+                                  <m:r>
+                                    <a:rPr lang="en-GB" sz="1600" i="0">
+                                      <a:solidFill>
+                                        <a:schemeClr val="tx1">
+                                          <a:lumMod val="95000"/>
+                                          <a:lumOff val="5000"/>
+                                        </a:schemeClr>
+                                      </a:solidFill>
+                                      <a:latin typeface="Cambria Math" panose="02040503050406030204" pitchFamily="18" charset="0"/>
+                                    </a:rPr>
+                                    <m:t>ⅇ</m:t>
+                                  </m:r>
+                                </m:e>
+                                <m:sup>
+                                  <m:r>
+                                    <a:rPr lang="en-GB" sz="1600" i="1">
+                                      <a:solidFill>
+                                        <a:schemeClr val="tx1">
+                                          <a:lumMod val="95000"/>
+                                          <a:lumOff val="5000"/>
+                                        </a:schemeClr>
+                                      </a:solidFill>
+                                      <a:latin typeface="Cambria Math" panose="02040503050406030204" pitchFamily="18" charset="0"/>
+                                    </a:rPr>
+                                    <m:t>𝑥</m:t>
+                                  </m:r>
+                                </m:sup>
+                              </m:sSup>
+                            </m:e>
+                          </m:func>
+                        </m:num>
+                        <m:den>
+                          <m:func>
+                            <m:funcPr>
+                              <m:ctrlPr>
+                                <a:rPr lang="en-GB" sz="1600" i="1">
+                                  <a:solidFill>
+                                    <a:schemeClr val="tx1">
+                                      <a:lumMod val="95000"/>
+                                      <a:lumOff val="5000"/>
+                                    </a:schemeClr>
+                                  </a:solidFill>
+                                  <a:latin typeface="Cambria Math" panose="02040503050406030204" pitchFamily="18" charset="0"/>
+                                </a:rPr>
+                              </m:ctrlPr>
+                            </m:funcPr>
+                            <m:fName>
+                              <m:r>
+                                <m:rPr>
+                                  <m:sty m:val="p"/>
+                                </m:rPr>
+                                <a:rPr lang="en-GB" sz="1600" i="0">
+                                  <a:solidFill>
+                                    <a:schemeClr val="tx1">
+                                      <a:lumMod val="95000"/>
+                                      <a:lumOff val="5000"/>
+                                    </a:schemeClr>
+                                  </a:solidFill>
+                                  <a:latin typeface="Cambria Math" panose="02040503050406030204" pitchFamily="18" charset="0"/>
+                                </a:rPr>
+                                <m:t>ln</m:t>
+                              </m:r>
+                            </m:fName>
+                            <m:e>
+                              <m:d>
+                                <m:dPr>
+                                  <m:ctrlPr>
+                                    <a:rPr lang="en-GB" sz="1600" i="1">
+                                      <a:solidFill>
+                                        <a:schemeClr val="tx1">
+                                          <a:lumMod val="95000"/>
+                                          <a:lumOff val="5000"/>
+                                        </a:schemeClr>
+                                      </a:solidFill>
+                                      <a:latin typeface="Cambria Math" panose="02040503050406030204" pitchFamily="18" charset="0"/>
+                                    </a:rPr>
+                                  </m:ctrlPr>
+                                </m:dPr>
+                                <m:e>
+                                  <m:r>
+                                    <a:rPr lang="en-GB" sz="1600" i="0">
+                                      <a:solidFill>
+                                        <a:schemeClr val="tx1">
+                                          <a:lumMod val="95000"/>
+                                          <a:lumOff val="5000"/>
+                                        </a:schemeClr>
+                                      </a:solidFill>
+                                      <a:latin typeface="Cambria Math" panose="02040503050406030204" pitchFamily="18" charset="0"/>
+                                    </a:rPr>
+                                    <m:t>2</m:t>
+                                  </m:r>
+                                </m:e>
+                              </m:d>
+                            </m:e>
+                          </m:func>
+                        </m:den>
+                      </m:f>
+                    </m:oMath>
+                  </m:oMathPara>
+                </a14:m>
+                <a:endParaRPr lang="en-GB" sz="1600" dirty="0"/>
+              </a:p>
+              <a:p>
+                <a:pPr/>
+                <a:endParaRPr lang="en-GB" sz="1600" b="0" dirty="0"/>
+              </a:p>
+            </p:txBody>
+          </p:sp>
+        </mc:Choice>
+        <mc:Fallback>
+          <p:sp>
+            <p:nvSpPr>
+              <p:cNvPr id="15" name="TextBox 14">
+                <a:extLst>
+                  <a:ext uri="{FF2B5EF4-FFF2-40B4-BE49-F238E27FC236}">
+                    <a16:creationId xmlns:a16="http://schemas.microsoft.com/office/drawing/2014/main" id="{E8198B67-6144-486B-A563-807EF69E7715}"/>
+                  </a:ext>
+                </a:extLst>
+              </p:cNvPr>
+              <p:cNvSpPr txBox="1">
+                <a:spLocks noRot="1" noChangeAspect="1" noMove="1" noResize="1" noEditPoints="1" noAdjustHandles="1" noChangeArrowheads="1" noChangeShapeType="1" noTextEdit="1"/>
+              </p:cNvSpPr>
+              <p:nvPr/>
+            </p:nvSpPr>
+            <p:spPr>
+              <a:xfrm>
+                <a:off x="5949918" y="2392338"/>
+                <a:ext cx="6103538" cy="4052135"/>
+              </a:xfrm>
+              <a:prstGeom prst="rect">
+                <a:avLst/>
+              </a:prstGeom>
+              <a:blipFill>
+                <a:blip r:embed="rId2"/>
+                <a:stretch>
+                  <a:fillRect l="-500" t="-451"/>
+                </a:stretch>
+              </a:blipFill>
+            </p:spPr>
+            <p:txBody>
+              <a:bodyPr/>
+              <a:lstStyle/>
+              <a:p>
+                <a:r>
+                  <a:rPr lang="en-GB">
+                    <a:noFill/>
+                  </a:rPr>
+                  <a:t> </a:t>
+                </a:r>
+              </a:p>
+            </p:txBody>
+          </p:sp>
+        </mc:Fallback>
+      </mc:AlternateContent>
+      <p:pic>
+        <p:nvPicPr>
+          <p:cNvPr id="9" name="Picture 8">
+            <a:extLst>
+              <a:ext uri="{FF2B5EF4-FFF2-40B4-BE49-F238E27FC236}">
+                <a16:creationId xmlns:a16="http://schemas.microsoft.com/office/drawing/2014/main" id="{C4AE01D8-BD9A-4C28-9AAE-22E158546EE7}"/>
+              </a:ext>
+            </a:extLst>
+          </p:cNvPr>
+          <p:cNvPicPr>
+            <a:picLocks noChangeAspect="1"/>
+          </p:cNvPicPr>
+          <p:nvPr/>
+        </p:nvPicPr>
+        <p:blipFill>
+          <a:blip r:embed="rId3"/>
+          <a:stretch>
+            <a:fillRect/>
+          </a:stretch>
+        </p:blipFill>
+        <p:spPr>
+          <a:xfrm>
+            <a:off x="278191" y="2558380"/>
+            <a:ext cx="5401264" cy="4157272"/>
+          </a:xfrm>
+          <a:prstGeom prst="rect">
+            <a:avLst/>
+          </a:prstGeom>
+        </p:spPr>
+      </p:pic>
+      <p:pic>
+        <p:nvPicPr>
+          <p:cNvPr id="4" name="Picture 3">
+            <a:extLst>
+              <a:ext uri="{FF2B5EF4-FFF2-40B4-BE49-F238E27FC236}">
+                <a16:creationId xmlns:a16="http://schemas.microsoft.com/office/drawing/2014/main" id="{D65D8F90-58FB-473A-A1AE-D27275685229}"/>
+              </a:ext>
+            </a:extLst>
+          </p:cNvPr>
+          <p:cNvPicPr>
+            <a:picLocks noChangeAspect="1"/>
+          </p:cNvPicPr>
+          <p:nvPr/>
+        </p:nvPicPr>
+        <p:blipFill rotWithShape="1">
+          <a:blip r:embed="rId4"/>
+          <a:srcRect r="24301" b="26301"/>
+          <a:stretch/>
+        </p:blipFill>
+        <p:spPr>
+          <a:xfrm>
+            <a:off x="140575" y="124322"/>
+            <a:ext cx="974264" cy="729525"/>
+          </a:xfrm>
+          <a:prstGeom prst="rect">
+            <a:avLst/>
+          </a:prstGeom>
+          <a:ln w="12700">
+            <a:solidFill>
+              <a:srgbClr val="A05838"/>
+            </a:solidFill>
+          </a:ln>
+        </p:spPr>
+      </p:pic>
+      <p:grpSp>
+        <p:nvGrpSpPr>
+          <p:cNvPr id="18" name="Group 17">
+            <a:extLst>
+              <a:ext uri="{FF2B5EF4-FFF2-40B4-BE49-F238E27FC236}">
+                <a16:creationId xmlns:a16="http://schemas.microsoft.com/office/drawing/2014/main" id="{6185BE9B-87C8-4B46-9293-0E71CF17E76A}"/>
+              </a:ext>
+            </a:extLst>
+          </p:cNvPr>
+          <p:cNvGrpSpPr/>
+          <p:nvPr/>
+        </p:nvGrpSpPr>
+        <p:grpSpPr>
+          <a:xfrm>
+            <a:off x="99755" y="142348"/>
+            <a:ext cx="11953701" cy="813615"/>
+            <a:chOff x="99755" y="142348"/>
+            <a:chExt cx="11953701" cy="813615"/>
+          </a:xfrm>
+        </p:grpSpPr>
+        <p:cxnSp>
+          <p:nvCxnSpPr>
+            <p:cNvPr id="5" name="Straight Connector 4">
+              <a:extLst>
+                <a:ext uri="{FF2B5EF4-FFF2-40B4-BE49-F238E27FC236}">
+                  <a16:creationId xmlns:a16="http://schemas.microsoft.com/office/drawing/2014/main" id="{A8BE4EF8-406C-4035-940C-AB752B29BA18}"/>
+                </a:ext>
+              </a:extLst>
+            </p:cNvPr>
+            <p:cNvCxnSpPr/>
+            <p:nvPr/>
+          </p:nvCxnSpPr>
+          <p:spPr>
+            <a:xfrm>
+              <a:off x="99755" y="955963"/>
+              <a:ext cx="11953701" cy="0"/>
+            </a:xfrm>
+            <a:prstGeom prst="line">
+              <a:avLst/>
+            </a:prstGeom>
+            <a:ln w="19050">
+              <a:solidFill>
+                <a:srgbClr val="A05838"/>
+              </a:solidFill>
+            </a:ln>
+          </p:spPr>
+          <p:style>
+            <a:lnRef idx="1">
+              <a:schemeClr val="accent1"/>
+            </a:lnRef>
+            <a:fillRef idx="0">
+              <a:schemeClr val="accent1"/>
+            </a:fillRef>
+            <a:effectRef idx="0">
+              <a:schemeClr val="accent1"/>
+            </a:effectRef>
+            <a:fontRef idx="minor">
+              <a:schemeClr val="tx1"/>
+            </a:fontRef>
+          </p:style>
+        </p:cxnSp>
+        <p:sp>
+          <p:nvSpPr>
+            <p:cNvPr id="6" name="TextBox 5">
+              <a:extLst>
+                <a:ext uri="{FF2B5EF4-FFF2-40B4-BE49-F238E27FC236}">
+                  <a16:creationId xmlns:a16="http://schemas.microsoft.com/office/drawing/2014/main" id="{4A5E75BC-B6AC-4138-AB81-9DEC0096C5A8}"/>
+                </a:ext>
+              </a:extLst>
+            </p:cNvPr>
+            <p:cNvSpPr txBox="1"/>
+            <p:nvPr/>
+          </p:nvSpPr>
+          <p:spPr>
+            <a:xfrm>
+              <a:off x="1200698" y="304418"/>
+              <a:ext cx="2116013" cy="369332"/>
+            </a:xfrm>
+            <a:prstGeom prst="rect">
+              <a:avLst/>
+            </a:prstGeom>
+            <a:noFill/>
+          </p:spPr>
+          <p:txBody>
+            <a:bodyPr wrap="square" rtlCol="0">
+              <a:spAutoFit/>
+            </a:bodyPr>
+            <a:lstStyle/>
+            <a:p>
+              <a:pPr marL="0" marR="0" lvl="0" indent="0" algn="l" defTabSz="914400" rtl="0" eaLnBrk="1" fontAlgn="auto" latinLnBrk="0" hangingPunct="1">
+                <a:lnSpc>
+                  <a:spcPct val="100000"/>
+                </a:lnSpc>
+                <a:spcBef>
+                  <a:spcPts val="0"/>
+                </a:spcBef>
+                <a:spcAft>
+                  <a:spcPts val="0"/>
+                </a:spcAft>
+                <a:buClrTx/>
+                <a:buSzTx/>
+                <a:buFontTx/>
+                <a:buNone/>
+                <a:tabLst/>
+                <a:defRPr/>
+              </a:pPr>
+              <a:r>
+                <a:rPr kumimoji="0" lang="en-GB" sz="1800" b="0" i="0" u="none" strike="noStrike" kern="1200" cap="none" spc="0" normalizeH="0" baseline="0" noProof="0" dirty="0">
+                  <a:ln>
+                    <a:noFill/>
+                  </a:ln>
+                  <a:solidFill>
+                    <a:prstClr val="black"/>
+                  </a:solidFill>
+                  <a:effectLst/>
+                  <a:uLnTx/>
+                  <a:uFillTx/>
+                  <a:latin typeface="Calibri" panose="020F0502020204030204"/>
+                  <a:ea typeface="+mn-ea"/>
+                  <a:cs typeface="+mn-cs"/>
+                </a:rPr>
+                <a:t>Graph Database</a:t>
+              </a:r>
+            </a:p>
+          </p:txBody>
+        </p:sp>
+        <p:sp>
+          <p:nvSpPr>
+            <p:cNvPr id="8" name="TextBox 7">
+              <a:extLst>
+                <a:ext uri="{FF2B5EF4-FFF2-40B4-BE49-F238E27FC236}">
+                  <a16:creationId xmlns:a16="http://schemas.microsoft.com/office/drawing/2014/main" id="{C61B684E-FDA7-4625-9CC3-79C17CC59ED7}"/>
+                </a:ext>
+              </a:extLst>
+            </p:cNvPr>
+            <p:cNvSpPr txBox="1"/>
+            <p:nvPr/>
+          </p:nvSpPr>
+          <p:spPr>
+            <a:xfrm>
+              <a:off x="6392379" y="304418"/>
+              <a:ext cx="3262085" cy="369332"/>
+            </a:xfrm>
+            <a:prstGeom prst="rect">
+              <a:avLst/>
+            </a:prstGeom>
+            <a:noFill/>
+          </p:spPr>
+          <p:txBody>
+            <a:bodyPr wrap="square" rtlCol="0">
+              <a:spAutoFit/>
+            </a:bodyPr>
+            <a:lstStyle/>
+            <a:p>
+              <a:pPr marL="0" marR="0" lvl="0" indent="0" algn="l" defTabSz="914400" rtl="0" eaLnBrk="1" fontAlgn="auto" latinLnBrk="0" hangingPunct="1">
+                <a:lnSpc>
+                  <a:spcPct val="100000"/>
+                </a:lnSpc>
+                <a:spcBef>
+                  <a:spcPts val="0"/>
+                </a:spcBef>
+                <a:spcAft>
+                  <a:spcPts val="0"/>
+                </a:spcAft>
+                <a:buClrTx/>
+                <a:buSzTx/>
+                <a:buFontTx/>
+                <a:buNone/>
+                <a:tabLst/>
+                <a:defRPr/>
+              </a:pPr>
+              <a:r>
+                <a:rPr kumimoji="0" lang="en-GB" sz="1800" b="0" i="0" u="none" strike="noStrike" kern="1200" cap="none" spc="0" normalizeH="0" baseline="0" noProof="0" dirty="0">
+                  <a:ln>
+                    <a:noFill/>
+                  </a:ln>
+                  <a:solidFill>
+                    <a:prstClr val="black"/>
+                  </a:solidFill>
+                  <a:effectLst/>
+                  <a:uLnTx/>
+                  <a:uFillTx/>
+                  <a:latin typeface="Calibri" panose="020F0502020204030204"/>
+                  <a:ea typeface="+mn-ea"/>
+                  <a:cs typeface="+mn-cs"/>
+                </a:rPr>
+                <a:t>Composite Functions</a:t>
+              </a:r>
+            </a:p>
+          </p:txBody>
+        </p:sp>
+        <p:cxnSp>
+          <p:nvCxnSpPr>
+            <p:cNvPr id="11" name="Straight Connector 10">
+              <a:extLst>
+                <a:ext uri="{FF2B5EF4-FFF2-40B4-BE49-F238E27FC236}">
+                  <a16:creationId xmlns:a16="http://schemas.microsoft.com/office/drawing/2014/main" id="{F70ABCF3-BE60-426F-8C8C-059C854869C6}"/>
+                </a:ext>
+              </a:extLst>
+            </p:cNvPr>
+            <p:cNvCxnSpPr>
+              <a:cxnSpLocks/>
+            </p:cNvCxnSpPr>
+            <p:nvPr/>
+          </p:nvCxnSpPr>
+          <p:spPr>
+            <a:xfrm flipV="1">
+              <a:off x="3398355" y="142348"/>
+              <a:ext cx="1" cy="754394"/>
+            </a:xfrm>
+            <a:prstGeom prst="line">
+              <a:avLst/>
+            </a:prstGeom>
+            <a:ln w="19050">
+              <a:solidFill>
+                <a:srgbClr val="A05838"/>
+              </a:solidFill>
+            </a:ln>
+          </p:spPr>
+          <p:style>
+            <a:lnRef idx="1">
+              <a:schemeClr val="accent1"/>
+            </a:lnRef>
+            <a:fillRef idx="0">
+              <a:schemeClr val="accent1"/>
+            </a:fillRef>
+            <a:effectRef idx="0">
+              <a:schemeClr val="accent1"/>
+            </a:effectRef>
+            <a:fontRef idx="minor">
+              <a:schemeClr val="tx1"/>
+            </a:fontRef>
+          </p:style>
+        </p:cxnSp>
+      </p:grpSp>
+      <p:cxnSp>
+        <p:nvCxnSpPr>
+          <p:cNvPr id="20" name="Straight Connector 19">
+            <a:extLst>
+              <a:ext uri="{FF2B5EF4-FFF2-40B4-BE49-F238E27FC236}">
+                <a16:creationId xmlns:a16="http://schemas.microsoft.com/office/drawing/2014/main" id="{7222DEA1-AAC2-4636-8AF3-897B1813E0F8}"/>
+              </a:ext>
+            </a:extLst>
+          </p:cNvPr>
+          <p:cNvCxnSpPr>
+            <a:cxnSpLocks/>
+          </p:cNvCxnSpPr>
+          <p:nvPr/>
+        </p:nvCxnSpPr>
+        <p:spPr>
+          <a:xfrm flipV="1">
+            <a:off x="6171490" y="140610"/>
+            <a:ext cx="1" cy="754394"/>
+          </a:xfrm>
+          <a:prstGeom prst="line">
+            <a:avLst/>
+          </a:prstGeom>
+          <a:ln w="19050">
+            <a:solidFill>
+              <a:srgbClr val="A05838"/>
+            </a:solidFill>
+          </a:ln>
+        </p:spPr>
+        <p:style>
+          <a:lnRef idx="1">
+            <a:schemeClr val="accent1"/>
+          </a:lnRef>
+          <a:fillRef idx="0">
+            <a:schemeClr val="accent1"/>
+          </a:fillRef>
+          <a:effectRef idx="0">
+            <a:schemeClr val="accent1"/>
+          </a:effectRef>
+          <a:fontRef idx="minor">
+            <a:schemeClr val="tx1"/>
+          </a:fontRef>
+        </p:style>
+      </p:cxnSp>
+      <p:sp>
+        <p:nvSpPr>
+          <p:cNvPr id="21" name="TextBox 20">
+            <a:extLst>
+              <a:ext uri="{FF2B5EF4-FFF2-40B4-BE49-F238E27FC236}">
+                <a16:creationId xmlns:a16="http://schemas.microsoft.com/office/drawing/2014/main" id="{69E22CC5-42A3-422C-9B1B-96BCF7FEB5B8}"/>
+              </a:ext>
+            </a:extLst>
+          </p:cNvPr>
+          <p:cNvSpPr txBox="1"/>
+          <p:nvPr/>
+        </p:nvSpPr>
+        <p:spPr>
+          <a:xfrm>
+            <a:off x="3619246" y="304418"/>
+            <a:ext cx="2470600" cy="369332"/>
+          </a:xfrm>
+          <a:prstGeom prst="rect">
+            <a:avLst/>
+          </a:prstGeom>
+          <a:noFill/>
+        </p:spPr>
+        <p:txBody>
+          <a:bodyPr wrap="square" rtlCol="0">
+            <a:spAutoFit/>
+          </a:bodyPr>
+          <a:lstStyle/>
+          <a:p>
+            <a:pPr marL="0" marR="0" lvl="0" indent="0" algn="l" defTabSz="914400" rtl="0" eaLnBrk="1" fontAlgn="auto" latinLnBrk="0" hangingPunct="1">
+              <a:lnSpc>
+                <a:spcPct val="100000"/>
+              </a:lnSpc>
+              <a:spcBef>
+                <a:spcPts val="0"/>
+              </a:spcBef>
+              <a:spcAft>
+                <a:spcPts val="0"/>
+              </a:spcAft>
+              <a:buClrTx/>
+              <a:buSzTx/>
+              <a:buFontTx/>
+              <a:buNone/>
+              <a:tabLst/>
+              <a:defRPr/>
+            </a:pPr>
+            <a:r>
+              <a:rPr kumimoji="0" lang="en-GB" sz="1800" b="0" i="0" u="none" strike="noStrike" kern="1200" cap="none" spc="0" normalizeH="0" baseline="0" noProof="0" dirty="0">
+                <a:ln>
+                  <a:noFill/>
+                </a:ln>
+                <a:solidFill>
+                  <a:prstClr val="black"/>
+                </a:solidFill>
+                <a:effectLst/>
+                <a:uLnTx/>
+                <a:uFillTx/>
+                <a:latin typeface="Calibri" panose="020F0502020204030204"/>
+                <a:ea typeface="+mn-ea"/>
+                <a:cs typeface="+mn-cs"/>
+              </a:rPr>
+              <a:t>General Functions</a:t>
+            </a:r>
+          </a:p>
+        </p:txBody>
+      </p:sp>
+      <mc:AlternateContent xmlns:mc="http://schemas.openxmlformats.org/markup-compatibility/2006">
+        <mc:Choice xmlns:a14="http://schemas.microsoft.com/office/drawing/2010/main" Requires="a14">
+          <p:sp>
+            <p:nvSpPr>
+              <p:cNvPr id="13" name="TextBox 12">
+                <a:extLst>
+                  <a:ext uri="{FF2B5EF4-FFF2-40B4-BE49-F238E27FC236}">
+                    <a16:creationId xmlns:a16="http://schemas.microsoft.com/office/drawing/2014/main" id="{7F0D6DEB-8872-499A-8CF3-4E7F3865BA84}"/>
+                  </a:ext>
+                </a:extLst>
+              </p:cNvPr>
+              <p:cNvSpPr txBox="1"/>
+              <p:nvPr/>
+            </p:nvSpPr>
+            <p:spPr>
+              <a:xfrm>
+                <a:off x="278191" y="1238177"/>
+                <a:ext cx="11058166" cy="1569660"/>
+              </a:xfrm>
+              <a:prstGeom prst="rect">
+                <a:avLst/>
+              </a:prstGeom>
+              <a:noFill/>
+            </p:spPr>
+            <p:txBody>
+              <a:bodyPr wrap="square">
+                <a:spAutoFit/>
+              </a:bodyPr>
+              <a:lstStyle/>
+              <a:p>
+                <a:r>
+                  <a:rPr lang="en-US" sz="1600" dirty="0"/>
+                  <a:t>Ending with a complex function. The question was around funding the equation of the image of a graph with a few known points.</a:t>
+                </a:r>
+              </a:p>
+              <a:p>
+                <a:endParaRPr lang="en-US" sz="1600" dirty="0"/>
+              </a:p>
+              <a:p>
+                <a:pPr/>
+                <a14:m>
+                  <m:oMathPara xmlns:m="http://schemas.openxmlformats.org/officeDocument/2006/math">
+                    <m:oMathParaPr>
+                      <m:jc m:val="left"/>
+                    </m:oMathParaPr>
+                    <m:oMath xmlns:m="http://schemas.openxmlformats.org/officeDocument/2006/math">
+                      <m:r>
+                        <a:rPr lang="en-GB" sz="1600" b="0" i="1" smtClean="0">
+                          <a:latin typeface="Cambria Math" panose="02040503050406030204" pitchFamily="18" charset="0"/>
+                        </a:rPr>
+                        <m:t>𝑥</m:t>
+                      </m:r>
+                      <m:r>
+                        <a:rPr lang="en-GB" sz="1600" b="0" i="1" smtClean="0">
+                          <a:latin typeface="Cambria Math" panose="02040503050406030204" pitchFamily="18" charset="0"/>
+                        </a:rPr>
+                        <m:t>=1, </m:t>
+                      </m:r>
+                      <m:r>
+                        <a:rPr lang="en-GB" sz="1600" b="0" i="1" smtClean="0">
+                          <a:latin typeface="Cambria Math" panose="02040503050406030204" pitchFamily="18" charset="0"/>
+                        </a:rPr>
+                        <m:t>𝑦</m:t>
+                      </m:r>
+                      <m:r>
+                        <a:rPr lang="en-GB" sz="1600" b="0" i="1" smtClean="0">
+                          <a:latin typeface="Cambria Math" panose="02040503050406030204" pitchFamily="18" charset="0"/>
+                        </a:rPr>
+                        <m:t>=</m:t>
+                      </m:r>
+                      <m:r>
+                        <a:rPr lang="en-GB" sz="1600" b="0" i="1" smtClean="0">
+                          <a:latin typeface="Cambria Math" panose="02040503050406030204" pitchFamily="18" charset="0"/>
+                        </a:rPr>
+                        <m:t>𝑒</m:t>
+                      </m:r>
+                    </m:oMath>
+                  </m:oMathPara>
+                </a14:m>
+                <a:endParaRPr lang="en-GB" sz="1600" b="0" i="1" dirty="0">
+                  <a:latin typeface="Cambria Math" panose="02040503050406030204" pitchFamily="18" charset="0"/>
+                </a:endParaRPr>
+              </a:p>
+              <a:p>
+                <a:pPr/>
+                <a14:m>
+                  <m:oMathPara xmlns:m="http://schemas.openxmlformats.org/officeDocument/2006/math">
+                    <m:oMathParaPr>
+                      <m:jc m:val="left"/>
+                    </m:oMathParaPr>
+                    <m:oMath xmlns:m="http://schemas.openxmlformats.org/officeDocument/2006/math">
+                      <m:r>
+                        <a:rPr lang="en-GB" sz="1600" b="0" i="1" smtClean="0">
+                          <a:latin typeface="Cambria Math" panose="02040503050406030204" pitchFamily="18" charset="0"/>
+                        </a:rPr>
+                        <m:t>𝑥</m:t>
+                      </m:r>
+                      <m:r>
+                        <a:rPr lang="en-GB" sz="1600" b="0" i="1" smtClean="0">
+                          <a:latin typeface="Cambria Math" panose="02040503050406030204" pitchFamily="18" charset="0"/>
+                        </a:rPr>
+                        <m:t>=2, </m:t>
+                      </m:r>
+                      <m:r>
+                        <a:rPr lang="en-GB" sz="1600" b="0" i="1" smtClean="0">
+                          <a:latin typeface="Cambria Math" panose="02040503050406030204" pitchFamily="18" charset="0"/>
+                        </a:rPr>
+                        <m:t>𝑦</m:t>
+                      </m:r>
+                      <m:r>
+                        <a:rPr lang="en-GB" sz="1600" b="0" i="1" smtClean="0">
+                          <a:latin typeface="Cambria Math" panose="02040503050406030204" pitchFamily="18" charset="0"/>
+                        </a:rPr>
+                        <m:t>=0</m:t>
+                      </m:r>
+                    </m:oMath>
+                  </m:oMathPara>
+                </a14:m>
+                <a:endParaRPr lang="en-GB" sz="1600" b="0" dirty="0"/>
+              </a:p>
+              <a:p>
+                <a:pPr/>
+                <a:endParaRPr lang="en-GB" sz="1600" dirty="0"/>
+              </a:p>
+              <a:p>
+                <a:pPr/>
+                <a:endParaRPr lang="en-GB" sz="1600" b="0" dirty="0"/>
+              </a:p>
+            </p:txBody>
+          </p:sp>
+        </mc:Choice>
+        <mc:Fallback>
+          <p:sp>
+            <p:nvSpPr>
+              <p:cNvPr id="13" name="TextBox 12">
+                <a:extLst>
+                  <a:ext uri="{FF2B5EF4-FFF2-40B4-BE49-F238E27FC236}">
+                    <a16:creationId xmlns:a16="http://schemas.microsoft.com/office/drawing/2014/main" id="{7F0D6DEB-8872-499A-8CF3-4E7F3865BA84}"/>
+                  </a:ext>
+                </a:extLst>
+              </p:cNvPr>
+              <p:cNvSpPr txBox="1">
+                <a:spLocks noRot="1" noChangeAspect="1" noMove="1" noResize="1" noEditPoints="1" noAdjustHandles="1" noChangeArrowheads="1" noChangeShapeType="1" noTextEdit="1"/>
+              </p:cNvSpPr>
+              <p:nvPr/>
+            </p:nvSpPr>
+            <p:spPr>
+              <a:xfrm>
+                <a:off x="278191" y="1238177"/>
+                <a:ext cx="11058166" cy="1569660"/>
+              </a:xfrm>
+              <a:prstGeom prst="rect">
+                <a:avLst/>
+              </a:prstGeom>
+              <a:blipFill>
+                <a:blip r:embed="rId5"/>
+                <a:stretch>
+                  <a:fillRect l="-331" t="-1163"/>
+                </a:stretch>
+              </a:blipFill>
+            </p:spPr>
+            <p:txBody>
+              <a:bodyPr/>
+              <a:lstStyle/>
+              <a:p>
+                <a:r>
+                  <a:rPr lang="en-GB">
+                    <a:noFill/>
+                  </a:rPr>
+                  <a:t> </a:t>
+                </a:r>
+              </a:p>
+            </p:txBody>
+          </p:sp>
+        </mc:Fallback>
+      </mc:AlternateContent>
+    </p:spTree>
+    <p:extLst>
+      <p:ext uri="{BB962C8B-B14F-4D97-AF65-F5344CB8AC3E}">
+        <p14:creationId xmlns:p14="http://schemas.microsoft.com/office/powerpoint/2010/main" val="3516987313"/>
+      </p:ext>
+    </p:extLst>
+  </p:cSld>
+  <p:clrMapOvr>
+    <a:masterClrMapping/>
+  </p:clrMapOvr>
+</p:sld>
+</file>
+
+<file path=ppt/slides/slide12.xml><?xml version="1.0" encoding="utf-8"?>
+<p:sld xmlns:a="http://schemas.openxmlformats.org/drawingml/2006/main" xmlns:r="http://schemas.openxmlformats.org/officeDocument/2006/relationships" xmlns:p="http://schemas.openxmlformats.org/presentationml/2006/main">
+  <p:cSld>
+    <p:spTree>
+      <p:nvGrpSpPr>
+        <p:cNvPr id="1" name=""/>
+        <p:cNvGrpSpPr/>
+        <p:nvPr/>
+      </p:nvGrpSpPr>
+      <p:grpSpPr>
+        <a:xfrm>
+          <a:off x="0" y="0"/>
+          <a:ext cx="0" cy="0"/>
+          <a:chOff x="0" y="0"/>
+          <a:chExt cx="0" cy="0"/>
+        </a:xfrm>
+      </p:grpSpPr>
+      <p:pic>
+        <p:nvPicPr>
+          <p:cNvPr id="4" name="Picture 3">
+            <a:extLst>
+              <a:ext uri="{FF2B5EF4-FFF2-40B4-BE49-F238E27FC236}">
+                <a16:creationId xmlns:a16="http://schemas.microsoft.com/office/drawing/2014/main" id="{D65D8F90-58FB-473A-A1AE-D27275685229}"/>
+              </a:ext>
+            </a:extLst>
+          </p:cNvPr>
+          <p:cNvPicPr>
+            <a:picLocks noChangeAspect="1"/>
+          </p:cNvPicPr>
+          <p:nvPr/>
+        </p:nvPicPr>
+        <p:blipFill rotWithShape="1">
+          <a:blip r:embed="rId2"/>
+          <a:srcRect r="24301" b="26301"/>
+          <a:stretch/>
+        </p:blipFill>
+        <p:spPr>
+          <a:xfrm>
+            <a:off x="140575" y="124322"/>
+            <a:ext cx="974264" cy="729525"/>
+          </a:xfrm>
+          <a:prstGeom prst="rect">
+            <a:avLst/>
+          </a:prstGeom>
+          <a:ln w="12700">
+            <a:solidFill>
+              <a:srgbClr val="A05838"/>
+            </a:solidFill>
+          </a:ln>
+        </p:spPr>
+      </p:pic>
+      <p:grpSp>
+        <p:nvGrpSpPr>
+          <p:cNvPr id="18" name="Group 17">
+            <a:extLst>
+              <a:ext uri="{FF2B5EF4-FFF2-40B4-BE49-F238E27FC236}">
+                <a16:creationId xmlns:a16="http://schemas.microsoft.com/office/drawing/2014/main" id="{6185BE9B-87C8-4B46-9293-0E71CF17E76A}"/>
+              </a:ext>
+            </a:extLst>
+          </p:cNvPr>
+          <p:cNvGrpSpPr/>
+          <p:nvPr/>
+        </p:nvGrpSpPr>
+        <p:grpSpPr>
+          <a:xfrm>
+            <a:off x="99755" y="142348"/>
+            <a:ext cx="11953701" cy="813615"/>
+            <a:chOff x="99755" y="142348"/>
+            <a:chExt cx="11953701" cy="813615"/>
+          </a:xfrm>
+        </p:grpSpPr>
+        <p:cxnSp>
+          <p:nvCxnSpPr>
+            <p:cNvPr id="5" name="Straight Connector 4">
+              <a:extLst>
+                <a:ext uri="{FF2B5EF4-FFF2-40B4-BE49-F238E27FC236}">
+                  <a16:creationId xmlns:a16="http://schemas.microsoft.com/office/drawing/2014/main" id="{A8BE4EF8-406C-4035-940C-AB752B29BA18}"/>
+                </a:ext>
+              </a:extLst>
+            </p:cNvPr>
+            <p:cNvCxnSpPr/>
+            <p:nvPr/>
+          </p:nvCxnSpPr>
+          <p:spPr>
+            <a:xfrm>
+              <a:off x="99755" y="955963"/>
+              <a:ext cx="11953701" cy="0"/>
+            </a:xfrm>
+            <a:prstGeom prst="line">
+              <a:avLst/>
+            </a:prstGeom>
+            <a:ln w="19050">
+              <a:solidFill>
+                <a:srgbClr val="A05838"/>
+              </a:solidFill>
+            </a:ln>
+          </p:spPr>
+          <p:style>
+            <a:lnRef idx="1">
+              <a:schemeClr val="accent1"/>
+            </a:lnRef>
+            <a:fillRef idx="0">
+              <a:schemeClr val="accent1"/>
+            </a:fillRef>
+            <a:effectRef idx="0">
+              <a:schemeClr val="accent1"/>
+            </a:effectRef>
+            <a:fontRef idx="minor">
+              <a:schemeClr val="tx1"/>
+            </a:fontRef>
+          </p:style>
+        </p:cxnSp>
+        <p:sp>
+          <p:nvSpPr>
+            <p:cNvPr id="6" name="TextBox 5">
+              <a:extLst>
+                <a:ext uri="{FF2B5EF4-FFF2-40B4-BE49-F238E27FC236}">
+                  <a16:creationId xmlns:a16="http://schemas.microsoft.com/office/drawing/2014/main" id="{4A5E75BC-B6AC-4138-AB81-9DEC0096C5A8}"/>
+                </a:ext>
+              </a:extLst>
+            </p:cNvPr>
+            <p:cNvSpPr txBox="1"/>
+            <p:nvPr/>
+          </p:nvSpPr>
+          <p:spPr>
+            <a:xfrm>
+              <a:off x="1200698" y="304418"/>
+              <a:ext cx="2116013" cy="369332"/>
+            </a:xfrm>
+            <a:prstGeom prst="rect">
+              <a:avLst/>
+            </a:prstGeom>
+            <a:noFill/>
+          </p:spPr>
+          <p:txBody>
+            <a:bodyPr wrap="square" rtlCol="0">
+              <a:spAutoFit/>
+            </a:bodyPr>
+            <a:lstStyle/>
+            <a:p>
+              <a:pPr marL="0" marR="0" lvl="0" indent="0" algn="l" defTabSz="914400" rtl="0" eaLnBrk="1" fontAlgn="auto" latinLnBrk="0" hangingPunct="1">
+                <a:lnSpc>
+                  <a:spcPct val="100000"/>
+                </a:lnSpc>
+                <a:spcBef>
+                  <a:spcPts val="0"/>
+                </a:spcBef>
+                <a:spcAft>
+                  <a:spcPts val="0"/>
+                </a:spcAft>
+                <a:buClrTx/>
+                <a:buSzTx/>
+                <a:buFontTx/>
+                <a:buNone/>
+                <a:tabLst/>
+                <a:defRPr/>
+              </a:pPr>
+              <a:r>
+                <a:rPr kumimoji="0" lang="en-GB" sz="1800" b="0" i="0" u="none" strike="noStrike" kern="1200" cap="none" spc="0" normalizeH="0" baseline="0" noProof="0" dirty="0">
+                  <a:ln>
+                    <a:noFill/>
+                  </a:ln>
+                  <a:solidFill>
+                    <a:prstClr val="black"/>
+                  </a:solidFill>
+                  <a:effectLst/>
+                  <a:uLnTx/>
+                  <a:uFillTx/>
+                  <a:latin typeface="Calibri" panose="020F0502020204030204"/>
+                  <a:ea typeface="+mn-ea"/>
+                  <a:cs typeface="+mn-cs"/>
+                </a:rPr>
+                <a:t>Graph Database</a:t>
+              </a:r>
+            </a:p>
+          </p:txBody>
+        </p:sp>
+        <p:sp>
+          <p:nvSpPr>
+            <p:cNvPr id="8" name="TextBox 7">
+              <a:extLst>
+                <a:ext uri="{FF2B5EF4-FFF2-40B4-BE49-F238E27FC236}">
+                  <a16:creationId xmlns:a16="http://schemas.microsoft.com/office/drawing/2014/main" id="{C61B684E-FDA7-4625-9CC3-79C17CC59ED7}"/>
+                </a:ext>
+              </a:extLst>
+            </p:cNvPr>
+            <p:cNvSpPr txBox="1"/>
+            <p:nvPr/>
+          </p:nvSpPr>
+          <p:spPr>
+            <a:xfrm>
+              <a:off x="6392379" y="304418"/>
+              <a:ext cx="3262085" cy="369332"/>
+            </a:xfrm>
+            <a:prstGeom prst="rect">
+              <a:avLst/>
+            </a:prstGeom>
+            <a:noFill/>
+          </p:spPr>
+          <p:txBody>
+            <a:bodyPr wrap="square" rtlCol="0">
+              <a:spAutoFit/>
+            </a:bodyPr>
+            <a:lstStyle/>
+            <a:p>
+              <a:pPr marL="0" marR="0" lvl="0" indent="0" algn="l" defTabSz="914400" rtl="0" eaLnBrk="1" fontAlgn="auto" latinLnBrk="0" hangingPunct="1">
+                <a:lnSpc>
+                  <a:spcPct val="100000"/>
+                </a:lnSpc>
+                <a:spcBef>
+                  <a:spcPts val="0"/>
+                </a:spcBef>
+                <a:spcAft>
+                  <a:spcPts val="0"/>
+                </a:spcAft>
+                <a:buClrTx/>
+                <a:buSzTx/>
+                <a:buFontTx/>
+                <a:buNone/>
+                <a:tabLst/>
+                <a:defRPr/>
+              </a:pPr>
+              <a:r>
+                <a:rPr kumimoji="0" lang="en-GB" sz="1800" b="0" i="0" u="none" strike="noStrike" kern="1200" cap="none" spc="0" normalizeH="0" baseline="0" noProof="0" dirty="0">
+                  <a:ln>
+                    <a:noFill/>
+                  </a:ln>
+                  <a:solidFill>
+                    <a:prstClr val="black"/>
+                  </a:solidFill>
+                  <a:effectLst/>
+                  <a:uLnTx/>
+                  <a:uFillTx/>
+                  <a:latin typeface="Calibri" panose="020F0502020204030204"/>
+                  <a:ea typeface="+mn-ea"/>
+                  <a:cs typeface="+mn-cs"/>
+                </a:rPr>
+                <a:t>Composite Functions</a:t>
+              </a:r>
+            </a:p>
+          </p:txBody>
+        </p:sp>
+        <p:cxnSp>
+          <p:nvCxnSpPr>
+            <p:cNvPr id="11" name="Straight Connector 10">
+              <a:extLst>
+                <a:ext uri="{FF2B5EF4-FFF2-40B4-BE49-F238E27FC236}">
+                  <a16:creationId xmlns:a16="http://schemas.microsoft.com/office/drawing/2014/main" id="{F70ABCF3-BE60-426F-8C8C-059C854869C6}"/>
+                </a:ext>
+              </a:extLst>
+            </p:cNvPr>
+            <p:cNvCxnSpPr>
+              <a:cxnSpLocks/>
+            </p:cNvCxnSpPr>
+            <p:nvPr/>
+          </p:nvCxnSpPr>
+          <p:spPr>
+            <a:xfrm flipV="1">
+              <a:off x="3398355" y="142348"/>
+              <a:ext cx="1" cy="754394"/>
+            </a:xfrm>
+            <a:prstGeom prst="line">
+              <a:avLst/>
+            </a:prstGeom>
+            <a:ln w="19050">
+              <a:solidFill>
+                <a:srgbClr val="A05838"/>
+              </a:solidFill>
+            </a:ln>
+          </p:spPr>
+          <p:style>
+            <a:lnRef idx="1">
+              <a:schemeClr val="accent1"/>
+            </a:lnRef>
+            <a:fillRef idx="0">
+              <a:schemeClr val="accent1"/>
+            </a:fillRef>
+            <a:effectRef idx="0">
+              <a:schemeClr val="accent1"/>
+            </a:effectRef>
+            <a:fontRef idx="minor">
+              <a:schemeClr val="tx1"/>
+            </a:fontRef>
+          </p:style>
+        </p:cxnSp>
+      </p:grpSp>
+      <p:cxnSp>
+        <p:nvCxnSpPr>
+          <p:cNvPr id="20" name="Straight Connector 19">
+            <a:extLst>
+              <a:ext uri="{FF2B5EF4-FFF2-40B4-BE49-F238E27FC236}">
+                <a16:creationId xmlns:a16="http://schemas.microsoft.com/office/drawing/2014/main" id="{7222DEA1-AAC2-4636-8AF3-897B1813E0F8}"/>
+              </a:ext>
+            </a:extLst>
+          </p:cNvPr>
+          <p:cNvCxnSpPr>
+            <a:cxnSpLocks/>
+          </p:cNvCxnSpPr>
+          <p:nvPr/>
+        </p:nvCxnSpPr>
+        <p:spPr>
+          <a:xfrm flipV="1">
+            <a:off x="6171490" y="140610"/>
+            <a:ext cx="1" cy="754394"/>
+          </a:xfrm>
+          <a:prstGeom prst="line">
+            <a:avLst/>
+          </a:prstGeom>
+          <a:ln w="19050">
+            <a:solidFill>
+              <a:srgbClr val="A05838"/>
+            </a:solidFill>
+          </a:ln>
+        </p:spPr>
+        <p:style>
+          <a:lnRef idx="1">
+            <a:schemeClr val="accent1"/>
+          </a:lnRef>
+          <a:fillRef idx="0">
+            <a:schemeClr val="accent1"/>
+          </a:fillRef>
+          <a:effectRef idx="0">
+            <a:schemeClr val="accent1"/>
+          </a:effectRef>
+          <a:fontRef idx="minor">
+            <a:schemeClr val="tx1"/>
+          </a:fontRef>
+        </p:style>
+      </p:cxnSp>
+      <p:sp>
+        <p:nvSpPr>
+          <p:cNvPr id="21" name="TextBox 20">
+            <a:extLst>
+              <a:ext uri="{FF2B5EF4-FFF2-40B4-BE49-F238E27FC236}">
+                <a16:creationId xmlns:a16="http://schemas.microsoft.com/office/drawing/2014/main" id="{69E22CC5-42A3-422C-9B1B-96BCF7FEB5B8}"/>
+              </a:ext>
+            </a:extLst>
+          </p:cNvPr>
+          <p:cNvSpPr txBox="1"/>
+          <p:nvPr/>
+        </p:nvSpPr>
+        <p:spPr>
+          <a:xfrm>
+            <a:off x="3619246" y="304418"/>
+            <a:ext cx="2470600" cy="369332"/>
+          </a:xfrm>
+          <a:prstGeom prst="rect">
+            <a:avLst/>
+          </a:prstGeom>
+          <a:noFill/>
+        </p:spPr>
+        <p:txBody>
+          <a:bodyPr wrap="square" rtlCol="0">
+            <a:spAutoFit/>
+          </a:bodyPr>
+          <a:lstStyle/>
+          <a:p>
+            <a:pPr marL="0" marR="0" lvl="0" indent="0" algn="l" defTabSz="914400" rtl="0" eaLnBrk="1" fontAlgn="auto" latinLnBrk="0" hangingPunct="1">
+              <a:lnSpc>
+                <a:spcPct val="100000"/>
+              </a:lnSpc>
+              <a:spcBef>
+                <a:spcPts val="0"/>
+              </a:spcBef>
+              <a:spcAft>
+                <a:spcPts val="0"/>
+              </a:spcAft>
+              <a:buClrTx/>
+              <a:buSzTx/>
+              <a:buFontTx/>
+              <a:buNone/>
+              <a:tabLst/>
+              <a:defRPr/>
+            </a:pPr>
+            <a:r>
+              <a:rPr kumimoji="0" lang="en-GB" sz="1800" b="0" i="0" u="none" strike="noStrike" kern="1200" cap="none" spc="0" normalizeH="0" baseline="0" noProof="0" dirty="0">
+                <a:ln>
+                  <a:noFill/>
+                </a:ln>
+                <a:solidFill>
+                  <a:prstClr val="black"/>
+                </a:solidFill>
+                <a:effectLst/>
+                <a:uLnTx/>
+                <a:uFillTx/>
+                <a:latin typeface="Calibri" panose="020F0502020204030204"/>
+                <a:ea typeface="+mn-ea"/>
+                <a:cs typeface="+mn-cs"/>
+              </a:rPr>
+              <a:t>General Functions</a:t>
+            </a:r>
+          </a:p>
+        </p:txBody>
+      </p:sp>
+      <p:sp>
+        <p:nvSpPr>
+          <p:cNvPr id="13" name="TextBox 12">
+            <a:extLst>
+              <a:ext uri="{FF2B5EF4-FFF2-40B4-BE49-F238E27FC236}">
+                <a16:creationId xmlns:a16="http://schemas.microsoft.com/office/drawing/2014/main" id="{7F0D6DEB-8872-499A-8CF3-4E7F3865BA84}"/>
+              </a:ext>
+            </a:extLst>
+          </p:cNvPr>
+          <p:cNvSpPr txBox="1"/>
+          <p:nvPr/>
+        </p:nvSpPr>
+        <p:spPr>
+          <a:xfrm>
+            <a:off x="278191" y="1238177"/>
+            <a:ext cx="11058166" cy="1077218"/>
+          </a:xfrm>
+          <a:prstGeom prst="rect">
+            <a:avLst/>
+          </a:prstGeom>
+          <a:noFill/>
+        </p:spPr>
+        <p:txBody>
+          <a:bodyPr wrap="square">
+            <a:spAutoFit/>
+          </a:bodyPr>
+          <a:lstStyle/>
+          <a:p>
+            <a:r>
+              <a:rPr lang="en-US" sz="1600" dirty="0"/>
+              <a:t>A function composition or a composite function is an operation that takes two functions f and g and produces a function h such that h(x) = g(f(x)).</a:t>
+            </a:r>
+          </a:p>
+          <a:p>
+            <a:endParaRPr lang="en-US" sz="1600" dirty="0"/>
+          </a:p>
+          <a:p>
+            <a:r>
+              <a:rPr lang="en-US" sz="1600" dirty="0"/>
+              <a:t>A few examples can be seen below.</a:t>
+            </a:r>
+            <a:endParaRPr lang="en-GB" sz="1600" dirty="0"/>
+          </a:p>
+        </p:txBody>
+      </p:sp>
+      <p:pic>
+        <p:nvPicPr>
+          <p:cNvPr id="3" name="Picture 2">
+            <a:extLst>
+              <a:ext uri="{FF2B5EF4-FFF2-40B4-BE49-F238E27FC236}">
+                <a16:creationId xmlns:a16="http://schemas.microsoft.com/office/drawing/2014/main" id="{E77E368A-7FF7-4738-A17E-ED11A2C94A48}"/>
+              </a:ext>
+            </a:extLst>
+          </p:cNvPr>
+          <p:cNvPicPr>
+            <a:picLocks noChangeAspect="1"/>
+          </p:cNvPicPr>
+          <p:nvPr/>
+        </p:nvPicPr>
+        <p:blipFill>
+          <a:blip r:embed="rId3"/>
+          <a:stretch>
+            <a:fillRect/>
+          </a:stretch>
+        </p:blipFill>
+        <p:spPr>
+          <a:xfrm>
+            <a:off x="318669" y="3227308"/>
+            <a:ext cx="3647403" cy="3326274"/>
+          </a:xfrm>
+          <a:prstGeom prst="rect">
+            <a:avLst/>
+          </a:prstGeom>
+        </p:spPr>
+      </p:pic>
+      <mc:AlternateContent xmlns:mc="http://schemas.openxmlformats.org/markup-compatibility/2006">
+        <mc:Choice xmlns:a14="http://schemas.microsoft.com/office/drawing/2010/main" Requires="a14">
+          <p:sp>
+            <p:nvSpPr>
+              <p:cNvPr id="14" name="TextBox 13">
+                <a:extLst>
+                  <a:ext uri="{FF2B5EF4-FFF2-40B4-BE49-F238E27FC236}">
+                    <a16:creationId xmlns:a16="http://schemas.microsoft.com/office/drawing/2014/main" id="{96CDC91F-89C9-41C1-9A96-72C9344BCC66}"/>
+                  </a:ext>
+                </a:extLst>
+              </p:cNvPr>
+              <p:cNvSpPr txBox="1"/>
+              <p:nvPr/>
+            </p:nvSpPr>
+            <p:spPr>
+              <a:xfrm>
+                <a:off x="1352185" y="3008821"/>
+                <a:ext cx="1580369" cy="246221"/>
+              </a:xfrm>
+              <a:prstGeom prst="rect">
+                <a:avLst/>
+              </a:prstGeom>
+              <a:solidFill>
+                <a:schemeClr val="bg1"/>
+              </a:solidFill>
+              <a:ln w="15875">
+                <a:solidFill>
+                  <a:schemeClr val="tx1">
+                    <a:lumMod val="85000"/>
+                    <a:lumOff val="15000"/>
+                  </a:schemeClr>
+                </a:solidFill>
+              </a:ln>
+            </p:spPr>
+            <p:txBody>
+              <a:bodyPr wrap="none" lIns="0" tIns="0" rIns="0" bIns="0" rtlCol="0">
+                <a:spAutoFit/>
+              </a:bodyPr>
+              <a:lstStyle/>
+              <a:p>
+                <a:pPr/>
+                <a14:m>
+                  <m:oMathPara xmlns:m="http://schemas.openxmlformats.org/officeDocument/2006/math">
+                    <m:oMathParaPr>
+                      <m:jc m:val="centerGroup"/>
+                    </m:oMathParaPr>
+                    <m:oMath xmlns:m="http://schemas.openxmlformats.org/officeDocument/2006/math">
+                      <m:r>
+                        <a:rPr lang="en-GB" sz="1600" b="0" i="1" smtClean="0">
+                          <a:latin typeface="Cambria Math" panose="02040503050406030204" pitchFamily="18" charset="0"/>
+                        </a:rPr>
+                        <m:t>𝑓</m:t>
+                      </m:r>
+                      <m:r>
+                        <a:rPr lang="en-GB" sz="1600" b="0" i="1" smtClean="0">
+                          <a:latin typeface="Cambria Math" panose="02040503050406030204" pitchFamily="18" charset="0"/>
+                        </a:rPr>
+                        <m:t>(</m:t>
+                      </m:r>
+                      <m:r>
+                        <a:rPr lang="en-GB" sz="1600" b="0" i="1" smtClean="0">
+                          <a:latin typeface="Cambria Math" panose="02040503050406030204" pitchFamily="18" charset="0"/>
+                        </a:rPr>
+                        <m:t>𝑔</m:t>
+                      </m:r>
+                      <m:r>
+                        <a:rPr lang="en-GB" sz="1600" b="0" i="1" smtClean="0">
+                          <a:latin typeface="Cambria Math" panose="02040503050406030204" pitchFamily="18" charset="0"/>
+                        </a:rPr>
+                        <m:t>(</m:t>
+                      </m:r>
+                      <m:r>
+                        <a:rPr lang="en-GB" sz="1600" b="0" i="1" smtClean="0">
+                          <a:latin typeface="Cambria Math" panose="02040503050406030204" pitchFamily="18" charset="0"/>
+                        </a:rPr>
+                        <m:t>𝑥</m:t>
+                      </m:r>
+                      <m:r>
+                        <a:rPr lang="en-GB" sz="1600" b="0" i="1" smtClean="0">
+                          <a:latin typeface="Cambria Math" panose="02040503050406030204" pitchFamily="18" charset="0"/>
+                        </a:rPr>
+                        <m:t>)</m:t>
+                      </m:r>
+                      <m:r>
+                        <a:rPr lang="en-GB" sz="1600" i="0">
+                          <a:latin typeface="Cambria Math" panose="02040503050406030204" pitchFamily="18" charset="0"/>
+                        </a:rPr>
+                        <m:t>=</m:t>
+                      </m:r>
+                      <m:func>
+                        <m:funcPr>
+                          <m:ctrlPr>
+                            <a:rPr lang="en-GB" sz="1600" i="1" smtClean="0">
+                              <a:solidFill>
+                                <a:schemeClr val="tx1">
+                                  <a:lumMod val="95000"/>
+                                  <a:lumOff val="5000"/>
+                                </a:schemeClr>
+                              </a:solidFill>
+                              <a:latin typeface="Cambria Math" panose="02040503050406030204" pitchFamily="18" charset="0"/>
+                            </a:rPr>
+                          </m:ctrlPr>
+                        </m:funcPr>
+                        <m:fName>
+                          <m:r>
+                            <m:rPr>
+                              <m:sty m:val="p"/>
+                            </m:rPr>
+                            <a:rPr lang="en-GB" sz="1600" b="0" i="0" smtClean="0">
+                              <a:solidFill>
+                                <a:schemeClr val="tx1">
+                                  <a:lumMod val="95000"/>
+                                  <a:lumOff val="5000"/>
+                                </a:schemeClr>
+                              </a:solidFill>
+                              <a:latin typeface="Cambria Math" panose="02040503050406030204" pitchFamily="18" charset="0"/>
+                            </a:rPr>
+                            <m:t>sin</m:t>
+                          </m:r>
+                        </m:fName>
+                        <m:e>
+                          <m:d>
+                            <m:dPr>
+                              <m:ctrlPr>
+                                <a:rPr lang="en-GB" sz="1600" i="1">
+                                  <a:solidFill>
+                                    <a:schemeClr val="tx1">
+                                      <a:lumMod val="95000"/>
+                                      <a:lumOff val="5000"/>
+                                    </a:schemeClr>
+                                  </a:solidFill>
+                                  <a:latin typeface="Cambria Math" panose="02040503050406030204" pitchFamily="18" charset="0"/>
+                                </a:rPr>
+                              </m:ctrlPr>
+                            </m:dPr>
+                            <m:e>
+                              <m:sSup>
+                                <m:sSupPr>
+                                  <m:ctrlPr>
+                                    <a:rPr lang="en-GB" sz="1600" b="0" i="1" smtClean="0">
+                                      <a:solidFill>
+                                        <a:schemeClr val="tx1">
+                                          <a:lumMod val="95000"/>
+                                          <a:lumOff val="5000"/>
+                                        </a:schemeClr>
+                                      </a:solidFill>
+                                      <a:latin typeface="Cambria Math" panose="02040503050406030204" pitchFamily="18" charset="0"/>
+                                    </a:rPr>
+                                  </m:ctrlPr>
+                                </m:sSupPr>
+                                <m:e>
+                                  <m:r>
+                                    <a:rPr lang="en-GB" sz="1600" b="0" i="1" smtClean="0">
+                                      <a:solidFill>
+                                        <a:schemeClr val="tx1">
+                                          <a:lumMod val="95000"/>
+                                          <a:lumOff val="5000"/>
+                                        </a:schemeClr>
+                                      </a:solidFill>
+                                      <a:latin typeface="Cambria Math" panose="02040503050406030204" pitchFamily="18" charset="0"/>
+                                    </a:rPr>
+                                    <m:t>𝑒</m:t>
+                                  </m:r>
+                                </m:e>
+                                <m:sup>
+                                  <m:r>
+                                    <a:rPr lang="en-GB" sz="1600" b="0" i="1" smtClean="0">
+                                      <a:solidFill>
+                                        <a:schemeClr val="tx1">
+                                          <a:lumMod val="95000"/>
+                                          <a:lumOff val="5000"/>
+                                        </a:schemeClr>
+                                      </a:solidFill>
+                                      <a:latin typeface="Cambria Math" panose="02040503050406030204" pitchFamily="18" charset="0"/>
+                                    </a:rPr>
+                                    <m:t>𝑥</m:t>
+                                  </m:r>
+                                </m:sup>
+                              </m:sSup>
+                            </m:e>
+                          </m:d>
+                        </m:e>
+                      </m:func>
+                    </m:oMath>
+                  </m:oMathPara>
+                </a14:m>
+                <a:endParaRPr lang="en-GB" sz="1600" dirty="0"/>
+              </a:p>
+            </p:txBody>
+          </p:sp>
+        </mc:Choice>
+        <mc:Fallback>
+          <p:sp>
+            <p:nvSpPr>
+              <p:cNvPr id="14" name="TextBox 13">
+                <a:extLst>
+                  <a:ext uri="{FF2B5EF4-FFF2-40B4-BE49-F238E27FC236}">
+                    <a16:creationId xmlns:a16="http://schemas.microsoft.com/office/drawing/2014/main" id="{96CDC91F-89C9-41C1-9A96-72C9344BCC66}"/>
+                  </a:ext>
+                </a:extLst>
+              </p:cNvPr>
+              <p:cNvSpPr txBox="1">
+                <a:spLocks noRot="1" noChangeAspect="1" noMove="1" noResize="1" noEditPoints="1" noAdjustHandles="1" noChangeArrowheads="1" noChangeShapeType="1" noTextEdit="1"/>
+              </p:cNvSpPr>
+              <p:nvPr/>
+            </p:nvSpPr>
+            <p:spPr>
+              <a:xfrm>
+                <a:off x="1352185" y="3008821"/>
+                <a:ext cx="1580369" cy="246221"/>
+              </a:xfrm>
+              <a:prstGeom prst="rect">
+                <a:avLst/>
+              </a:prstGeom>
+              <a:blipFill>
+                <a:blip r:embed="rId4"/>
+                <a:stretch>
+                  <a:fillRect l="-3817" b="-25581"/>
+                </a:stretch>
+              </a:blipFill>
+              <a:ln w="15875">
+                <a:solidFill>
+                  <a:schemeClr val="tx1">
+                    <a:lumMod val="85000"/>
+                    <a:lumOff val="15000"/>
+                  </a:schemeClr>
+                </a:solidFill>
+              </a:ln>
+            </p:spPr>
+            <p:txBody>
+              <a:bodyPr/>
+              <a:lstStyle/>
+              <a:p>
+                <a:r>
+                  <a:rPr lang="en-GB">
+                    <a:noFill/>
+                  </a:rPr>
+                  <a:t> </a:t>
+                </a:r>
+              </a:p>
+            </p:txBody>
+          </p:sp>
+        </mc:Fallback>
+      </mc:AlternateContent>
+      <mc:AlternateContent xmlns:mc="http://schemas.openxmlformats.org/markup-compatibility/2006">
+        <mc:Choice xmlns:a14="http://schemas.microsoft.com/office/drawing/2010/main" Requires="a14">
+          <p:sp>
+            <p:nvSpPr>
+              <p:cNvPr id="15" name="TextBox 14">
+                <a:extLst>
+                  <a:ext uri="{FF2B5EF4-FFF2-40B4-BE49-F238E27FC236}">
+                    <a16:creationId xmlns:a16="http://schemas.microsoft.com/office/drawing/2014/main" id="{E56C0942-D969-4D69-B0D6-CBE4981AEADD}"/>
+                  </a:ext>
+                </a:extLst>
+              </p:cNvPr>
+              <p:cNvSpPr txBox="1"/>
+              <p:nvPr/>
+            </p:nvSpPr>
+            <p:spPr>
+              <a:xfrm>
+                <a:off x="1013552" y="2578166"/>
+                <a:ext cx="1207254" cy="246221"/>
+              </a:xfrm>
+              <a:prstGeom prst="rect">
+                <a:avLst/>
+              </a:prstGeom>
+              <a:solidFill>
+                <a:schemeClr val="bg1"/>
+              </a:solidFill>
+              <a:ln w="15875">
+                <a:solidFill>
+                  <a:schemeClr val="tx1">
+                    <a:lumMod val="85000"/>
+                    <a:lumOff val="15000"/>
+                  </a:schemeClr>
+                </a:solidFill>
+              </a:ln>
+            </p:spPr>
+            <p:txBody>
+              <a:bodyPr wrap="none" lIns="0" tIns="0" rIns="0" bIns="0" rtlCol="0">
+                <a:spAutoFit/>
+              </a:bodyPr>
+              <a:lstStyle/>
+              <a:p>
+                <a:pPr/>
+                <a14:m>
+                  <m:oMathPara xmlns:m="http://schemas.openxmlformats.org/officeDocument/2006/math">
+                    <m:oMathParaPr>
+                      <m:jc m:val="centerGroup"/>
+                    </m:oMathParaPr>
+                    <m:oMath xmlns:m="http://schemas.openxmlformats.org/officeDocument/2006/math">
+                      <m:r>
+                        <m:rPr>
+                          <m:sty m:val="p"/>
+                        </m:rPr>
+                        <a:rPr lang="en-GB" sz="1600" b="0" i="0" smtClean="0">
+                          <a:latin typeface="Cambria Math" panose="02040503050406030204" pitchFamily="18" charset="0"/>
+                        </a:rPr>
+                        <m:t>f</m:t>
+                      </m:r>
+                      <m:d>
+                        <m:dPr>
+                          <m:ctrlPr>
+                            <a:rPr lang="en-GB" sz="1600" b="0" i="1" smtClean="0">
+                              <a:latin typeface="Cambria Math" panose="02040503050406030204" pitchFamily="18" charset="0"/>
+                            </a:rPr>
+                          </m:ctrlPr>
+                        </m:dPr>
+                        <m:e>
+                          <m:r>
+                            <a:rPr lang="en-GB" sz="1600" b="0" i="1" smtClean="0">
+                              <a:latin typeface="Cambria Math" panose="02040503050406030204" pitchFamily="18" charset="0"/>
+                            </a:rPr>
+                            <m:t>𝑥</m:t>
+                          </m:r>
+                        </m:e>
+                      </m:d>
+                      <m:r>
+                        <a:rPr lang="en-GB" sz="1600" b="0" i="1" smtClean="0">
+                          <a:latin typeface="Cambria Math" panose="02040503050406030204" pitchFamily="18" charset="0"/>
+                        </a:rPr>
+                        <m:t>=</m:t>
+                      </m:r>
+                      <m:r>
+                        <m:rPr>
+                          <m:sty m:val="p"/>
+                        </m:rPr>
+                        <a:rPr lang="en-GB" sz="1600" b="0" i="0" smtClean="0">
+                          <a:latin typeface="Cambria Math" panose="02040503050406030204" pitchFamily="18" charset="0"/>
+                        </a:rPr>
+                        <m:t>sin</m:t>
+                      </m:r>
+                      <m:r>
+                        <a:rPr lang="en-GB" sz="1600" b="0" i="1" smtClean="0">
+                          <a:latin typeface="Cambria Math" panose="02040503050406030204" pitchFamily="18" charset="0"/>
+                        </a:rPr>
+                        <m:t>⁡(</m:t>
+                      </m:r>
+                      <m:r>
+                        <a:rPr lang="en-GB" sz="1600" b="0" i="1" smtClean="0">
+                          <a:latin typeface="Cambria Math" panose="02040503050406030204" pitchFamily="18" charset="0"/>
+                        </a:rPr>
+                        <m:t>𝑥</m:t>
+                      </m:r>
+                      <m:r>
+                        <a:rPr lang="en-GB" sz="1600" b="0" i="1" smtClean="0">
+                          <a:latin typeface="Cambria Math" panose="02040503050406030204" pitchFamily="18" charset="0"/>
+                        </a:rPr>
+                        <m:t>)</m:t>
+                      </m:r>
+                    </m:oMath>
+                  </m:oMathPara>
+                </a14:m>
+                <a:endParaRPr lang="en-GB" sz="1600" dirty="0"/>
+              </a:p>
+            </p:txBody>
+          </p:sp>
+        </mc:Choice>
+        <mc:Fallback>
+          <p:sp>
+            <p:nvSpPr>
+              <p:cNvPr id="15" name="TextBox 14">
+                <a:extLst>
+                  <a:ext uri="{FF2B5EF4-FFF2-40B4-BE49-F238E27FC236}">
+                    <a16:creationId xmlns:a16="http://schemas.microsoft.com/office/drawing/2014/main" id="{E56C0942-D969-4D69-B0D6-CBE4981AEADD}"/>
+                  </a:ext>
+                </a:extLst>
+              </p:cNvPr>
+              <p:cNvSpPr txBox="1">
+                <a:spLocks noRot="1" noChangeAspect="1" noMove="1" noResize="1" noEditPoints="1" noAdjustHandles="1" noChangeArrowheads="1" noChangeShapeType="1" noTextEdit="1"/>
+              </p:cNvSpPr>
+              <p:nvPr/>
+            </p:nvSpPr>
+            <p:spPr>
+              <a:xfrm>
+                <a:off x="1013552" y="2578166"/>
+                <a:ext cx="1207254" cy="246221"/>
+              </a:xfrm>
+              <a:prstGeom prst="rect">
+                <a:avLst/>
+              </a:prstGeom>
+              <a:blipFill>
+                <a:blip r:embed="rId5"/>
+                <a:stretch>
+                  <a:fillRect l="-2985" r="-4478" b="-25581"/>
+                </a:stretch>
+              </a:blipFill>
+              <a:ln w="15875">
+                <a:solidFill>
+                  <a:schemeClr val="tx1">
+                    <a:lumMod val="85000"/>
+                    <a:lumOff val="15000"/>
+                  </a:schemeClr>
+                </a:solidFill>
+              </a:ln>
+            </p:spPr>
+            <p:txBody>
+              <a:bodyPr/>
+              <a:lstStyle/>
+              <a:p>
+                <a:r>
+                  <a:rPr lang="en-GB">
+                    <a:noFill/>
+                  </a:rPr>
+                  <a:t> </a:t>
+                </a:r>
+              </a:p>
+            </p:txBody>
+          </p:sp>
+        </mc:Fallback>
+      </mc:AlternateContent>
+      <mc:AlternateContent xmlns:mc="http://schemas.openxmlformats.org/markup-compatibility/2006">
+        <mc:Choice xmlns:a14="http://schemas.microsoft.com/office/drawing/2010/main" Requires="a14">
+          <p:sp>
+            <p:nvSpPr>
+              <p:cNvPr id="16" name="TextBox 15">
+                <a:extLst>
+                  <a:ext uri="{FF2B5EF4-FFF2-40B4-BE49-F238E27FC236}">
+                    <a16:creationId xmlns:a16="http://schemas.microsoft.com/office/drawing/2014/main" id="{2BF98C9E-176E-4057-BEB5-55365380DE70}"/>
+                  </a:ext>
+                </a:extLst>
+              </p:cNvPr>
+              <p:cNvSpPr txBox="1"/>
+              <p:nvPr/>
+            </p:nvSpPr>
+            <p:spPr>
+              <a:xfrm>
+                <a:off x="2331016" y="2578167"/>
+                <a:ext cx="919995" cy="246221"/>
+              </a:xfrm>
+              <a:prstGeom prst="rect">
+                <a:avLst/>
+              </a:prstGeom>
+              <a:solidFill>
+                <a:schemeClr val="bg1"/>
+              </a:solidFill>
+              <a:ln w="15875">
+                <a:solidFill>
+                  <a:schemeClr val="tx1">
+                    <a:lumMod val="85000"/>
+                    <a:lumOff val="15000"/>
+                  </a:schemeClr>
+                </a:solidFill>
+              </a:ln>
+            </p:spPr>
+            <p:txBody>
+              <a:bodyPr wrap="none" lIns="0" tIns="0" rIns="0" bIns="0" rtlCol="0">
+                <a:spAutoFit/>
+              </a:bodyPr>
+              <a:lstStyle/>
+              <a:p>
+                <a:pPr/>
+                <a14:m>
+                  <m:oMathPara xmlns:m="http://schemas.openxmlformats.org/officeDocument/2006/math">
+                    <m:oMathParaPr>
+                      <m:jc m:val="centerGroup"/>
+                    </m:oMathParaPr>
+                    <m:oMath xmlns:m="http://schemas.openxmlformats.org/officeDocument/2006/math">
+                      <m:r>
+                        <m:rPr>
+                          <m:sty m:val="p"/>
+                        </m:rPr>
+                        <a:rPr lang="en-GB" sz="1600" b="0" i="0" smtClean="0">
+                          <a:latin typeface="Cambria Math" panose="02040503050406030204" pitchFamily="18" charset="0"/>
+                        </a:rPr>
+                        <m:t>g</m:t>
+                      </m:r>
+                      <m:d>
+                        <m:dPr>
+                          <m:ctrlPr>
+                            <a:rPr lang="en-GB" sz="1600" b="0" i="1" smtClean="0">
+                              <a:latin typeface="Cambria Math" panose="02040503050406030204" pitchFamily="18" charset="0"/>
+                            </a:rPr>
+                          </m:ctrlPr>
+                        </m:dPr>
+                        <m:e>
+                          <m:r>
+                            <a:rPr lang="en-GB" sz="1600" b="0" i="1" smtClean="0">
+                              <a:latin typeface="Cambria Math" panose="02040503050406030204" pitchFamily="18" charset="0"/>
+                            </a:rPr>
+                            <m:t>𝑥</m:t>
+                          </m:r>
+                        </m:e>
+                      </m:d>
+                      <m:r>
+                        <a:rPr lang="en-GB" sz="1600" b="0" i="1" smtClean="0">
+                          <a:latin typeface="Cambria Math" panose="02040503050406030204" pitchFamily="18" charset="0"/>
+                        </a:rPr>
+                        <m:t>=</m:t>
+                      </m:r>
+                      <m:sSup>
+                        <m:sSupPr>
+                          <m:ctrlPr>
+                            <a:rPr lang="en-GB" sz="1600" b="0" i="1" smtClean="0">
+                              <a:latin typeface="Cambria Math" panose="02040503050406030204" pitchFamily="18" charset="0"/>
+                            </a:rPr>
+                          </m:ctrlPr>
+                        </m:sSupPr>
+                        <m:e>
+                          <m:r>
+                            <a:rPr lang="en-GB" sz="1600" b="0" i="1" smtClean="0">
+                              <a:latin typeface="Cambria Math" panose="02040503050406030204" pitchFamily="18" charset="0"/>
+                            </a:rPr>
+                            <m:t>𝑒</m:t>
+                          </m:r>
+                        </m:e>
+                        <m:sup>
+                          <m:r>
+                            <a:rPr lang="en-GB" sz="1600" b="0" i="1" smtClean="0">
+                              <a:latin typeface="Cambria Math" panose="02040503050406030204" pitchFamily="18" charset="0"/>
+                            </a:rPr>
+                            <m:t>𝑥</m:t>
+                          </m:r>
+                        </m:sup>
+                      </m:sSup>
+                    </m:oMath>
+                  </m:oMathPara>
+                </a14:m>
+                <a:endParaRPr lang="en-GB" sz="1600" dirty="0"/>
+              </a:p>
+            </p:txBody>
+          </p:sp>
+        </mc:Choice>
+        <mc:Fallback>
+          <p:sp>
+            <p:nvSpPr>
+              <p:cNvPr id="16" name="TextBox 15">
+                <a:extLst>
+                  <a:ext uri="{FF2B5EF4-FFF2-40B4-BE49-F238E27FC236}">
+                    <a16:creationId xmlns:a16="http://schemas.microsoft.com/office/drawing/2014/main" id="{2BF98C9E-176E-4057-BEB5-55365380DE70}"/>
+                  </a:ext>
+                </a:extLst>
+              </p:cNvPr>
+              <p:cNvSpPr txBox="1">
+                <a:spLocks noRot="1" noChangeAspect="1" noMove="1" noResize="1" noEditPoints="1" noAdjustHandles="1" noChangeArrowheads="1" noChangeShapeType="1" noTextEdit="1"/>
+              </p:cNvSpPr>
+              <p:nvPr/>
+            </p:nvSpPr>
+            <p:spPr>
+              <a:xfrm>
+                <a:off x="2331016" y="2578167"/>
+                <a:ext cx="919995" cy="246221"/>
+              </a:xfrm>
+              <a:prstGeom prst="rect">
+                <a:avLst/>
+              </a:prstGeom>
+              <a:blipFill>
+                <a:blip r:embed="rId6"/>
+                <a:stretch>
+                  <a:fillRect l="-4545" b="-18605"/>
+                </a:stretch>
+              </a:blipFill>
+              <a:ln w="15875">
+                <a:solidFill>
+                  <a:schemeClr val="tx1">
+                    <a:lumMod val="85000"/>
+                    <a:lumOff val="15000"/>
+                  </a:schemeClr>
+                </a:solidFill>
+              </a:ln>
+            </p:spPr>
+            <p:txBody>
+              <a:bodyPr/>
+              <a:lstStyle/>
+              <a:p>
+                <a:r>
+                  <a:rPr lang="en-GB">
+                    <a:noFill/>
+                  </a:rPr>
+                  <a:t> </a:t>
+                </a:r>
+              </a:p>
+            </p:txBody>
+          </p:sp>
+        </mc:Fallback>
+      </mc:AlternateContent>
+      <p:pic>
+        <p:nvPicPr>
+          <p:cNvPr id="9" name="Picture 8">
+            <a:extLst>
+              <a:ext uri="{FF2B5EF4-FFF2-40B4-BE49-F238E27FC236}">
+                <a16:creationId xmlns:a16="http://schemas.microsoft.com/office/drawing/2014/main" id="{6B409FAA-8924-4D7C-A2BA-CDC5E8E0DF39}"/>
+              </a:ext>
+            </a:extLst>
+          </p:cNvPr>
+          <p:cNvPicPr>
+            <a:picLocks noChangeAspect="1"/>
+          </p:cNvPicPr>
+          <p:nvPr/>
+        </p:nvPicPr>
+        <p:blipFill>
+          <a:blip r:embed="rId7"/>
+          <a:stretch>
+            <a:fillRect/>
+          </a:stretch>
+        </p:blipFill>
+        <p:spPr>
+          <a:xfrm>
+            <a:off x="4472028" y="3322309"/>
+            <a:ext cx="3647403" cy="3231273"/>
+          </a:xfrm>
+          <a:prstGeom prst="rect">
+            <a:avLst/>
+          </a:prstGeom>
+        </p:spPr>
+      </p:pic>
+      <mc:AlternateContent xmlns:mc="http://schemas.openxmlformats.org/markup-compatibility/2006">
+        <mc:Choice xmlns:a14="http://schemas.microsoft.com/office/drawing/2010/main" Requires="a14">
+          <p:sp>
+            <p:nvSpPr>
+              <p:cNvPr id="24" name="TextBox 23">
+                <a:extLst>
+                  <a:ext uri="{FF2B5EF4-FFF2-40B4-BE49-F238E27FC236}">
+                    <a16:creationId xmlns:a16="http://schemas.microsoft.com/office/drawing/2014/main" id="{F753389A-B931-427E-82BE-B4461672FFA2}"/>
+                  </a:ext>
+                </a:extLst>
+              </p:cNvPr>
+              <p:cNvSpPr txBox="1"/>
+              <p:nvPr/>
+            </p:nvSpPr>
+            <p:spPr>
+              <a:xfrm>
+                <a:off x="5502338" y="2824387"/>
+                <a:ext cx="1586781" cy="246221"/>
+              </a:xfrm>
+              <a:prstGeom prst="rect">
+                <a:avLst/>
+              </a:prstGeom>
+              <a:solidFill>
+                <a:schemeClr val="bg1"/>
+              </a:solidFill>
+              <a:ln w="15875">
+                <a:solidFill>
+                  <a:schemeClr val="tx1">
+                    <a:lumMod val="85000"/>
+                    <a:lumOff val="15000"/>
+                  </a:schemeClr>
+                </a:solidFill>
+              </a:ln>
+            </p:spPr>
+            <p:txBody>
+              <a:bodyPr wrap="none" lIns="0" tIns="0" rIns="0" bIns="0" rtlCol="0">
+                <a:spAutoFit/>
+              </a:bodyPr>
+              <a:lstStyle/>
+              <a:p>
+                <a:pPr/>
+                <a14:m>
+                  <m:oMathPara xmlns:m="http://schemas.openxmlformats.org/officeDocument/2006/math">
+                    <m:oMathParaPr>
+                      <m:jc m:val="centerGroup"/>
+                    </m:oMathParaPr>
+                    <m:oMath xmlns:m="http://schemas.openxmlformats.org/officeDocument/2006/math">
+                      <m:r>
+                        <a:rPr lang="en-GB" sz="1600" b="0" i="1" smtClean="0">
+                          <a:latin typeface="Cambria Math" panose="02040503050406030204" pitchFamily="18" charset="0"/>
+                        </a:rPr>
+                        <m:t>𝑓</m:t>
+                      </m:r>
+                      <m:r>
+                        <a:rPr lang="en-GB" sz="1600" b="0" i="1" smtClean="0">
+                          <a:latin typeface="Cambria Math" panose="02040503050406030204" pitchFamily="18" charset="0"/>
+                        </a:rPr>
+                        <m:t>(</m:t>
+                      </m:r>
+                      <m:r>
+                        <a:rPr lang="en-GB" sz="1600" b="0" i="1" smtClean="0">
+                          <a:latin typeface="Cambria Math" panose="02040503050406030204" pitchFamily="18" charset="0"/>
+                        </a:rPr>
+                        <m:t>𝑔</m:t>
+                      </m:r>
+                      <m:r>
+                        <a:rPr lang="en-GB" sz="1600" b="0" i="1" smtClean="0">
+                          <a:latin typeface="Cambria Math" panose="02040503050406030204" pitchFamily="18" charset="0"/>
+                        </a:rPr>
+                        <m:t>(</m:t>
+                      </m:r>
+                      <m:r>
+                        <a:rPr lang="en-GB" sz="1600" b="0" i="1" smtClean="0">
+                          <a:latin typeface="Cambria Math" panose="02040503050406030204" pitchFamily="18" charset="0"/>
+                        </a:rPr>
+                        <m:t>𝑥</m:t>
+                      </m:r>
+                      <m:r>
+                        <a:rPr lang="en-GB" sz="1600" b="0" i="1" smtClean="0">
+                          <a:latin typeface="Cambria Math" panose="02040503050406030204" pitchFamily="18" charset="0"/>
+                        </a:rPr>
+                        <m:t>)</m:t>
+                      </m:r>
+                      <m:r>
+                        <a:rPr lang="en-GB" sz="1600" i="0">
+                          <a:latin typeface="Cambria Math" panose="02040503050406030204" pitchFamily="18" charset="0"/>
+                        </a:rPr>
+                        <m:t>=</m:t>
+                      </m:r>
+                      <m:func>
+                        <m:funcPr>
+                          <m:ctrlPr>
+                            <a:rPr lang="en-GB" sz="1600" i="1" smtClean="0">
+                              <a:solidFill>
+                                <a:schemeClr val="tx1">
+                                  <a:lumMod val="95000"/>
+                                  <a:lumOff val="5000"/>
+                                </a:schemeClr>
+                              </a:solidFill>
+                              <a:latin typeface="Cambria Math" panose="02040503050406030204" pitchFamily="18" charset="0"/>
+                            </a:rPr>
+                          </m:ctrlPr>
+                        </m:funcPr>
+                        <m:fName>
+                          <m:r>
+                            <m:rPr>
+                              <m:sty m:val="p"/>
+                            </m:rPr>
+                            <a:rPr lang="en-GB" sz="1600" b="0" i="0" smtClean="0">
+                              <a:solidFill>
+                                <a:schemeClr val="tx1">
+                                  <a:lumMod val="95000"/>
+                                  <a:lumOff val="5000"/>
+                                </a:schemeClr>
+                              </a:solidFill>
+                              <a:latin typeface="Cambria Math" panose="02040503050406030204" pitchFamily="18" charset="0"/>
+                            </a:rPr>
+                            <m:t>log</m:t>
+                          </m:r>
+                        </m:fName>
+                        <m:e>
+                          <m:d>
+                            <m:dPr>
+                              <m:ctrlPr>
+                                <a:rPr lang="en-GB" sz="1600" i="1">
+                                  <a:solidFill>
+                                    <a:schemeClr val="tx1">
+                                      <a:lumMod val="95000"/>
+                                      <a:lumOff val="5000"/>
+                                    </a:schemeClr>
+                                  </a:solidFill>
+                                  <a:latin typeface="Cambria Math" panose="02040503050406030204" pitchFamily="18" charset="0"/>
+                                </a:rPr>
+                              </m:ctrlPr>
+                            </m:dPr>
+                            <m:e>
+                              <m:sSup>
+                                <m:sSupPr>
+                                  <m:ctrlPr>
+                                    <a:rPr lang="en-GB" sz="1600" b="0" i="1" smtClean="0">
+                                      <a:solidFill>
+                                        <a:schemeClr val="tx1">
+                                          <a:lumMod val="95000"/>
+                                          <a:lumOff val="5000"/>
+                                        </a:schemeClr>
+                                      </a:solidFill>
+                                      <a:latin typeface="Cambria Math" panose="02040503050406030204" pitchFamily="18" charset="0"/>
+                                    </a:rPr>
+                                  </m:ctrlPr>
+                                </m:sSupPr>
+                                <m:e>
+                                  <m:r>
+                                    <a:rPr lang="en-GB" sz="1600" b="0" i="1" smtClean="0">
+                                      <a:solidFill>
+                                        <a:schemeClr val="tx1">
+                                          <a:lumMod val="95000"/>
+                                          <a:lumOff val="5000"/>
+                                        </a:schemeClr>
+                                      </a:solidFill>
+                                      <a:latin typeface="Cambria Math" panose="02040503050406030204" pitchFamily="18" charset="0"/>
+                                    </a:rPr>
+                                    <m:t>𝑒</m:t>
+                                  </m:r>
+                                </m:e>
+                                <m:sup>
+                                  <m:r>
+                                    <a:rPr lang="en-GB" sz="1600" b="0" i="1" smtClean="0">
+                                      <a:solidFill>
+                                        <a:schemeClr val="tx1">
+                                          <a:lumMod val="95000"/>
+                                          <a:lumOff val="5000"/>
+                                        </a:schemeClr>
+                                      </a:solidFill>
+                                      <a:latin typeface="Cambria Math" panose="02040503050406030204" pitchFamily="18" charset="0"/>
+                                    </a:rPr>
+                                    <m:t>𝑥</m:t>
+                                  </m:r>
+                                </m:sup>
+                              </m:sSup>
+                            </m:e>
+                          </m:d>
+                        </m:e>
+                      </m:func>
+                    </m:oMath>
+                  </m:oMathPara>
+                </a14:m>
+                <a:endParaRPr lang="en-GB" sz="1600" dirty="0"/>
+              </a:p>
+            </p:txBody>
+          </p:sp>
+        </mc:Choice>
+        <mc:Fallback>
+          <p:sp>
+            <p:nvSpPr>
+              <p:cNvPr id="24" name="TextBox 23">
+                <a:extLst>
+                  <a:ext uri="{FF2B5EF4-FFF2-40B4-BE49-F238E27FC236}">
+                    <a16:creationId xmlns:a16="http://schemas.microsoft.com/office/drawing/2014/main" id="{F753389A-B931-427E-82BE-B4461672FFA2}"/>
+                  </a:ext>
+                </a:extLst>
+              </p:cNvPr>
+              <p:cNvSpPr txBox="1">
+                <a:spLocks noRot="1" noChangeAspect="1" noMove="1" noResize="1" noEditPoints="1" noAdjustHandles="1" noChangeArrowheads="1" noChangeShapeType="1" noTextEdit="1"/>
+              </p:cNvSpPr>
+              <p:nvPr/>
+            </p:nvSpPr>
+            <p:spPr>
+              <a:xfrm>
+                <a:off x="5502338" y="2824387"/>
+                <a:ext cx="1586781" cy="246221"/>
+              </a:xfrm>
+              <a:prstGeom prst="rect">
+                <a:avLst/>
+              </a:prstGeom>
+              <a:blipFill>
+                <a:blip r:embed="rId8"/>
+                <a:stretch>
+                  <a:fillRect l="-3802" b="-25000"/>
+                </a:stretch>
+              </a:blipFill>
+              <a:ln w="15875">
+                <a:solidFill>
+                  <a:schemeClr val="tx1">
+                    <a:lumMod val="85000"/>
+                    <a:lumOff val="15000"/>
+                  </a:schemeClr>
+                </a:solidFill>
+              </a:ln>
+            </p:spPr>
+            <p:txBody>
+              <a:bodyPr/>
+              <a:lstStyle/>
+              <a:p>
+                <a:r>
+                  <a:rPr lang="en-GB">
+                    <a:noFill/>
+                  </a:rPr>
+                  <a:t> </a:t>
+                </a:r>
+              </a:p>
+            </p:txBody>
+          </p:sp>
+        </mc:Fallback>
+      </mc:AlternateContent>
+      <mc:AlternateContent xmlns:mc="http://schemas.openxmlformats.org/markup-compatibility/2006">
+        <mc:Choice xmlns:a14="http://schemas.microsoft.com/office/drawing/2010/main" Requires="a14">
+          <p:sp>
+            <p:nvSpPr>
+              <p:cNvPr id="25" name="TextBox 24">
+                <a:extLst>
+                  <a:ext uri="{FF2B5EF4-FFF2-40B4-BE49-F238E27FC236}">
+                    <a16:creationId xmlns:a16="http://schemas.microsoft.com/office/drawing/2014/main" id="{4BCEF576-3A66-4435-A976-C093AB3540D1}"/>
+                  </a:ext>
+                </a:extLst>
+              </p:cNvPr>
+              <p:cNvSpPr txBox="1"/>
+              <p:nvPr/>
+            </p:nvSpPr>
+            <p:spPr>
+              <a:xfrm>
+                <a:off x="5151142" y="2402019"/>
+                <a:ext cx="1241237" cy="246221"/>
+              </a:xfrm>
+              <a:prstGeom prst="rect">
+                <a:avLst/>
+              </a:prstGeom>
+              <a:solidFill>
+                <a:schemeClr val="bg1"/>
+              </a:solidFill>
+              <a:ln w="15875">
+                <a:solidFill>
+                  <a:schemeClr val="tx1">
+                    <a:lumMod val="85000"/>
+                    <a:lumOff val="15000"/>
+                  </a:schemeClr>
+                </a:solidFill>
+              </a:ln>
+            </p:spPr>
+            <p:txBody>
+              <a:bodyPr wrap="none" lIns="0" tIns="0" rIns="0" bIns="0" rtlCol="0">
+                <a:spAutoFit/>
+              </a:bodyPr>
+              <a:lstStyle/>
+              <a:p>
+                <a:pPr/>
+                <a14:m>
+                  <m:oMathPara xmlns:m="http://schemas.openxmlformats.org/officeDocument/2006/math">
+                    <m:oMathParaPr>
+                      <m:jc m:val="centerGroup"/>
+                    </m:oMathParaPr>
+                    <m:oMath xmlns:m="http://schemas.openxmlformats.org/officeDocument/2006/math">
+                      <m:r>
+                        <m:rPr>
+                          <m:sty m:val="p"/>
+                        </m:rPr>
+                        <a:rPr lang="en-GB" sz="1600" b="0" i="0" smtClean="0">
+                          <a:latin typeface="Cambria Math" panose="02040503050406030204" pitchFamily="18" charset="0"/>
+                        </a:rPr>
+                        <m:t>f</m:t>
+                      </m:r>
+                      <m:d>
+                        <m:dPr>
+                          <m:ctrlPr>
+                            <a:rPr lang="en-GB" sz="1600" b="0" i="1" smtClean="0">
+                              <a:latin typeface="Cambria Math" panose="02040503050406030204" pitchFamily="18" charset="0"/>
+                            </a:rPr>
+                          </m:ctrlPr>
+                        </m:dPr>
+                        <m:e>
+                          <m:r>
+                            <a:rPr lang="en-GB" sz="1600" b="0" i="1" smtClean="0">
+                              <a:latin typeface="Cambria Math" panose="02040503050406030204" pitchFamily="18" charset="0"/>
+                            </a:rPr>
+                            <m:t>𝑥</m:t>
+                          </m:r>
+                        </m:e>
+                      </m:d>
+                      <m:r>
+                        <a:rPr lang="en-GB" sz="1600" b="0" i="1" smtClean="0">
+                          <a:latin typeface="Cambria Math" panose="02040503050406030204" pitchFamily="18" charset="0"/>
+                        </a:rPr>
+                        <m:t>=</m:t>
+                      </m:r>
+                      <m:r>
+                        <m:rPr>
+                          <m:sty m:val="p"/>
+                        </m:rPr>
+                        <a:rPr lang="en-GB" sz="1600" b="0" i="0" smtClean="0">
+                          <a:latin typeface="Cambria Math" panose="02040503050406030204" pitchFamily="18" charset="0"/>
+                        </a:rPr>
+                        <m:t>lo</m:t>
+                      </m:r>
+                      <m:r>
+                        <a:rPr lang="en-GB" sz="1600" b="0" i="1" smtClean="0">
+                          <a:latin typeface="Cambria Math" panose="02040503050406030204" pitchFamily="18" charset="0"/>
+                        </a:rPr>
+                        <m:t>𝑔</m:t>
+                      </m:r>
+                      <m:r>
+                        <a:rPr lang="en-GB" sz="1600" b="0" i="1" smtClean="0">
+                          <a:latin typeface="Cambria Math" panose="02040503050406030204" pitchFamily="18" charset="0"/>
+                        </a:rPr>
+                        <m:t>⁡(</m:t>
+                      </m:r>
+                      <m:r>
+                        <a:rPr lang="en-GB" sz="1600" b="0" i="1" smtClean="0">
+                          <a:latin typeface="Cambria Math" panose="02040503050406030204" pitchFamily="18" charset="0"/>
+                        </a:rPr>
+                        <m:t>𝑥</m:t>
+                      </m:r>
+                      <m:r>
+                        <a:rPr lang="en-GB" sz="1600" b="0" i="1" smtClean="0">
+                          <a:latin typeface="Cambria Math" panose="02040503050406030204" pitchFamily="18" charset="0"/>
+                        </a:rPr>
+                        <m:t>)</m:t>
+                      </m:r>
+                    </m:oMath>
+                  </m:oMathPara>
+                </a14:m>
+                <a:endParaRPr lang="en-GB" sz="1600" dirty="0"/>
+              </a:p>
+            </p:txBody>
+          </p:sp>
+        </mc:Choice>
+        <mc:Fallback>
+          <p:sp>
+            <p:nvSpPr>
+              <p:cNvPr id="25" name="TextBox 24">
+                <a:extLst>
+                  <a:ext uri="{FF2B5EF4-FFF2-40B4-BE49-F238E27FC236}">
+                    <a16:creationId xmlns:a16="http://schemas.microsoft.com/office/drawing/2014/main" id="{4BCEF576-3A66-4435-A976-C093AB3540D1}"/>
+                  </a:ext>
+                </a:extLst>
+              </p:cNvPr>
+              <p:cNvSpPr txBox="1">
+                <a:spLocks noRot="1" noChangeAspect="1" noMove="1" noResize="1" noEditPoints="1" noAdjustHandles="1" noChangeArrowheads="1" noChangeShapeType="1" noTextEdit="1"/>
+              </p:cNvSpPr>
+              <p:nvPr/>
+            </p:nvSpPr>
+            <p:spPr>
+              <a:xfrm>
+                <a:off x="5151142" y="2402019"/>
+                <a:ext cx="1241237" cy="246221"/>
+              </a:xfrm>
+              <a:prstGeom prst="rect">
+                <a:avLst/>
+              </a:prstGeom>
+              <a:blipFill>
+                <a:blip r:embed="rId9"/>
+                <a:stretch>
+                  <a:fillRect l="-2899" r="-4348" b="-27907"/>
+                </a:stretch>
+              </a:blipFill>
+              <a:ln w="15875">
+                <a:solidFill>
+                  <a:schemeClr val="tx1">
+                    <a:lumMod val="85000"/>
+                    <a:lumOff val="15000"/>
+                  </a:schemeClr>
+                </a:solidFill>
+              </a:ln>
+            </p:spPr>
+            <p:txBody>
+              <a:bodyPr/>
+              <a:lstStyle/>
+              <a:p>
+                <a:r>
+                  <a:rPr lang="en-GB">
+                    <a:noFill/>
+                  </a:rPr>
+                  <a:t> </a:t>
+                </a:r>
+              </a:p>
+            </p:txBody>
+          </p:sp>
+        </mc:Fallback>
+      </mc:AlternateContent>
+      <mc:AlternateContent xmlns:mc="http://schemas.openxmlformats.org/markup-compatibility/2006">
+        <mc:Choice xmlns:a14="http://schemas.microsoft.com/office/drawing/2010/main" Requires="a14">
+          <p:sp>
+            <p:nvSpPr>
+              <p:cNvPr id="26" name="TextBox 25">
+                <a:extLst>
+                  <a:ext uri="{FF2B5EF4-FFF2-40B4-BE49-F238E27FC236}">
+                    <a16:creationId xmlns:a16="http://schemas.microsoft.com/office/drawing/2014/main" id="{856DEE97-A943-4553-B01D-A21760406069}"/>
+                  </a:ext>
+                </a:extLst>
+              </p:cNvPr>
+              <p:cNvSpPr txBox="1"/>
+              <p:nvPr/>
+            </p:nvSpPr>
+            <p:spPr>
+              <a:xfrm>
+                <a:off x="6512674" y="2402020"/>
+                <a:ext cx="919995" cy="246221"/>
+              </a:xfrm>
+              <a:prstGeom prst="rect">
+                <a:avLst/>
+              </a:prstGeom>
+              <a:solidFill>
+                <a:schemeClr val="bg1"/>
+              </a:solidFill>
+              <a:ln w="15875">
+                <a:solidFill>
+                  <a:schemeClr val="tx1">
+                    <a:lumMod val="85000"/>
+                    <a:lumOff val="15000"/>
+                  </a:schemeClr>
+                </a:solidFill>
+              </a:ln>
+            </p:spPr>
+            <p:txBody>
+              <a:bodyPr wrap="none" lIns="0" tIns="0" rIns="0" bIns="0" rtlCol="0">
+                <a:spAutoFit/>
+              </a:bodyPr>
+              <a:lstStyle/>
+              <a:p>
+                <a:pPr/>
+                <a14:m>
+                  <m:oMathPara xmlns:m="http://schemas.openxmlformats.org/officeDocument/2006/math">
+                    <m:oMathParaPr>
+                      <m:jc m:val="centerGroup"/>
+                    </m:oMathParaPr>
+                    <m:oMath xmlns:m="http://schemas.openxmlformats.org/officeDocument/2006/math">
+                      <m:r>
+                        <m:rPr>
+                          <m:sty m:val="p"/>
+                        </m:rPr>
+                        <a:rPr lang="en-GB" sz="1600" b="0" i="0" smtClean="0">
+                          <a:latin typeface="Cambria Math" panose="02040503050406030204" pitchFamily="18" charset="0"/>
+                        </a:rPr>
+                        <m:t>g</m:t>
+                      </m:r>
+                      <m:d>
+                        <m:dPr>
+                          <m:ctrlPr>
+                            <a:rPr lang="en-GB" sz="1600" b="0" i="1" smtClean="0">
+                              <a:latin typeface="Cambria Math" panose="02040503050406030204" pitchFamily="18" charset="0"/>
+                            </a:rPr>
+                          </m:ctrlPr>
+                        </m:dPr>
+                        <m:e>
+                          <m:r>
+                            <a:rPr lang="en-GB" sz="1600" b="0" i="1" smtClean="0">
+                              <a:latin typeface="Cambria Math" panose="02040503050406030204" pitchFamily="18" charset="0"/>
+                            </a:rPr>
+                            <m:t>𝑥</m:t>
+                          </m:r>
+                        </m:e>
+                      </m:d>
+                      <m:r>
+                        <a:rPr lang="en-GB" sz="1600" b="0" i="1" smtClean="0">
+                          <a:latin typeface="Cambria Math" panose="02040503050406030204" pitchFamily="18" charset="0"/>
+                        </a:rPr>
+                        <m:t>=</m:t>
+                      </m:r>
+                      <m:sSup>
+                        <m:sSupPr>
+                          <m:ctrlPr>
+                            <a:rPr lang="en-GB" sz="1600" b="0" i="1" smtClean="0">
+                              <a:latin typeface="Cambria Math" panose="02040503050406030204" pitchFamily="18" charset="0"/>
+                            </a:rPr>
+                          </m:ctrlPr>
+                        </m:sSupPr>
+                        <m:e>
+                          <m:r>
+                            <a:rPr lang="en-GB" sz="1600" b="0" i="1" smtClean="0">
+                              <a:latin typeface="Cambria Math" panose="02040503050406030204" pitchFamily="18" charset="0"/>
+                            </a:rPr>
+                            <m:t>𝑒</m:t>
+                          </m:r>
+                        </m:e>
+                        <m:sup>
+                          <m:r>
+                            <a:rPr lang="en-GB" sz="1600" b="0" i="1" smtClean="0">
+                              <a:latin typeface="Cambria Math" panose="02040503050406030204" pitchFamily="18" charset="0"/>
+                            </a:rPr>
+                            <m:t>𝑥</m:t>
+                          </m:r>
+                        </m:sup>
+                      </m:sSup>
+                    </m:oMath>
+                  </m:oMathPara>
+                </a14:m>
+                <a:endParaRPr lang="en-GB" sz="1600" dirty="0"/>
+              </a:p>
+            </p:txBody>
+          </p:sp>
+        </mc:Choice>
+        <mc:Fallback>
+          <p:sp>
+            <p:nvSpPr>
+              <p:cNvPr id="26" name="TextBox 25">
+                <a:extLst>
+                  <a:ext uri="{FF2B5EF4-FFF2-40B4-BE49-F238E27FC236}">
+                    <a16:creationId xmlns:a16="http://schemas.microsoft.com/office/drawing/2014/main" id="{856DEE97-A943-4553-B01D-A21760406069}"/>
+                  </a:ext>
+                </a:extLst>
+              </p:cNvPr>
+              <p:cNvSpPr txBox="1">
+                <a:spLocks noRot="1" noChangeAspect="1" noMove="1" noResize="1" noEditPoints="1" noAdjustHandles="1" noChangeArrowheads="1" noChangeShapeType="1" noTextEdit="1"/>
+              </p:cNvSpPr>
+              <p:nvPr/>
+            </p:nvSpPr>
+            <p:spPr>
+              <a:xfrm>
+                <a:off x="6512674" y="2402020"/>
+                <a:ext cx="919995" cy="246221"/>
+              </a:xfrm>
+              <a:prstGeom prst="rect">
+                <a:avLst/>
+              </a:prstGeom>
+              <a:blipFill>
+                <a:blip r:embed="rId10"/>
+                <a:stretch>
+                  <a:fillRect l="-4545" b="-18605"/>
+                </a:stretch>
+              </a:blipFill>
+              <a:ln w="15875">
+                <a:solidFill>
+                  <a:schemeClr val="tx1">
+                    <a:lumMod val="85000"/>
+                    <a:lumOff val="15000"/>
+                  </a:schemeClr>
+                </a:solidFill>
+              </a:ln>
+            </p:spPr>
+            <p:txBody>
+              <a:bodyPr/>
+              <a:lstStyle/>
+              <a:p>
+                <a:r>
+                  <a:rPr lang="en-GB">
+                    <a:noFill/>
+                  </a:rPr>
+                  <a:t> </a:t>
+                </a:r>
+              </a:p>
+            </p:txBody>
+          </p:sp>
+        </mc:Fallback>
+      </mc:AlternateContent>
+      <mc:AlternateContent xmlns:mc="http://schemas.openxmlformats.org/markup-compatibility/2006">
+        <mc:Choice xmlns:a14="http://schemas.microsoft.com/office/drawing/2010/main" Requires="a14">
+          <p:sp>
+            <p:nvSpPr>
+              <p:cNvPr id="28" name="TextBox 27">
+                <a:extLst>
+                  <a:ext uri="{FF2B5EF4-FFF2-40B4-BE49-F238E27FC236}">
+                    <a16:creationId xmlns:a16="http://schemas.microsoft.com/office/drawing/2014/main" id="{52C6B0B5-F5C9-413B-9A75-91A03685B811}"/>
+                  </a:ext>
+                </a:extLst>
+              </p:cNvPr>
+              <p:cNvSpPr txBox="1"/>
+              <p:nvPr/>
+            </p:nvSpPr>
+            <p:spPr>
+              <a:xfrm>
+                <a:off x="6676557" y="5491753"/>
+                <a:ext cx="1442874" cy="1061829"/>
+              </a:xfrm>
+              <a:prstGeom prst="rect">
+                <a:avLst/>
+              </a:prstGeom>
+              <a:noFill/>
+            </p:spPr>
+            <p:txBody>
+              <a:bodyPr wrap="square">
+                <a:spAutoFit/>
+              </a:bodyPr>
+              <a:lstStyle/>
+              <a:p>
+                <a:r>
+                  <a:rPr lang="en-US" sz="1050" dirty="0"/>
+                  <a:t>An exponential inside a logarithm in this case produces a straight line because of the following:</a:t>
+                </a:r>
+              </a:p>
+              <a:p>
+                <a14:m>
+                  <m:oMathPara xmlns:m="http://schemas.openxmlformats.org/officeDocument/2006/math">
+                    <m:oMathParaPr>
+                      <m:jc m:val="centerGroup"/>
+                    </m:oMathParaPr>
+                    <m:oMath xmlns:m="http://schemas.openxmlformats.org/officeDocument/2006/math">
+                      <m:sSup>
+                        <m:sSupPr>
+                          <m:ctrlPr>
+                            <a:rPr lang="en-GB" sz="1050" b="0" i="1" smtClean="0">
+                              <a:solidFill>
+                                <a:schemeClr val="tx1">
+                                  <a:lumMod val="95000"/>
+                                  <a:lumOff val="5000"/>
+                                </a:schemeClr>
+                              </a:solidFill>
+                              <a:latin typeface="Cambria Math" panose="02040503050406030204" pitchFamily="18" charset="0"/>
+                            </a:rPr>
+                          </m:ctrlPr>
+                        </m:sSupPr>
+                        <m:e>
+                          <m:r>
+                            <a:rPr lang="en-GB" sz="1050" b="0" i="1" smtClean="0">
+                              <a:solidFill>
+                                <a:schemeClr val="tx1">
+                                  <a:lumMod val="95000"/>
+                                  <a:lumOff val="5000"/>
+                                </a:schemeClr>
+                              </a:solidFill>
+                              <a:latin typeface="Cambria Math" panose="02040503050406030204" pitchFamily="18" charset="0"/>
+                            </a:rPr>
+                            <m:t>10</m:t>
+                          </m:r>
+                        </m:e>
+                        <m:sup>
+                          <m:r>
+                            <a:rPr lang="en-GB" sz="1050" b="0" i="1" smtClean="0">
+                              <a:solidFill>
+                                <a:schemeClr val="tx1">
+                                  <a:lumMod val="95000"/>
+                                  <a:lumOff val="5000"/>
+                                </a:schemeClr>
+                              </a:solidFill>
+                              <a:latin typeface="Cambria Math" panose="02040503050406030204" pitchFamily="18" charset="0"/>
+                            </a:rPr>
+                            <m:t>𝑦</m:t>
+                          </m:r>
+                        </m:sup>
+                      </m:sSup>
+                      <m:r>
+                        <a:rPr lang="en-GB" sz="1050" b="0" i="1" smtClean="0">
+                          <a:solidFill>
+                            <a:schemeClr val="tx1">
+                              <a:lumMod val="95000"/>
+                              <a:lumOff val="5000"/>
+                            </a:schemeClr>
+                          </a:solidFill>
+                          <a:latin typeface="Cambria Math" panose="02040503050406030204" pitchFamily="18" charset="0"/>
+                        </a:rPr>
+                        <m:t>=</m:t>
+                      </m:r>
+                      <m:sSup>
+                        <m:sSupPr>
+                          <m:ctrlPr>
+                            <a:rPr lang="en-GB" sz="1050" b="0" i="1" smtClean="0">
+                              <a:solidFill>
+                                <a:schemeClr val="tx1">
+                                  <a:lumMod val="95000"/>
+                                  <a:lumOff val="5000"/>
+                                </a:schemeClr>
+                              </a:solidFill>
+                              <a:latin typeface="Cambria Math" panose="02040503050406030204" pitchFamily="18" charset="0"/>
+                            </a:rPr>
+                          </m:ctrlPr>
+                        </m:sSupPr>
+                        <m:e>
+                          <m:r>
+                            <a:rPr lang="en-GB" sz="1050" b="0" i="1" smtClean="0">
+                              <a:solidFill>
+                                <a:schemeClr val="tx1">
+                                  <a:lumMod val="95000"/>
+                                  <a:lumOff val="5000"/>
+                                </a:schemeClr>
+                              </a:solidFill>
+                              <a:latin typeface="Cambria Math" panose="02040503050406030204" pitchFamily="18" charset="0"/>
+                            </a:rPr>
+                            <m:t>𝑒</m:t>
+                          </m:r>
+                        </m:e>
+                        <m:sup>
+                          <m:r>
+                            <a:rPr lang="en-GB" sz="1050" b="0" i="1" smtClean="0">
+                              <a:solidFill>
+                                <a:schemeClr val="tx1">
+                                  <a:lumMod val="95000"/>
+                                  <a:lumOff val="5000"/>
+                                </a:schemeClr>
+                              </a:solidFill>
+                              <a:latin typeface="Cambria Math" panose="02040503050406030204" pitchFamily="18" charset="0"/>
+                            </a:rPr>
+                            <m:t>𝑥</m:t>
+                          </m:r>
+                        </m:sup>
+                      </m:sSup>
+                    </m:oMath>
+                  </m:oMathPara>
+                </a14:m>
+                <a:endParaRPr lang="en-GB" sz="1050" dirty="0"/>
+              </a:p>
+            </p:txBody>
+          </p:sp>
+        </mc:Choice>
+        <mc:Fallback>
+          <p:sp>
+            <p:nvSpPr>
+              <p:cNvPr id="28" name="TextBox 27">
+                <a:extLst>
+                  <a:ext uri="{FF2B5EF4-FFF2-40B4-BE49-F238E27FC236}">
+                    <a16:creationId xmlns:a16="http://schemas.microsoft.com/office/drawing/2014/main" id="{52C6B0B5-F5C9-413B-9A75-91A03685B811}"/>
+                  </a:ext>
+                </a:extLst>
+              </p:cNvPr>
+              <p:cNvSpPr txBox="1">
+                <a:spLocks noRot="1" noChangeAspect="1" noMove="1" noResize="1" noEditPoints="1" noAdjustHandles="1" noChangeArrowheads="1" noChangeShapeType="1" noTextEdit="1"/>
+              </p:cNvSpPr>
+              <p:nvPr/>
+            </p:nvSpPr>
+            <p:spPr>
+              <a:xfrm>
+                <a:off x="6676557" y="5491753"/>
+                <a:ext cx="1442874" cy="1061829"/>
+              </a:xfrm>
+              <a:prstGeom prst="rect">
+                <a:avLst/>
+              </a:prstGeom>
+              <a:blipFill>
+                <a:blip r:embed="rId11"/>
+                <a:stretch>
+                  <a:fillRect r="-844"/>
+                </a:stretch>
+              </a:blipFill>
+            </p:spPr>
+            <p:txBody>
+              <a:bodyPr/>
+              <a:lstStyle/>
+              <a:p>
+                <a:r>
+                  <a:rPr lang="en-GB">
+                    <a:noFill/>
+                  </a:rPr>
+                  <a:t> </a:t>
+                </a:r>
+              </a:p>
+            </p:txBody>
+          </p:sp>
+        </mc:Fallback>
+      </mc:AlternateContent>
+      <p:pic>
+        <p:nvPicPr>
+          <p:cNvPr id="12" name="Picture 11">
+            <a:extLst>
+              <a:ext uri="{FF2B5EF4-FFF2-40B4-BE49-F238E27FC236}">
+                <a16:creationId xmlns:a16="http://schemas.microsoft.com/office/drawing/2014/main" id="{24925970-8B14-4A79-81C1-DBD4194A4250}"/>
+              </a:ext>
+            </a:extLst>
+          </p:cNvPr>
+          <p:cNvPicPr>
+            <a:picLocks noChangeAspect="1"/>
+          </p:cNvPicPr>
+          <p:nvPr/>
+        </p:nvPicPr>
+        <p:blipFill>
+          <a:blip r:embed="rId12"/>
+          <a:stretch>
+            <a:fillRect/>
+          </a:stretch>
+        </p:blipFill>
+        <p:spPr>
+          <a:xfrm>
+            <a:off x="8572125" y="3353245"/>
+            <a:ext cx="3481331" cy="3169399"/>
+          </a:xfrm>
+          <a:prstGeom prst="rect">
+            <a:avLst/>
+          </a:prstGeom>
+        </p:spPr>
+      </p:pic>
+      <mc:AlternateContent xmlns:mc="http://schemas.openxmlformats.org/markup-compatibility/2006">
+        <mc:Choice xmlns:a14="http://schemas.microsoft.com/office/drawing/2010/main" Requires="a14">
+          <p:sp>
+            <p:nvSpPr>
+              <p:cNvPr id="29" name="TextBox 28">
+                <a:extLst>
+                  <a:ext uri="{FF2B5EF4-FFF2-40B4-BE49-F238E27FC236}">
+                    <a16:creationId xmlns:a16="http://schemas.microsoft.com/office/drawing/2014/main" id="{B9CEE68B-8079-4291-B0F6-78A6FE372113}"/>
+                  </a:ext>
+                </a:extLst>
+              </p:cNvPr>
+              <p:cNvSpPr txBox="1"/>
+              <p:nvPr/>
+            </p:nvSpPr>
+            <p:spPr>
+              <a:xfrm>
+                <a:off x="9535357" y="2877375"/>
+                <a:ext cx="1466555" cy="262892"/>
+              </a:xfrm>
+              <a:prstGeom prst="rect">
+                <a:avLst/>
+              </a:prstGeom>
+              <a:solidFill>
+                <a:schemeClr val="bg1"/>
+              </a:solidFill>
+              <a:ln w="15875">
+                <a:solidFill>
+                  <a:schemeClr val="tx1">
+                    <a:lumMod val="85000"/>
+                    <a:lumOff val="15000"/>
+                  </a:schemeClr>
+                </a:solidFill>
+              </a:ln>
+            </p:spPr>
+            <p:txBody>
+              <a:bodyPr wrap="none" lIns="0" tIns="0" rIns="0" bIns="0" rtlCol="0">
+                <a:spAutoFit/>
+              </a:bodyPr>
+              <a:lstStyle/>
+              <a:p>
+                <a:pPr/>
+                <a14:m>
+                  <m:oMathPara xmlns:m="http://schemas.openxmlformats.org/officeDocument/2006/math">
+                    <m:oMathParaPr>
+                      <m:jc m:val="centerGroup"/>
+                    </m:oMathParaPr>
+                    <m:oMath xmlns:m="http://schemas.openxmlformats.org/officeDocument/2006/math">
+                      <m:r>
+                        <a:rPr lang="en-GB" sz="1600" b="0" i="1" smtClean="0">
+                          <a:latin typeface="Cambria Math" panose="02040503050406030204" pitchFamily="18" charset="0"/>
+                        </a:rPr>
+                        <m:t>𝑓</m:t>
+                      </m:r>
+                      <m:r>
+                        <a:rPr lang="en-GB" sz="1600" b="0" i="1" smtClean="0">
+                          <a:latin typeface="Cambria Math" panose="02040503050406030204" pitchFamily="18" charset="0"/>
+                        </a:rPr>
+                        <m:t>(</m:t>
+                      </m:r>
+                      <m:r>
+                        <a:rPr lang="en-GB" sz="1600" b="0" i="1" smtClean="0">
+                          <a:latin typeface="Cambria Math" panose="02040503050406030204" pitchFamily="18" charset="0"/>
+                        </a:rPr>
+                        <m:t>𝑔</m:t>
+                      </m:r>
+                      <m:r>
+                        <a:rPr lang="en-GB" sz="1600" b="0" i="1" smtClean="0">
+                          <a:latin typeface="Cambria Math" panose="02040503050406030204" pitchFamily="18" charset="0"/>
+                        </a:rPr>
+                        <m:t>(</m:t>
+                      </m:r>
+                      <m:r>
+                        <a:rPr lang="en-GB" sz="1600" b="0" i="1" smtClean="0">
+                          <a:latin typeface="Cambria Math" panose="02040503050406030204" pitchFamily="18" charset="0"/>
+                        </a:rPr>
+                        <m:t>𝑥</m:t>
+                      </m:r>
+                      <m:r>
+                        <a:rPr lang="en-GB" sz="1600" b="0" i="1" smtClean="0">
+                          <a:latin typeface="Cambria Math" panose="02040503050406030204" pitchFamily="18" charset="0"/>
+                        </a:rPr>
+                        <m:t>)</m:t>
+                      </m:r>
+                      <m:r>
+                        <a:rPr lang="en-GB" sz="1600" i="0">
+                          <a:latin typeface="Cambria Math" panose="02040503050406030204" pitchFamily="18" charset="0"/>
+                        </a:rPr>
+                        <m:t>=</m:t>
+                      </m:r>
+                      <m:sSup>
+                        <m:sSupPr>
+                          <m:ctrlPr>
+                            <a:rPr lang="en-GB" sz="1600" b="0" i="0" smtClean="0">
+                              <a:latin typeface="Cambria Math" panose="02040503050406030204" pitchFamily="18" charset="0"/>
+                            </a:rPr>
+                          </m:ctrlPr>
+                        </m:sSupPr>
+                        <m:e>
+                          <m:r>
+                            <m:rPr>
+                              <m:sty m:val="p"/>
+                            </m:rPr>
+                            <a:rPr lang="en-GB" sz="1600" b="0" i="0" smtClean="0">
+                              <a:latin typeface="Cambria Math" panose="02040503050406030204" pitchFamily="18" charset="0"/>
+                            </a:rPr>
+                            <m:t>e</m:t>
+                          </m:r>
+                        </m:e>
+                        <m:sup>
+                          <m:r>
+                            <m:rPr>
+                              <m:sty m:val="p"/>
+                            </m:rPr>
+                            <a:rPr lang="en-GB" sz="1600" b="0" i="0" smtClean="0">
+                              <a:latin typeface="Cambria Math" panose="02040503050406030204" pitchFamily="18" charset="0"/>
+                            </a:rPr>
+                            <m:t>log</m:t>
+                          </m:r>
+                          <m:d>
+                            <m:dPr>
+                              <m:ctrlPr>
+                                <a:rPr lang="en-GB" sz="1600" b="0" i="0" smtClean="0">
+                                  <a:latin typeface="Cambria Math" panose="02040503050406030204" pitchFamily="18" charset="0"/>
+                                </a:rPr>
+                              </m:ctrlPr>
+                            </m:dPr>
+                            <m:e>
+                              <m:r>
+                                <m:rPr>
+                                  <m:sty m:val="p"/>
+                                </m:rPr>
+                                <a:rPr lang="en-GB" sz="1600" b="0" i="0" smtClean="0">
+                                  <a:latin typeface="Cambria Math" panose="02040503050406030204" pitchFamily="18" charset="0"/>
+                                </a:rPr>
+                                <m:t>x</m:t>
+                              </m:r>
+                            </m:e>
+                          </m:d>
+                        </m:sup>
+                      </m:sSup>
+                    </m:oMath>
+                  </m:oMathPara>
+                </a14:m>
+                <a:endParaRPr lang="en-GB" sz="1600" dirty="0"/>
+              </a:p>
+            </p:txBody>
+          </p:sp>
+        </mc:Choice>
+        <mc:Fallback>
+          <p:sp>
+            <p:nvSpPr>
+              <p:cNvPr id="29" name="TextBox 28">
+                <a:extLst>
+                  <a:ext uri="{FF2B5EF4-FFF2-40B4-BE49-F238E27FC236}">
+                    <a16:creationId xmlns:a16="http://schemas.microsoft.com/office/drawing/2014/main" id="{B9CEE68B-8079-4291-B0F6-78A6FE372113}"/>
+                  </a:ext>
+                </a:extLst>
+              </p:cNvPr>
+              <p:cNvSpPr txBox="1">
+                <a:spLocks noRot="1" noChangeAspect="1" noMove="1" noResize="1" noEditPoints="1" noAdjustHandles="1" noChangeArrowheads="1" noChangeShapeType="1" noTextEdit="1"/>
+              </p:cNvSpPr>
+              <p:nvPr/>
+            </p:nvSpPr>
+            <p:spPr>
+              <a:xfrm>
+                <a:off x="9535357" y="2877375"/>
+                <a:ext cx="1466555" cy="262892"/>
+              </a:xfrm>
+              <a:prstGeom prst="rect">
+                <a:avLst/>
+              </a:prstGeom>
+              <a:blipFill>
+                <a:blip r:embed="rId13"/>
+                <a:stretch>
+                  <a:fillRect l="-3689" b="-26087"/>
+                </a:stretch>
+              </a:blipFill>
+              <a:ln w="15875">
+                <a:solidFill>
+                  <a:schemeClr val="tx1">
+                    <a:lumMod val="85000"/>
+                    <a:lumOff val="15000"/>
+                  </a:schemeClr>
+                </a:solidFill>
+              </a:ln>
+            </p:spPr>
+            <p:txBody>
+              <a:bodyPr/>
+              <a:lstStyle/>
+              <a:p>
+                <a:r>
+                  <a:rPr lang="en-GB">
+                    <a:noFill/>
+                  </a:rPr>
+                  <a:t> </a:t>
+                </a:r>
+              </a:p>
+            </p:txBody>
+          </p:sp>
+        </mc:Fallback>
+      </mc:AlternateContent>
+      <mc:AlternateContent xmlns:mc="http://schemas.openxmlformats.org/markup-compatibility/2006">
+        <mc:Choice xmlns:a14="http://schemas.microsoft.com/office/drawing/2010/main" Requires="a14">
+          <p:sp>
+            <p:nvSpPr>
+              <p:cNvPr id="30" name="TextBox 29">
+                <a:extLst>
+                  <a:ext uri="{FF2B5EF4-FFF2-40B4-BE49-F238E27FC236}">
+                    <a16:creationId xmlns:a16="http://schemas.microsoft.com/office/drawing/2014/main" id="{70EDFDC8-2343-4164-8A85-2D03E82DEC4C}"/>
+                  </a:ext>
+                </a:extLst>
+              </p:cNvPr>
+              <p:cNvSpPr txBox="1"/>
+              <p:nvPr/>
+            </p:nvSpPr>
+            <p:spPr>
+              <a:xfrm>
+                <a:off x="10117750" y="2464988"/>
+                <a:ext cx="1356590" cy="246221"/>
+              </a:xfrm>
+              <a:prstGeom prst="rect">
+                <a:avLst/>
+              </a:prstGeom>
+              <a:solidFill>
+                <a:schemeClr val="bg1"/>
+              </a:solidFill>
+              <a:ln w="15875">
+                <a:solidFill>
+                  <a:schemeClr val="tx1">
+                    <a:lumMod val="85000"/>
+                    <a:lumOff val="15000"/>
+                  </a:schemeClr>
+                </a:solidFill>
+              </a:ln>
+            </p:spPr>
+            <p:txBody>
+              <a:bodyPr wrap="none" lIns="0" tIns="0" rIns="0" bIns="0" rtlCol="0">
+                <a:spAutoFit/>
+              </a:bodyPr>
+              <a:lstStyle/>
+              <a:p>
+                <a:pPr/>
+                <a14:m>
+                  <m:oMathPara xmlns:m="http://schemas.openxmlformats.org/officeDocument/2006/math">
+                    <m:oMathParaPr>
+                      <m:jc m:val="centerGroup"/>
+                    </m:oMathParaPr>
+                    <m:oMath xmlns:m="http://schemas.openxmlformats.org/officeDocument/2006/math">
+                      <m:r>
+                        <a:rPr lang="en-GB" sz="1600" b="0" i="1" smtClean="0">
+                          <a:latin typeface="Cambria Math" panose="02040503050406030204" pitchFamily="18" charset="0"/>
+                        </a:rPr>
+                        <m:t>𝑔</m:t>
+                      </m:r>
+                      <m:r>
+                        <a:rPr lang="en-GB" sz="1600" b="0" i="1" smtClean="0">
+                          <a:latin typeface="Cambria Math" panose="02040503050406030204" pitchFamily="18" charset="0"/>
+                        </a:rPr>
+                        <m:t>(</m:t>
+                      </m:r>
+                      <m:r>
+                        <a:rPr lang="en-GB" sz="1600" b="0" i="1" smtClean="0">
+                          <a:latin typeface="Cambria Math" panose="02040503050406030204" pitchFamily="18" charset="0"/>
+                        </a:rPr>
+                        <m:t>𝑥</m:t>
+                      </m:r>
+                      <m:r>
+                        <a:rPr lang="en-GB" sz="1600" b="0" i="1" smtClean="0">
+                          <a:latin typeface="Cambria Math" panose="02040503050406030204" pitchFamily="18" charset="0"/>
+                        </a:rPr>
+                        <m:t>)=</m:t>
+                      </m:r>
+                      <m:r>
+                        <m:rPr>
+                          <m:sty m:val="p"/>
+                        </m:rPr>
+                        <a:rPr lang="en-GB" sz="1600" b="0" i="0" smtClean="0">
+                          <a:latin typeface="Cambria Math" panose="02040503050406030204" pitchFamily="18" charset="0"/>
+                        </a:rPr>
+                        <m:t>lo</m:t>
+                      </m:r>
+                      <m:r>
+                        <a:rPr lang="en-GB" sz="1600" b="0" i="1" smtClean="0">
+                          <a:latin typeface="Cambria Math" panose="02040503050406030204" pitchFamily="18" charset="0"/>
+                        </a:rPr>
+                        <m:t>𝑔</m:t>
+                      </m:r>
+                      <m:r>
+                        <a:rPr lang="en-GB" sz="1600" b="0" i="1" smtClean="0">
+                          <a:latin typeface="Cambria Math" panose="02040503050406030204" pitchFamily="18" charset="0"/>
+                        </a:rPr>
+                        <m:t>⁡(</m:t>
+                      </m:r>
+                      <m:r>
+                        <a:rPr lang="en-GB" sz="1600" b="0" i="1" smtClean="0">
+                          <a:latin typeface="Cambria Math" panose="02040503050406030204" pitchFamily="18" charset="0"/>
+                        </a:rPr>
+                        <m:t>𝑥</m:t>
+                      </m:r>
+                      <m:r>
+                        <a:rPr lang="en-GB" sz="1600" b="0" i="1" smtClean="0">
+                          <a:latin typeface="Cambria Math" panose="02040503050406030204" pitchFamily="18" charset="0"/>
+                        </a:rPr>
+                        <m:t>)</m:t>
+                      </m:r>
+                    </m:oMath>
+                  </m:oMathPara>
+                </a14:m>
+                <a:endParaRPr lang="en-GB" sz="1600" dirty="0"/>
+              </a:p>
+            </p:txBody>
+          </p:sp>
+        </mc:Choice>
+        <mc:Fallback>
+          <p:sp>
+            <p:nvSpPr>
+              <p:cNvPr id="30" name="TextBox 29">
+                <a:extLst>
+                  <a:ext uri="{FF2B5EF4-FFF2-40B4-BE49-F238E27FC236}">
+                    <a16:creationId xmlns:a16="http://schemas.microsoft.com/office/drawing/2014/main" id="{70EDFDC8-2343-4164-8A85-2D03E82DEC4C}"/>
+                  </a:ext>
+                </a:extLst>
+              </p:cNvPr>
+              <p:cNvSpPr txBox="1">
+                <a:spLocks noRot="1" noChangeAspect="1" noMove="1" noResize="1" noEditPoints="1" noAdjustHandles="1" noChangeArrowheads="1" noChangeShapeType="1" noTextEdit="1"/>
+              </p:cNvSpPr>
+              <p:nvPr/>
+            </p:nvSpPr>
+            <p:spPr>
+              <a:xfrm>
+                <a:off x="10117750" y="2464988"/>
+                <a:ext cx="1356590" cy="246221"/>
+              </a:xfrm>
+              <a:prstGeom prst="rect">
+                <a:avLst/>
+              </a:prstGeom>
+              <a:blipFill>
+                <a:blip r:embed="rId14"/>
+                <a:stretch>
+                  <a:fillRect l="-889" r="-2222" b="-25000"/>
+                </a:stretch>
+              </a:blipFill>
+              <a:ln w="15875">
+                <a:solidFill>
+                  <a:schemeClr val="tx1">
+                    <a:lumMod val="85000"/>
+                    <a:lumOff val="15000"/>
+                  </a:schemeClr>
+                </a:solidFill>
+              </a:ln>
+            </p:spPr>
+            <p:txBody>
+              <a:bodyPr/>
+              <a:lstStyle/>
+              <a:p>
+                <a:r>
+                  <a:rPr lang="en-GB">
+                    <a:noFill/>
+                  </a:rPr>
+                  <a:t> </a:t>
+                </a:r>
+              </a:p>
+            </p:txBody>
+          </p:sp>
+        </mc:Fallback>
+      </mc:AlternateContent>
+      <mc:AlternateContent xmlns:mc="http://schemas.openxmlformats.org/markup-compatibility/2006">
+        <mc:Choice xmlns:a14="http://schemas.microsoft.com/office/drawing/2010/main" Requires="a14">
+          <p:sp>
+            <p:nvSpPr>
+              <p:cNvPr id="31" name="TextBox 30">
+                <a:extLst>
+                  <a:ext uri="{FF2B5EF4-FFF2-40B4-BE49-F238E27FC236}">
+                    <a16:creationId xmlns:a16="http://schemas.microsoft.com/office/drawing/2014/main" id="{0C4C659F-D8EB-4063-B7CD-12448B72D8CC}"/>
+                  </a:ext>
+                </a:extLst>
+              </p:cNvPr>
+              <p:cNvSpPr txBox="1"/>
+              <p:nvPr/>
+            </p:nvSpPr>
+            <p:spPr>
+              <a:xfrm>
+                <a:off x="9003420" y="2464989"/>
+                <a:ext cx="937244" cy="246221"/>
+              </a:xfrm>
+              <a:prstGeom prst="rect">
+                <a:avLst/>
+              </a:prstGeom>
+              <a:solidFill>
+                <a:schemeClr val="bg1"/>
+              </a:solidFill>
+              <a:ln w="15875">
+                <a:solidFill>
+                  <a:schemeClr val="tx1">
+                    <a:lumMod val="85000"/>
+                    <a:lumOff val="15000"/>
+                  </a:schemeClr>
+                </a:solidFill>
+              </a:ln>
+            </p:spPr>
+            <p:txBody>
+              <a:bodyPr wrap="none" lIns="0" tIns="0" rIns="0" bIns="0" rtlCol="0">
+                <a:spAutoFit/>
+              </a:bodyPr>
+              <a:lstStyle/>
+              <a:p>
+                <a:pPr/>
+                <a14:m>
+                  <m:oMathPara xmlns:m="http://schemas.openxmlformats.org/officeDocument/2006/math">
+                    <m:oMathParaPr>
+                      <m:jc m:val="centerGroup"/>
+                    </m:oMathParaPr>
+                    <m:oMath xmlns:m="http://schemas.openxmlformats.org/officeDocument/2006/math">
+                      <m:r>
+                        <a:rPr lang="en-GB" sz="1600" b="0" i="1" smtClean="0">
+                          <a:latin typeface="Cambria Math" panose="02040503050406030204" pitchFamily="18" charset="0"/>
+                        </a:rPr>
+                        <m:t>𝑓</m:t>
+                      </m:r>
+                      <m:d>
+                        <m:dPr>
+                          <m:ctrlPr>
+                            <a:rPr lang="en-GB" sz="1600" b="0" i="1" smtClean="0">
+                              <a:latin typeface="Cambria Math" panose="02040503050406030204" pitchFamily="18" charset="0"/>
+                            </a:rPr>
+                          </m:ctrlPr>
+                        </m:dPr>
+                        <m:e>
+                          <m:r>
+                            <a:rPr lang="en-GB" sz="1600" b="0" i="1" smtClean="0">
+                              <a:latin typeface="Cambria Math" panose="02040503050406030204" pitchFamily="18" charset="0"/>
+                            </a:rPr>
+                            <m:t>𝑥</m:t>
+                          </m:r>
+                        </m:e>
+                      </m:d>
+                      <m:r>
+                        <a:rPr lang="en-GB" sz="1600" b="0" i="1" smtClean="0">
+                          <a:latin typeface="Cambria Math" panose="02040503050406030204" pitchFamily="18" charset="0"/>
+                        </a:rPr>
+                        <m:t>=</m:t>
+                      </m:r>
+                      <m:sSup>
+                        <m:sSupPr>
+                          <m:ctrlPr>
+                            <a:rPr lang="en-GB" sz="1600" b="0" i="1" smtClean="0">
+                              <a:latin typeface="Cambria Math" panose="02040503050406030204" pitchFamily="18" charset="0"/>
+                            </a:rPr>
+                          </m:ctrlPr>
+                        </m:sSupPr>
+                        <m:e>
+                          <m:r>
+                            <a:rPr lang="en-GB" sz="1600" b="0" i="1" smtClean="0">
+                              <a:latin typeface="Cambria Math" panose="02040503050406030204" pitchFamily="18" charset="0"/>
+                            </a:rPr>
+                            <m:t>𝑒</m:t>
+                          </m:r>
+                        </m:e>
+                        <m:sup>
+                          <m:r>
+                            <a:rPr lang="en-GB" sz="1600" b="0" i="1" smtClean="0">
+                              <a:latin typeface="Cambria Math" panose="02040503050406030204" pitchFamily="18" charset="0"/>
+                            </a:rPr>
+                            <m:t>𝑥</m:t>
+                          </m:r>
+                        </m:sup>
+                      </m:sSup>
+                    </m:oMath>
+                  </m:oMathPara>
+                </a14:m>
+                <a:endParaRPr lang="en-GB" sz="1600" dirty="0"/>
+              </a:p>
+            </p:txBody>
+          </p:sp>
+        </mc:Choice>
+        <mc:Fallback>
+          <p:sp>
+            <p:nvSpPr>
+              <p:cNvPr id="31" name="TextBox 30">
+                <a:extLst>
+                  <a:ext uri="{FF2B5EF4-FFF2-40B4-BE49-F238E27FC236}">
+                    <a16:creationId xmlns:a16="http://schemas.microsoft.com/office/drawing/2014/main" id="{0C4C659F-D8EB-4063-B7CD-12448B72D8CC}"/>
+                  </a:ext>
+                </a:extLst>
+              </p:cNvPr>
+              <p:cNvSpPr txBox="1">
+                <a:spLocks noRot="1" noChangeAspect="1" noMove="1" noResize="1" noEditPoints="1" noAdjustHandles="1" noChangeArrowheads="1" noChangeShapeType="1" noTextEdit="1"/>
+              </p:cNvSpPr>
+              <p:nvPr/>
+            </p:nvSpPr>
+            <p:spPr>
+              <a:xfrm>
+                <a:off x="9003420" y="2464989"/>
+                <a:ext cx="937244" cy="246221"/>
+              </a:xfrm>
+              <a:prstGeom prst="rect">
+                <a:avLst/>
+              </a:prstGeom>
+              <a:blipFill>
+                <a:blip r:embed="rId15"/>
+                <a:stretch>
+                  <a:fillRect l="-7006" b="-25000"/>
+                </a:stretch>
+              </a:blipFill>
+              <a:ln w="15875">
+                <a:solidFill>
+                  <a:schemeClr val="tx1">
+                    <a:lumMod val="85000"/>
+                    <a:lumOff val="15000"/>
+                  </a:schemeClr>
+                </a:solidFill>
+              </a:ln>
+            </p:spPr>
+            <p:txBody>
+              <a:bodyPr/>
+              <a:lstStyle/>
+              <a:p>
+                <a:r>
+                  <a:rPr lang="en-GB">
+                    <a:noFill/>
+                  </a:rPr>
+                  <a:t> </a:t>
+                </a:r>
+              </a:p>
+            </p:txBody>
+          </p:sp>
+        </mc:Fallback>
+      </mc:AlternateContent>
+    </p:spTree>
+    <p:extLst>
+      <p:ext uri="{BB962C8B-B14F-4D97-AF65-F5344CB8AC3E}">
+        <p14:creationId xmlns:p14="http://schemas.microsoft.com/office/powerpoint/2010/main" val="2922060990"/>
+      </p:ext>
+    </p:extLst>
+  </p:cSld>
+  <p:clrMapOvr>
+    <a:masterClrMapping/>
+  </p:clrMapOvr>
+</p:sld>
+</file>
+
+<file path=ppt/slides/slide13.xml><?xml version="1.0" encoding="utf-8"?>
+<p:sld xmlns:a="http://schemas.openxmlformats.org/drawingml/2006/main" xmlns:r="http://schemas.openxmlformats.org/officeDocument/2006/relationships" xmlns:p="http://schemas.openxmlformats.org/presentationml/2006/main">
+  <p:cSld>
+    <p:spTree>
+      <p:nvGrpSpPr>
+        <p:cNvPr id="1" name=""/>
+        <p:cNvGrpSpPr/>
+        <p:nvPr/>
+      </p:nvGrpSpPr>
+      <p:grpSpPr>
+        <a:xfrm>
+          <a:off x="0" y="0"/>
+          <a:ext cx="0" cy="0"/>
+          <a:chOff x="0" y="0"/>
+          <a:chExt cx="0" cy="0"/>
+        </a:xfrm>
+      </p:grpSpPr>
+      <p:pic>
+        <p:nvPicPr>
           <p:cNvPr id="4" name="Picture 3">
             <a:extLst>
               <a:ext uri="{FF2B5EF4-FFF2-40B4-BE49-F238E27FC236}">
@@ -4553,7 +9048,7 @@
 </p:sld>
 </file>
 
-<file path=ppt/slides/slide11.xml><?xml version="1.0" encoding="utf-8"?>
+<file path=ppt/slides/slide14.xml><?xml version="1.0" encoding="utf-8"?>
 <p:sld xmlns:a="http://schemas.openxmlformats.org/drawingml/2006/main" xmlns:r="http://schemas.openxmlformats.org/officeDocument/2006/relationships" xmlns:p="http://schemas.openxmlformats.org/presentationml/2006/main">
   <p:cSld>
     <p:spTree>
@@ -8006,8 +12501,8 @@
           </a:p>
         </p:txBody>
       </p:sp>
-      <mc:AlternateContent xmlns:mc="http://schemas.openxmlformats.org/markup-compatibility/2006">
-        <mc:Choice xmlns:a14="http://schemas.microsoft.com/office/drawing/2010/main" Requires="a14">
+      <mc:AlternateContent xmlns:mc="http://schemas.openxmlformats.org/markup-compatibility/2006" xmlns:a14="http://schemas.microsoft.com/office/drawing/2010/main">
+        <mc:Choice Requires="a14">
           <p:sp>
             <p:nvSpPr>
               <p:cNvPr id="58" name="TextBox 57">
@@ -8036,6 +12531,7 @@
               </a:bodyPr>
               <a:lstStyle/>
               <a:p>
+                <a:pPr/>
                 <a14:m>
                   <m:oMathPara xmlns:m="http://schemas.openxmlformats.org/officeDocument/2006/math">
                     <m:oMathParaPr>
@@ -8090,7 +12586,7 @@
             </p:txBody>
           </p:sp>
         </mc:Choice>
-        <mc:Fallback>
+        <mc:Fallback xmlns="">
           <p:sp>
             <p:nvSpPr>
               <p:cNvPr id="58" name="TextBox 57">
@@ -8135,8 +12631,8 @@
           </p:sp>
         </mc:Fallback>
       </mc:AlternateContent>
-      <mc:AlternateContent xmlns:mc="http://schemas.openxmlformats.org/markup-compatibility/2006">
-        <mc:Choice xmlns:a14="http://schemas.microsoft.com/office/drawing/2010/main" Requires="a14">
+      <mc:AlternateContent xmlns:mc="http://schemas.openxmlformats.org/markup-compatibility/2006" xmlns:a14="http://schemas.microsoft.com/office/drawing/2010/main">
+        <mc:Choice Requires="a14">
           <p:sp>
             <p:nvSpPr>
               <p:cNvPr id="60" name="TextBox 59">
@@ -8165,6 +12661,7 @@
               </a:bodyPr>
               <a:lstStyle/>
               <a:p>
+                <a:pPr/>
                 <a14:m>
                   <m:oMathPara xmlns:m="http://schemas.openxmlformats.org/officeDocument/2006/math">
                     <m:oMathParaPr>
@@ -8219,7 +12716,7 @@
             </p:txBody>
           </p:sp>
         </mc:Choice>
-        <mc:Fallback>
+        <mc:Fallback xmlns="">
           <p:sp>
             <p:nvSpPr>
               <p:cNvPr id="60" name="TextBox 59">
@@ -8264,8 +12761,8 @@
           </p:sp>
         </mc:Fallback>
       </mc:AlternateContent>
-      <mc:AlternateContent xmlns:mc="http://schemas.openxmlformats.org/markup-compatibility/2006">
-        <mc:Choice xmlns:a14="http://schemas.microsoft.com/office/drawing/2010/main" Requires="a14">
+      <mc:AlternateContent xmlns:mc="http://schemas.openxmlformats.org/markup-compatibility/2006" xmlns:a14="http://schemas.microsoft.com/office/drawing/2010/main">
+        <mc:Choice Requires="a14">
           <p:sp>
             <p:nvSpPr>
               <p:cNvPr id="62" name="TextBox 61">
@@ -8294,6 +12791,7 @@
               </a:bodyPr>
               <a:lstStyle/>
               <a:p>
+                <a:pPr/>
                 <a14:m>
                   <m:oMathPara xmlns:m="http://schemas.openxmlformats.org/officeDocument/2006/math">
                     <m:oMathParaPr>
@@ -8303,7 +12801,7 @@
                       <m:sSup>
                         <m:sSupPr>
                           <m:ctrlPr>
-                            <a:rPr lang="en-GB" sz="2000" smtClean="0">
+                            <a:rPr lang="en-GB" sz="2000" i="1" smtClean="0">
                               <a:solidFill>
                                 <a:srgbClr val="836967"/>
                               </a:solidFill>
@@ -8348,7 +12846,7 @@
             </p:txBody>
           </p:sp>
         </mc:Choice>
-        <mc:Fallback>
+        <mc:Fallback xmlns="">
           <p:sp>
             <p:nvSpPr>
               <p:cNvPr id="62" name="TextBox 61">
@@ -8393,8 +12891,8 @@
           </p:sp>
         </mc:Fallback>
       </mc:AlternateContent>
-      <mc:AlternateContent xmlns:mc="http://schemas.openxmlformats.org/markup-compatibility/2006">
-        <mc:Choice xmlns:a14="http://schemas.microsoft.com/office/drawing/2010/main" Requires="a14">
+      <mc:AlternateContent xmlns:mc="http://schemas.openxmlformats.org/markup-compatibility/2006" xmlns:a14="http://schemas.microsoft.com/office/drawing/2010/main">
+        <mc:Choice Requires="a14">
           <p:sp>
             <p:nvSpPr>
               <p:cNvPr id="63" name="TextBox 62">
@@ -8423,6 +12921,7 @@
               </a:bodyPr>
               <a:lstStyle/>
               <a:p>
+                <a:pPr/>
                 <a14:m>
                   <m:oMathPara xmlns:m="http://schemas.openxmlformats.org/officeDocument/2006/math">
                     <m:oMathParaPr>
@@ -8433,7 +12932,7 @@
                         <m:radPr>
                           <m:degHide m:val="on"/>
                           <m:ctrlPr>
-                            <a:rPr lang="en-GB" sz="2000" smtClean="0">
+                            <a:rPr lang="en-GB" sz="2000" i="1" smtClean="0">
                               <a:solidFill>
                                 <a:schemeClr val="tx1"/>
                               </a:solidFill>
@@ -8446,7 +12945,7 @@
                           <m:sSup>
                             <m:sSupPr>
                               <m:ctrlPr>
-                                <a:rPr lang="en-GB" sz="2000">
+                                <a:rPr lang="en-GB" sz="2000" i="1">
                                   <a:solidFill>
                                     <a:schemeClr val="tx1"/>
                                   </a:solidFill>
@@ -8525,7 +13024,7 @@
             </p:txBody>
           </p:sp>
         </mc:Choice>
-        <mc:Fallback>
+        <mc:Fallback xmlns="">
           <p:sp>
             <p:nvSpPr>
               <p:cNvPr id="63" name="TextBox 62">
@@ -8570,8 +13069,8 @@
           </p:sp>
         </mc:Fallback>
       </mc:AlternateContent>
-      <mc:AlternateContent xmlns:mc="http://schemas.openxmlformats.org/markup-compatibility/2006">
-        <mc:Choice xmlns:a14="http://schemas.microsoft.com/office/drawing/2010/main" Requires="a14">
+      <mc:AlternateContent xmlns:mc="http://schemas.openxmlformats.org/markup-compatibility/2006" xmlns:a14="http://schemas.microsoft.com/office/drawing/2010/main">
+        <mc:Choice Requires="a14">
           <p:sp>
             <p:nvSpPr>
               <p:cNvPr id="64" name="TextBox 63">
@@ -8600,6 +13099,7 @@
               </a:bodyPr>
               <a:lstStyle/>
               <a:p>
+                <a:pPr/>
                 <a14:m>
                   <m:oMathPara xmlns:m="http://schemas.openxmlformats.org/officeDocument/2006/math">
                     <m:oMathParaPr>
@@ -8651,7 +13151,7 @@
             </p:txBody>
           </p:sp>
         </mc:Choice>
-        <mc:Fallback>
+        <mc:Fallback xmlns="">
           <p:sp>
             <p:nvSpPr>
               <p:cNvPr id="64" name="TextBox 63">
@@ -8766,8 +13266,8 @@
           </a:p>
         </p:txBody>
       </p:sp>
-      <mc:AlternateContent xmlns:mc="http://schemas.openxmlformats.org/markup-compatibility/2006">
-        <mc:Choice xmlns:a14="http://schemas.microsoft.com/office/drawing/2010/main" Requires="a14">
+      <mc:AlternateContent xmlns:mc="http://schemas.openxmlformats.org/markup-compatibility/2006" xmlns:a14="http://schemas.microsoft.com/office/drawing/2010/main">
+        <mc:Choice Requires="a14">
           <p:sp>
             <p:nvSpPr>
               <p:cNvPr id="67" name="TextBox 66">
@@ -8796,6 +13296,7 @@
               </a:bodyPr>
               <a:lstStyle/>
               <a:p>
+                <a:pPr/>
                 <a14:m>
                   <m:oMathPara xmlns:m="http://schemas.openxmlformats.org/officeDocument/2006/math">
                     <m:oMathParaPr>
@@ -8850,7 +13351,7 @@
             </p:txBody>
           </p:sp>
         </mc:Choice>
-        <mc:Fallback>
+        <mc:Fallback xmlns="">
           <p:sp>
             <p:nvSpPr>
               <p:cNvPr id="67" name="TextBox 66">
@@ -8895,8 +13396,8 @@
           </p:sp>
         </mc:Fallback>
       </mc:AlternateContent>
-      <mc:AlternateContent xmlns:mc="http://schemas.openxmlformats.org/markup-compatibility/2006">
-        <mc:Choice xmlns:a14="http://schemas.microsoft.com/office/drawing/2010/main" Requires="a14">
+      <mc:AlternateContent xmlns:mc="http://schemas.openxmlformats.org/markup-compatibility/2006" xmlns:a14="http://schemas.microsoft.com/office/drawing/2010/main">
+        <mc:Choice Requires="a14">
           <p:sp>
             <p:nvSpPr>
               <p:cNvPr id="68" name="TextBox 67">
@@ -8925,6 +13426,7 @@
               </a:bodyPr>
               <a:lstStyle/>
               <a:p>
+                <a:pPr/>
                 <a14:m>
                   <m:oMathPara xmlns:m="http://schemas.openxmlformats.org/officeDocument/2006/math">
                     <m:oMathParaPr>
@@ -8976,7 +13478,7 @@
             </p:txBody>
           </p:sp>
         </mc:Choice>
-        <mc:Fallback>
+        <mc:Fallback xmlns="">
           <p:sp>
             <p:nvSpPr>
               <p:cNvPr id="68" name="TextBox 67">
@@ -9021,8 +13523,8 @@
           </p:sp>
         </mc:Fallback>
       </mc:AlternateContent>
-      <mc:AlternateContent xmlns:mc="http://schemas.openxmlformats.org/markup-compatibility/2006">
-        <mc:Choice xmlns:a14="http://schemas.microsoft.com/office/drawing/2010/main" Requires="a14">
+      <mc:AlternateContent xmlns:mc="http://schemas.openxmlformats.org/markup-compatibility/2006" xmlns:a14="http://schemas.microsoft.com/office/drawing/2010/main">
+        <mc:Choice Requires="a14">
           <p:sp>
             <p:nvSpPr>
               <p:cNvPr id="69" name="TextBox 68">
@@ -9079,7 +13581,7 @@
             </p:txBody>
           </p:sp>
         </mc:Choice>
-        <mc:Fallback>
+        <mc:Fallback xmlns="">
           <p:sp>
             <p:nvSpPr>
               <p:cNvPr id="69" name="TextBox 68">
@@ -9640,8 +14142,8 @@
           </a:p>
         </p:txBody>
       </p:sp>
-      <mc:AlternateContent xmlns:mc="http://schemas.openxmlformats.org/markup-compatibility/2006">
-        <mc:Choice xmlns:a14="http://schemas.microsoft.com/office/drawing/2010/main" Requires="a14">
+      <mc:AlternateContent xmlns:mc="http://schemas.openxmlformats.org/markup-compatibility/2006" xmlns:a14="http://schemas.microsoft.com/office/drawing/2010/main">
+        <mc:Choice Requires="a14">
           <p:sp>
             <p:nvSpPr>
               <p:cNvPr id="2" name="TextBox 1">
@@ -9670,6 +14172,7 @@
               </a:bodyPr>
               <a:lstStyle/>
               <a:p>
+                <a:pPr/>
                 <a14:m>
                   <m:oMathPara xmlns:m="http://schemas.openxmlformats.org/officeDocument/2006/math">
                     <m:oMathParaPr>
@@ -9724,7 +14227,7 @@
             </p:txBody>
           </p:sp>
         </mc:Choice>
-        <mc:Fallback>
+        <mc:Fallback xmlns="">
           <p:sp>
             <p:nvSpPr>
               <p:cNvPr id="2" name="TextBox 1">
@@ -9769,8 +14272,8 @@
           </p:sp>
         </mc:Fallback>
       </mc:AlternateContent>
-      <mc:AlternateContent xmlns:mc="http://schemas.openxmlformats.org/markup-compatibility/2006">
-        <mc:Choice xmlns:a14="http://schemas.microsoft.com/office/drawing/2010/main" Requires="a14">
+      <mc:AlternateContent xmlns:mc="http://schemas.openxmlformats.org/markup-compatibility/2006" xmlns:a14="http://schemas.microsoft.com/office/drawing/2010/main">
+        <mc:Choice Requires="a14">
           <p:sp>
             <p:nvSpPr>
               <p:cNvPr id="26" name="TextBox 25">
@@ -9799,6 +14302,7 @@
               </a:bodyPr>
               <a:lstStyle/>
               <a:p>
+                <a:pPr/>
                 <a14:m>
                   <m:oMathPara xmlns:m="http://schemas.openxmlformats.org/officeDocument/2006/math">
                     <m:oMathParaPr>
@@ -9853,7 +14357,7 @@
             </p:txBody>
           </p:sp>
         </mc:Choice>
-        <mc:Fallback>
+        <mc:Fallback xmlns="">
           <p:sp>
             <p:nvSpPr>
               <p:cNvPr id="26" name="TextBox 25">
@@ -9933,8 +14437,8 @@
           </a:p>
         </p:txBody>
       </p:sp>
-      <mc:AlternateContent xmlns:mc="http://schemas.openxmlformats.org/markup-compatibility/2006">
-        <mc:Choice xmlns:a14="http://schemas.microsoft.com/office/drawing/2010/main" Requires="a14">
+      <mc:AlternateContent xmlns:mc="http://schemas.openxmlformats.org/markup-compatibility/2006" xmlns:a14="http://schemas.microsoft.com/office/drawing/2010/main">
+        <mc:Choice Requires="a14">
           <p:sp>
             <p:nvSpPr>
               <p:cNvPr id="3" name="TextBox 2">
@@ -9963,6 +14467,7 @@
               </a:bodyPr>
               <a:lstStyle/>
               <a:p>
+                <a:pPr/>
                 <a14:m>
                   <m:oMathPara xmlns:m="http://schemas.openxmlformats.org/officeDocument/2006/math">
                     <m:oMathParaPr>
@@ -10053,7 +14558,7 @@
             </p:txBody>
           </p:sp>
         </mc:Choice>
-        <mc:Fallback>
+        <mc:Fallback xmlns="">
           <p:sp>
             <p:nvSpPr>
               <p:cNvPr id="3" name="TextBox 2">
@@ -10098,8 +14603,8 @@
           </p:sp>
         </mc:Fallback>
       </mc:AlternateContent>
-      <mc:AlternateContent xmlns:mc="http://schemas.openxmlformats.org/markup-compatibility/2006">
-        <mc:Choice xmlns:a14="http://schemas.microsoft.com/office/drawing/2010/main" Requires="a14">
+      <mc:AlternateContent xmlns:mc="http://schemas.openxmlformats.org/markup-compatibility/2006" xmlns:a14="http://schemas.microsoft.com/office/drawing/2010/main">
+        <mc:Choice Requires="a14">
           <p:sp>
             <p:nvSpPr>
               <p:cNvPr id="28" name="TextBox 27">
@@ -10156,7 +14661,7 @@
             </p:txBody>
           </p:sp>
         </mc:Choice>
-        <mc:Fallback>
+        <mc:Fallback xmlns="">
           <p:sp>
             <p:nvSpPr>
               <p:cNvPr id="28" name="TextBox 27">
@@ -10201,8 +14706,8 @@
           </p:sp>
         </mc:Fallback>
       </mc:AlternateContent>
-      <mc:AlternateContent xmlns:mc="http://schemas.openxmlformats.org/markup-compatibility/2006">
-        <mc:Choice xmlns:a14="http://schemas.microsoft.com/office/drawing/2010/main" Requires="a14">
+      <mc:AlternateContent xmlns:mc="http://schemas.openxmlformats.org/markup-compatibility/2006" xmlns:a14="http://schemas.microsoft.com/office/drawing/2010/main">
+        <mc:Choice Requires="a14">
           <p:sp>
             <p:nvSpPr>
               <p:cNvPr id="29" name="TextBox 28">
@@ -10231,6 +14736,7 @@
               </a:bodyPr>
               <a:lstStyle/>
               <a:p>
+                <a:pPr/>
                 <a14:m>
                   <m:oMathPara xmlns:m="http://schemas.openxmlformats.org/officeDocument/2006/math">
                     <m:oMathParaPr>
@@ -10321,7 +14827,7 @@
             </p:txBody>
           </p:sp>
         </mc:Choice>
-        <mc:Fallback>
+        <mc:Fallback xmlns="">
           <p:sp>
             <p:nvSpPr>
               <p:cNvPr id="29" name="TextBox 28">
@@ -10366,8 +14872,8 @@
           </p:sp>
         </mc:Fallback>
       </mc:AlternateContent>
-      <mc:AlternateContent xmlns:mc="http://schemas.openxmlformats.org/markup-compatibility/2006">
-        <mc:Choice xmlns:a14="http://schemas.microsoft.com/office/drawing/2010/main" Requires="a14">
+      <mc:AlternateContent xmlns:mc="http://schemas.openxmlformats.org/markup-compatibility/2006" xmlns:a14="http://schemas.microsoft.com/office/drawing/2010/main">
+        <mc:Choice Requires="a14">
           <p:sp>
             <p:nvSpPr>
               <p:cNvPr id="30" name="TextBox 29">
@@ -10396,6 +14902,7 @@
               </a:bodyPr>
               <a:lstStyle/>
               <a:p>
+                <a:pPr/>
                 <a14:m>
                   <m:oMathPara xmlns:m="http://schemas.openxmlformats.org/officeDocument/2006/math">
                     <m:oMathParaPr>
@@ -10450,7 +14957,7 @@
             </p:txBody>
           </p:sp>
         </mc:Choice>
-        <mc:Fallback>
+        <mc:Fallback xmlns="">
           <p:sp>
             <p:nvSpPr>
               <p:cNvPr id="30" name="TextBox 29">
@@ -10530,8 +15037,8 @@
           </a:p>
         </p:txBody>
       </p:sp>
-      <mc:AlternateContent xmlns:mc="http://schemas.openxmlformats.org/markup-compatibility/2006">
-        <mc:Choice xmlns:a14="http://schemas.microsoft.com/office/drawing/2010/main" Requires="a14">
+      <mc:AlternateContent xmlns:mc="http://schemas.openxmlformats.org/markup-compatibility/2006" xmlns:a14="http://schemas.microsoft.com/office/drawing/2010/main">
+        <mc:Choice Requires="a14">
           <p:sp>
             <p:nvSpPr>
               <p:cNvPr id="32" name="TextBox 31">
@@ -10560,6 +15067,7 @@
               </a:bodyPr>
               <a:lstStyle/>
               <a:p>
+                <a:pPr/>
                 <a14:m>
                   <m:oMathPara xmlns:m="http://schemas.openxmlformats.org/officeDocument/2006/math">
                     <m:oMathParaPr>
@@ -10653,7 +15161,7 @@
             </p:txBody>
           </p:sp>
         </mc:Choice>
-        <mc:Fallback>
+        <mc:Fallback xmlns="">
           <p:sp>
             <p:nvSpPr>
               <p:cNvPr id="32" name="TextBox 31">
@@ -10698,8 +15206,8 @@
           </p:sp>
         </mc:Fallback>
       </mc:AlternateContent>
-      <mc:AlternateContent xmlns:mc="http://schemas.openxmlformats.org/markup-compatibility/2006">
-        <mc:Choice xmlns:a14="http://schemas.microsoft.com/office/drawing/2010/main" Requires="a14">
+      <mc:AlternateContent xmlns:mc="http://schemas.openxmlformats.org/markup-compatibility/2006" xmlns:a14="http://schemas.microsoft.com/office/drawing/2010/main">
+        <mc:Choice Requires="a14">
           <p:sp>
             <p:nvSpPr>
               <p:cNvPr id="33" name="TextBox 32">
@@ -10728,6 +15236,7 @@
               </a:bodyPr>
               <a:lstStyle/>
               <a:p>
+                <a:pPr/>
                 <a14:m>
                   <m:oMathPara xmlns:m="http://schemas.openxmlformats.org/officeDocument/2006/math">
                     <m:oMathParaPr>
@@ -10794,7 +15303,7 @@
             </p:txBody>
           </p:sp>
         </mc:Choice>
-        <mc:Fallback>
+        <mc:Fallback xmlns="">
           <p:sp>
             <p:nvSpPr>
               <p:cNvPr id="33" name="TextBox 32">
@@ -11541,8 +16050,8 @@
           </a:fontRef>
         </p:style>
       </p:cxnSp>
-      <mc:AlternateContent xmlns:mc="http://schemas.openxmlformats.org/markup-compatibility/2006">
-        <mc:Choice xmlns:a14="http://schemas.microsoft.com/office/drawing/2010/main" Requires="a14">
+      <mc:AlternateContent xmlns:mc="http://schemas.openxmlformats.org/markup-compatibility/2006" xmlns:a14="http://schemas.microsoft.com/office/drawing/2010/main">
+        <mc:Choice Requires="a14">
           <p:sp>
             <p:nvSpPr>
               <p:cNvPr id="38" name="TextBox 37">
@@ -11571,6 +16080,7 @@
               </a:bodyPr>
               <a:lstStyle/>
               <a:p>
+                <a:pPr/>
                 <a14:m>
                   <m:oMathPara xmlns:m="http://schemas.openxmlformats.org/officeDocument/2006/math">
                     <m:oMathParaPr>
@@ -11661,7 +16171,7 @@
             </p:txBody>
           </p:sp>
         </mc:Choice>
-        <mc:Fallback>
+        <mc:Fallback xmlns="">
           <p:sp>
             <p:nvSpPr>
               <p:cNvPr id="38" name="TextBox 37">
@@ -11706,8 +16216,8 @@
           </p:sp>
         </mc:Fallback>
       </mc:AlternateContent>
-      <mc:AlternateContent xmlns:mc="http://schemas.openxmlformats.org/markup-compatibility/2006">
-        <mc:Choice xmlns:a14="http://schemas.microsoft.com/office/drawing/2010/main" Requires="a14">
+      <mc:AlternateContent xmlns:mc="http://schemas.openxmlformats.org/markup-compatibility/2006" xmlns:a14="http://schemas.microsoft.com/office/drawing/2010/main">
+        <mc:Choice Requires="a14">
           <p:sp>
             <p:nvSpPr>
               <p:cNvPr id="45" name="TextBox 44">
@@ -11736,6 +16246,7 @@
               </a:bodyPr>
               <a:lstStyle/>
               <a:p>
+                <a:pPr/>
                 <a14:m>
                   <m:oMathPara xmlns:m="http://schemas.openxmlformats.org/officeDocument/2006/math">
                     <m:oMathParaPr>
@@ -11804,7 +16315,7 @@
             </p:txBody>
           </p:sp>
         </mc:Choice>
-        <mc:Fallback>
+        <mc:Fallback xmlns="">
           <p:sp>
             <p:nvSpPr>
               <p:cNvPr id="45" name="TextBox 44">
@@ -11849,8 +16360,8 @@
           </p:sp>
         </mc:Fallback>
       </mc:AlternateContent>
-      <mc:AlternateContent xmlns:mc="http://schemas.openxmlformats.org/markup-compatibility/2006">
-        <mc:Choice xmlns:a14="http://schemas.microsoft.com/office/drawing/2010/main" Requires="a14">
+      <mc:AlternateContent xmlns:mc="http://schemas.openxmlformats.org/markup-compatibility/2006" xmlns:a14="http://schemas.microsoft.com/office/drawing/2010/main">
+        <mc:Choice Requires="a14">
           <p:sp>
             <p:nvSpPr>
               <p:cNvPr id="46" name="TextBox 45">
@@ -11879,6 +16390,7 @@
               </a:bodyPr>
               <a:lstStyle/>
               <a:p>
+                <a:pPr/>
                 <a14:m>
                   <m:oMathPara xmlns:m="http://schemas.openxmlformats.org/officeDocument/2006/math">
                     <m:oMathParaPr>
@@ -11942,7 +16454,7 @@
             </p:txBody>
           </p:sp>
         </mc:Choice>
-        <mc:Fallback>
+        <mc:Fallback xmlns="">
           <p:sp>
             <p:nvSpPr>
               <p:cNvPr id="46" name="TextBox 45">
@@ -11987,8 +16499,8 @@
           </p:sp>
         </mc:Fallback>
       </mc:AlternateContent>
-      <mc:AlternateContent xmlns:mc="http://schemas.openxmlformats.org/markup-compatibility/2006">
-        <mc:Choice xmlns:a14="http://schemas.microsoft.com/office/drawing/2010/main" Requires="a14">
+      <mc:AlternateContent xmlns:mc="http://schemas.openxmlformats.org/markup-compatibility/2006" xmlns:a14="http://schemas.microsoft.com/office/drawing/2010/main">
+        <mc:Choice Requires="a14">
           <p:sp>
             <p:nvSpPr>
               <p:cNvPr id="47" name="TextBox 46">
@@ -12017,6 +16529,7 @@
               </a:bodyPr>
               <a:lstStyle/>
               <a:p>
+                <a:pPr/>
                 <a14:m>
                   <m:oMathPara xmlns:m="http://schemas.openxmlformats.org/officeDocument/2006/math">
                     <m:oMathParaPr>
@@ -12080,7 +16593,7 @@
             </p:txBody>
           </p:sp>
         </mc:Choice>
-        <mc:Fallback>
+        <mc:Fallback xmlns="">
           <p:sp>
             <p:nvSpPr>
               <p:cNvPr id="47" name="TextBox 46">
@@ -12125,8 +16638,8 @@
           </p:sp>
         </mc:Fallback>
       </mc:AlternateContent>
-      <mc:AlternateContent xmlns:mc="http://schemas.openxmlformats.org/markup-compatibility/2006">
-        <mc:Choice xmlns:a14="http://schemas.microsoft.com/office/drawing/2010/main" Requires="a14">
+      <mc:AlternateContent xmlns:mc="http://schemas.openxmlformats.org/markup-compatibility/2006" xmlns:a14="http://schemas.microsoft.com/office/drawing/2010/main">
+        <mc:Choice Requires="a14">
           <p:sp>
             <p:nvSpPr>
               <p:cNvPr id="48" name="TextBox 47">
@@ -12155,6 +16668,7 @@
               </a:bodyPr>
               <a:lstStyle/>
               <a:p>
+                <a:pPr/>
                 <a14:m>
                   <m:oMathPara xmlns:m="http://schemas.openxmlformats.org/officeDocument/2006/math">
                     <m:oMathParaPr>
@@ -12218,7 +16732,7 @@
             </p:txBody>
           </p:sp>
         </mc:Choice>
-        <mc:Fallback>
+        <mc:Fallback xmlns="">
           <p:sp>
             <p:nvSpPr>
               <p:cNvPr id="48" name="TextBox 47">
@@ -12263,8 +16777,8 @@
           </p:sp>
         </mc:Fallback>
       </mc:AlternateContent>
-      <mc:AlternateContent xmlns:mc="http://schemas.openxmlformats.org/markup-compatibility/2006">
-        <mc:Choice xmlns:a14="http://schemas.microsoft.com/office/drawing/2010/main" Requires="a14">
+      <mc:AlternateContent xmlns:mc="http://schemas.openxmlformats.org/markup-compatibility/2006" xmlns:a14="http://schemas.microsoft.com/office/drawing/2010/main">
+        <mc:Choice Requires="a14">
           <p:sp>
             <p:nvSpPr>
               <p:cNvPr id="49" name="TextBox 48">
@@ -12293,6 +16807,7 @@
               </a:bodyPr>
               <a:lstStyle/>
               <a:p>
+                <a:pPr/>
                 <a14:m>
                   <m:oMathPara xmlns:m="http://schemas.openxmlformats.org/officeDocument/2006/math">
                     <m:oMathParaPr>
@@ -12356,7 +16871,7 @@
             </p:txBody>
           </p:sp>
         </mc:Choice>
-        <mc:Fallback>
+        <mc:Fallback xmlns="">
           <p:sp>
             <p:nvSpPr>
               <p:cNvPr id="49" name="TextBox 48">
@@ -12401,8 +16916,8 @@
           </p:sp>
         </mc:Fallback>
       </mc:AlternateContent>
-      <mc:AlternateContent xmlns:mc="http://schemas.openxmlformats.org/markup-compatibility/2006">
-        <mc:Choice xmlns:a14="http://schemas.microsoft.com/office/drawing/2010/main" Requires="a14">
+      <mc:AlternateContent xmlns:mc="http://schemas.openxmlformats.org/markup-compatibility/2006" xmlns:a14="http://schemas.microsoft.com/office/drawing/2010/main">
+        <mc:Choice Requires="a14">
           <p:sp>
             <p:nvSpPr>
               <p:cNvPr id="50" name="TextBox 49">
@@ -12431,6 +16946,7 @@
               </a:bodyPr>
               <a:lstStyle/>
               <a:p>
+                <a:pPr/>
                 <a14:m>
                   <m:oMathPara xmlns:m="http://schemas.openxmlformats.org/officeDocument/2006/math">
                     <m:oMathParaPr>
@@ -12521,7 +17037,7 @@
             </p:txBody>
           </p:sp>
         </mc:Choice>
-        <mc:Fallback>
+        <mc:Fallback xmlns="">
           <p:sp>
             <p:nvSpPr>
               <p:cNvPr id="50" name="TextBox 49">
@@ -12566,8 +17082,8 @@
           </p:sp>
         </mc:Fallback>
       </mc:AlternateContent>
-      <mc:AlternateContent xmlns:mc="http://schemas.openxmlformats.org/markup-compatibility/2006">
-        <mc:Choice xmlns:a14="http://schemas.microsoft.com/office/drawing/2010/main" Requires="a14">
+      <mc:AlternateContent xmlns:mc="http://schemas.openxmlformats.org/markup-compatibility/2006" xmlns:a14="http://schemas.microsoft.com/office/drawing/2010/main">
+        <mc:Choice Requires="a14">
           <p:sp>
             <p:nvSpPr>
               <p:cNvPr id="51" name="TextBox 50">
@@ -12596,6 +17112,7 @@
               </a:bodyPr>
               <a:lstStyle/>
               <a:p>
+                <a:pPr/>
                 <a14:m>
                   <m:oMathPara xmlns:m="http://schemas.openxmlformats.org/officeDocument/2006/math">
                     <m:oMathParaPr>
@@ -12664,7 +17181,7 @@
             </p:txBody>
           </p:sp>
         </mc:Choice>
-        <mc:Fallback>
+        <mc:Fallback xmlns="">
           <p:sp>
             <p:nvSpPr>
               <p:cNvPr id="51" name="TextBox 50">
@@ -12741,6 +17258,36 @@
       </p:grpSpPr>
       <p:pic>
         <p:nvPicPr>
+          <p:cNvPr id="9" name="Picture 8">
+            <a:extLst>
+              <a:ext uri="{FF2B5EF4-FFF2-40B4-BE49-F238E27FC236}">
+                <a16:creationId xmlns:a16="http://schemas.microsoft.com/office/drawing/2014/main" id="{9559C988-45B9-47AE-91AA-B96BA34E208E}"/>
+              </a:ext>
+            </a:extLst>
+          </p:cNvPr>
+          <p:cNvPicPr>
+            <a:picLocks noChangeAspect="1"/>
+          </p:cNvPicPr>
+          <p:nvPr/>
+        </p:nvPicPr>
+        <p:blipFill>
+          <a:blip r:embed="rId2"/>
+          <a:stretch>
+            <a:fillRect/>
+          </a:stretch>
+        </p:blipFill>
+        <p:spPr>
+          <a:xfrm>
+            <a:off x="1012996" y="3081116"/>
+            <a:ext cx="4189913" cy="3197351"/>
+          </a:xfrm>
+          <a:prstGeom prst="rect">
+            <a:avLst/>
+          </a:prstGeom>
+        </p:spPr>
+      </p:pic>
+      <p:pic>
+        <p:nvPicPr>
           <p:cNvPr id="4" name="Picture 3">
             <a:extLst>
               <a:ext uri="{FF2B5EF4-FFF2-40B4-BE49-F238E27FC236}">
@@ -12754,7 +17301,7 @@
           <p:nvPr/>
         </p:nvPicPr>
         <p:blipFill rotWithShape="1">
-          <a:blip r:embed="rId2"/>
+          <a:blip r:embed="rId3"/>
           <a:srcRect r="24301" b="26301"/>
           <a:stretch/>
         </p:blipFill>
@@ -13131,7 +17678,7 @@
         <p:spPr>
           <a:xfrm>
             <a:off x="155086" y="1136060"/>
-            <a:ext cx="11412625" cy="1323439"/>
+            <a:ext cx="11412625" cy="1569660"/>
           </a:xfrm>
           <a:prstGeom prst="rect">
             <a:avLst/>
@@ -13158,8 +17705,377 @@
               <a:t>On the flip to this where y is equal to a logarithm, the function will always be asymptotic to the y axis (x=0). The exception to this is if we have y = log(x + 3) the function will now be asymptotic to x=-3. </a:t>
             </a:r>
           </a:p>
+          <a:p>
+            <a:endParaRPr lang="en-GB" sz="1600" dirty="0"/>
+          </a:p>
         </p:txBody>
       </p:sp>
+      <mc:AlternateContent xmlns:mc="http://schemas.openxmlformats.org/markup-compatibility/2006">
+        <mc:Choice xmlns:a14="http://schemas.microsoft.com/office/drawing/2010/main" Requires="a14">
+          <p:sp>
+            <p:nvSpPr>
+              <p:cNvPr id="13" name="TextBox 12">
+                <a:extLst>
+                  <a:ext uri="{FF2B5EF4-FFF2-40B4-BE49-F238E27FC236}">
+                    <a16:creationId xmlns:a16="http://schemas.microsoft.com/office/drawing/2014/main" id="{89EA848E-732E-427E-9D5D-72C33C09B6E0}"/>
+                  </a:ext>
+                </a:extLst>
+              </p:cNvPr>
+              <p:cNvSpPr txBox="1"/>
+              <p:nvPr/>
+            </p:nvSpPr>
+            <p:spPr>
+              <a:xfrm>
+                <a:off x="1119450" y="2927227"/>
+                <a:ext cx="1558696" cy="307777"/>
+              </a:xfrm>
+              <a:prstGeom prst="rect">
+                <a:avLst/>
+              </a:prstGeom>
+              <a:solidFill>
+                <a:schemeClr val="bg1"/>
+              </a:solidFill>
+              <a:ln w="15875">
+                <a:solidFill>
+                  <a:schemeClr val="tx1">
+                    <a:lumMod val="85000"/>
+                    <a:lumOff val="15000"/>
+                  </a:schemeClr>
+                </a:solidFill>
+              </a:ln>
+            </p:spPr>
+            <p:txBody>
+              <a:bodyPr wrap="none" lIns="0" tIns="0" rIns="0" bIns="0" rtlCol="0">
+                <a:spAutoFit/>
+              </a:bodyPr>
+              <a:lstStyle/>
+              <a:p>
+                <a:pPr/>
+                <a14:m>
+                  <m:oMathPara xmlns:m="http://schemas.openxmlformats.org/officeDocument/2006/math">
+                    <m:oMathParaPr>
+                      <m:jc m:val="centerGroup"/>
+                    </m:oMathParaPr>
+                    <m:oMath xmlns:m="http://schemas.openxmlformats.org/officeDocument/2006/math">
+                      <m:r>
+                        <a:rPr lang="en-GB" sz="2000" i="1" smtClean="0">
+                          <a:latin typeface="Cambria Math" panose="02040503050406030204" pitchFamily="18" charset="0"/>
+                        </a:rPr>
+                        <m:t>𝑦</m:t>
+                      </m:r>
+                      <m:r>
+                        <a:rPr lang="en-GB" sz="2000" i="0">
+                          <a:latin typeface="Cambria Math" panose="02040503050406030204" pitchFamily="18" charset="0"/>
+                        </a:rPr>
+                        <m:t>=</m:t>
+                      </m:r>
+                      <m:func>
+                        <m:funcPr>
+                          <m:ctrlPr>
+                            <a:rPr lang="en-GB" sz="2000" i="1">
+                              <a:latin typeface="Cambria Math" panose="02040503050406030204" pitchFamily="18" charset="0"/>
+                            </a:rPr>
+                          </m:ctrlPr>
+                        </m:funcPr>
+                        <m:fName>
+                          <m:r>
+                            <m:rPr>
+                              <m:sty m:val="p"/>
+                            </m:rPr>
+                            <a:rPr lang="en-GB" sz="2000" b="0" i="0" smtClean="0">
+                              <a:latin typeface="Cambria Math" panose="02040503050406030204" pitchFamily="18" charset="0"/>
+                            </a:rPr>
+                            <m:t>ln</m:t>
+                          </m:r>
+                        </m:fName>
+                        <m:e>
+                          <m:d>
+                            <m:dPr>
+                              <m:ctrlPr>
+                                <a:rPr lang="en-GB" sz="2000" i="1">
+                                  <a:solidFill>
+                                    <a:srgbClr val="836967"/>
+                                  </a:solidFill>
+                                  <a:latin typeface="Cambria Math" panose="02040503050406030204" pitchFamily="18" charset="0"/>
+                                </a:rPr>
+                              </m:ctrlPr>
+                            </m:dPr>
+                            <m:e>
+                              <m:r>
+                                <a:rPr lang="en-GB" sz="2000" i="1">
+                                  <a:latin typeface="Cambria Math" panose="02040503050406030204" pitchFamily="18" charset="0"/>
+                                </a:rPr>
+                                <m:t>𝑥</m:t>
+                              </m:r>
+                              <m:r>
+                                <a:rPr lang="en-GB" sz="2000" b="0" i="1" smtClean="0">
+                                  <a:latin typeface="Cambria Math" panose="02040503050406030204" pitchFamily="18" charset="0"/>
+                                </a:rPr>
+                                <m:t>+3</m:t>
+                              </m:r>
+                            </m:e>
+                          </m:d>
+                        </m:e>
+                      </m:func>
+                    </m:oMath>
+                  </m:oMathPara>
+                </a14:m>
+                <a:endParaRPr lang="en-GB" sz="2000" dirty="0"/>
+              </a:p>
+            </p:txBody>
+          </p:sp>
+        </mc:Choice>
+        <mc:Fallback>
+          <p:sp>
+            <p:nvSpPr>
+              <p:cNvPr id="13" name="TextBox 12">
+                <a:extLst>
+                  <a:ext uri="{FF2B5EF4-FFF2-40B4-BE49-F238E27FC236}">
+                    <a16:creationId xmlns:a16="http://schemas.microsoft.com/office/drawing/2014/main" id="{89EA848E-732E-427E-9D5D-72C33C09B6E0}"/>
+                  </a:ext>
+                </a:extLst>
+              </p:cNvPr>
+              <p:cNvSpPr txBox="1">
+                <a:spLocks noRot="1" noChangeAspect="1" noMove="1" noResize="1" noEditPoints="1" noAdjustHandles="1" noChangeArrowheads="1" noChangeShapeType="1" noTextEdit="1"/>
+              </p:cNvSpPr>
+              <p:nvPr/>
+            </p:nvSpPr>
+            <p:spPr>
+              <a:xfrm>
+                <a:off x="1119450" y="2927227"/>
+                <a:ext cx="1558696" cy="307777"/>
+              </a:xfrm>
+              <a:prstGeom prst="rect">
+                <a:avLst/>
+              </a:prstGeom>
+              <a:blipFill>
+                <a:blip r:embed="rId4"/>
+                <a:stretch>
+                  <a:fillRect l="-3101" b="-18519"/>
+                </a:stretch>
+              </a:blipFill>
+              <a:ln w="15875">
+                <a:solidFill>
+                  <a:schemeClr val="tx1">
+                    <a:lumMod val="85000"/>
+                    <a:lumOff val="15000"/>
+                  </a:schemeClr>
+                </a:solidFill>
+              </a:ln>
+            </p:spPr>
+            <p:txBody>
+              <a:bodyPr/>
+              <a:lstStyle/>
+              <a:p>
+                <a:r>
+                  <a:rPr lang="en-GB">
+                    <a:noFill/>
+                  </a:rPr>
+                  <a:t> </a:t>
+                </a:r>
+              </a:p>
+            </p:txBody>
+          </p:sp>
+        </mc:Fallback>
+      </mc:AlternateContent>
+      <p:pic>
+        <p:nvPicPr>
+          <p:cNvPr id="12" name="Picture 11">
+            <a:extLst>
+              <a:ext uri="{FF2B5EF4-FFF2-40B4-BE49-F238E27FC236}">
+                <a16:creationId xmlns:a16="http://schemas.microsoft.com/office/drawing/2014/main" id="{EE0CC8A6-A91C-4A14-B147-08CC78AD2600}"/>
+              </a:ext>
+            </a:extLst>
+          </p:cNvPr>
+          <p:cNvPicPr>
+            <a:picLocks noChangeAspect="1"/>
+          </p:cNvPicPr>
+          <p:nvPr/>
+        </p:nvPicPr>
+        <p:blipFill>
+          <a:blip r:embed="rId5"/>
+          <a:stretch>
+            <a:fillRect/>
+          </a:stretch>
+        </p:blipFill>
+        <p:spPr>
+          <a:xfrm>
+            <a:off x="6516755" y="3081116"/>
+            <a:ext cx="4271354" cy="3351240"/>
+          </a:xfrm>
+          <a:prstGeom prst="rect">
+            <a:avLst/>
+          </a:prstGeom>
+        </p:spPr>
+      </p:pic>
+      <mc:AlternateContent xmlns:mc="http://schemas.openxmlformats.org/markup-compatibility/2006">
+        <mc:Choice xmlns:a14="http://schemas.microsoft.com/office/drawing/2010/main" Requires="a14">
+          <p:sp>
+            <p:nvSpPr>
+              <p:cNvPr id="19" name="TextBox 18">
+                <a:extLst>
+                  <a:ext uri="{FF2B5EF4-FFF2-40B4-BE49-F238E27FC236}">
+                    <a16:creationId xmlns:a16="http://schemas.microsoft.com/office/drawing/2014/main" id="{957EB46A-B670-4F8D-8694-B34391A5DF32}"/>
+                  </a:ext>
+                </a:extLst>
+              </p:cNvPr>
+              <p:cNvSpPr txBox="1"/>
+              <p:nvPr/>
+            </p:nvSpPr>
+            <p:spPr>
+              <a:xfrm>
+                <a:off x="9144446" y="3347233"/>
+                <a:ext cx="1302023" cy="307777"/>
+              </a:xfrm>
+              <a:prstGeom prst="rect">
+                <a:avLst/>
+              </a:prstGeom>
+              <a:solidFill>
+                <a:schemeClr val="bg1"/>
+              </a:solidFill>
+              <a:ln w="15875">
+                <a:solidFill>
+                  <a:schemeClr val="tx1">
+                    <a:lumMod val="85000"/>
+                    <a:lumOff val="15000"/>
+                  </a:schemeClr>
+                </a:solidFill>
+              </a:ln>
+            </p:spPr>
+            <p:txBody>
+              <a:bodyPr wrap="none" lIns="0" tIns="0" rIns="0" bIns="0" rtlCol="0">
+                <a:spAutoFit/>
+              </a:bodyPr>
+              <a:lstStyle/>
+              <a:p>
+                <a:pPr/>
+                <a14:m>
+                  <m:oMathPara xmlns:m="http://schemas.openxmlformats.org/officeDocument/2006/math">
+                    <m:oMathParaPr>
+                      <m:jc m:val="centerGroup"/>
+                    </m:oMathParaPr>
+                    <m:oMath xmlns:m="http://schemas.openxmlformats.org/officeDocument/2006/math">
+                      <m:r>
+                        <a:rPr lang="en-GB" sz="2000" i="1" smtClean="0">
+                          <a:latin typeface="Cambria Math" panose="02040503050406030204" pitchFamily="18" charset="0"/>
+                        </a:rPr>
+                        <m:t>𝑦</m:t>
+                      </m:r>
+                      <m:r>
+                        <a:rPr lang="en-GB" sz="2000" i="0">
+                          <a:latin typeface="Cambria Math" panose="02040503050406030204" pitchFamily="18" charset="0"/>
+                        </a:rPr>
+                        <m:t>=</m:t>
+                      </m:r>
+                      <m:func>
+                        <m:funcPr>
+                          <m:ctrlPr>
+                            <a:rPr lang="en-GB" sz="2000" i="1">
+                              <a:latin typeface="Cambria Math" panose="02040503050406030204" pitchFamily="18" charset="0"/>
+                            </a:rPr>
+                          </m:ctrlPr>
+                        </m:funcPr>
+                        <m:fName>
+                          <m:r>
+                            <a:rPr lang="en-GB" sz="2000" b="0" i="0" smtClean="0">
+                              <a:latin typeface="Cambria Math" panose="02040503050406030204" pitchFamily="18" charset="0"/>
+                            </a:rPr>
+                            <m:t>−</m:t>
+                          </m:r>
+                          <m:r>
+                            <m:rPr>
+                              <m:sty m:val="p"/>
+                            </m:rPr>
+                            <a:rPr lang="en-GB" sz="2000" b="0" i="0" smtClean="0">
+                              <a:latin typeface="Cambria Math" panose="02040503050406030204" pitchFamily="18" charset="0"/>
+                            </a:rPr>
+                            <m:t>ln</m:t>
+                          </m:r>
+                        </m:fName>
+                        <m:e>
+                          <m:d>
+                            <m:dPr>
+                              <m:ctrlPr>
+                                <a:rPr lang="en-GB" sz="2000" i="1">
+                                  <a:solidFill>
+                                    <a:srgbClr val="836967"/>
+                                  </a:solidFill>
+                                  <a:latin typeface="Cambria Math" panose="02040503050406030204" pitchFamily="18" charset="0"/>
+                                </a:rPr>
+                              </m:ctrlPr>
+                            </m:dPr>
+                            <m:e>
+                              <m:r>
+                                <a:rPr lang="en-GB" sz="2000" i="1">
+                                  <a:latin typeface="Cambria Math" panose="02040503050406030204" pitchFamily="18" charset="0"/>
+                                </a:rPr>
+                                <m:t>𝑥</m:t>
+                              </m:r>
+                            </m:e>
+                          </m:d>
+                        </m:e>
+                      </m:func>
+                    </m:oMath>
+                  </m:oMathPara>
+                </a14:m>
+                <a:endParaRPr lang="en-GB" sz="2000" dirty="0"/>
+              </a:p>
+            </p:txBody>
+          </p:sp>
+        </mc:Choice>
+        <mc:Fallback>
+          <p:sp>
+            <p:nvSpPr>
+              <p:cNvPr id="19" name="TextBox 18">
+                <a:extLst>
+                  <a:ext uri="{FF2B5EF4-FFF2-40B4-BE49-F238E27FC236}">
+                    <a16:creationId xmlns:a16="http://schemas.microsoft.com/office/drawing/2014/main" id="{957EB46A-B670-4F8D-8694-B34391A5DF32}"/>
+                  </a:ext>
+                </a:extLst>
+              </p:cNvPr>
+              <p:cNvSpPr txBox="1">
+                <a:spLocks noRot="1" noChangeAspect="1" noMove="1" noResize="1" noEditPoints="1" noAdjustHandles="1" noChangeArrowheads="1" noChangeShapeType="1" noTextEdit="1"/>
+              </p:cNvSpPr>
+              <p:nvPr/>
+            </p:nvSpPr>
+            <p:spPr>
+              <a:xfrm>
+                <a:off x="9144446" y="3347233"/>
+                <a:ext cx="1302023" cy="307777"/>
+              </a:xfrm>
+              <a:prstGeom prst="rect">
+                <a:avLst/>
+              </a:prstGeom>
+              <a:blipFill>
+                <a:blip r:embed="rId6"/>
+                <a:stretch>
+                  <a:fillRect l="-3687" b="-18519"/>
+                </a:stretch>
+              </a:blipFill>
+              <a:ln w="15875">
+                <a:solidFill>
+                  <a:schemeClr val="tx1">
+                    <a:lumMod val="85000"/>
+                    <a:lumOff val="15000"/>
+                  </a:schemeClr>
+                </a:solidFill>
+              </a:ln>
+            </p:spPr>
+            <p:txBody>
+              <a:bodyPr/>
+              <a:lstStyle/>
+              <a:p>
+                <a:r>
+                  <a:rPr lang="en-GB">
+                    <a:noFill/>
+                  </a:rPr>
+                  <a:t> </a:t>
+                </a:r>
+              </a:p>
+            </p:txBody>
+          </p:sp>
+        </mc:Fallback>
+      </mc:AlternateContent>
     </p:spTree>
     <p:extLst>
       <p:ext uri="{BB962C8B-B14F-4D97-AF65-F5344CB8AC3E}">
@@ -13192,6 +18108,36 @@
       </p:grpSpPr>
       <p:pic>
         <p:nvPicPr>
+          <p:cNvPr id="9" name="Picture 8">
+            <a:extLst>
+              <a:ext uri="{FF2B5EF4-FFF2-40B4-BE49-F238E27FC236}">
+                <a16:creationId xmlns:a16="http://schemas.microsoft.com/office/drawing/2014/main" id="{9559C988-45B9-47AE-91AA-B96BA34E208E}"/>
+              </a:ext>
+            </a:extLst>
+          </p:cNvPr>
+          <p:cNvPicPr>
+            <a:picLocks noChangeAspect="1"/>
+          </p:cNvPicPr>
+          <p:nvPr/>
+        </p:nvPicPr>
+        <p:blipFill>
+          <a:blip r:embed="rId2"/>
+          <a:stretch>
+            <a:fillRect/>
+          </a:stretch>
+        </p:blipFill>
+        <p:spPr>
+          <a:xfrm>
+            <a:off x="1012996" y="3081116"/>
+            <a:ext cx="4189913" cy="3197351"/>
+          </a:xfrm>
+          <a:prstGeom prst="rect">
+            <a:avLst/>
+          </a:prstGeom>
+        </p:spPr>
+      </p:pic>
+      <p:pic>
+        <p:nvPicPr>
           <p:cNvPr id="4" name="Picture 3">
             <a:extLst>
               <a:ext uri="{FF2B5EF4-FFF2-40B4-BE49-F238E27FC236}">
@@ -13205,7 +18151,7 @@
           <p:nvPr/>
         </p:nvPicPr>
         <p:blipFill rotWithShape="1">
-          <a:blip r:embed="rId2"/>
+          <a:blip r:embed="rId3"/>
           <a:srcRect r="24301" b="26301"/>
           <a:stretch/>
         </p:blipFill>
@@ -13410,7 +18356,7 @@
                   <a:ea typeface="+mn-ea"/>
                   <a:cs typeface="+mn-cs"/>
                 </a:rPr>
-                <a:t>Composite Functions</a:t>
+                <a:t>Logarithmic</a:t>
               </a:r>
             </a:p>
           </p:txBody>
@@ -13569,10 +18515,10 @@
       </p:sp>
       <p:sp>
         <p:nvSpPr>
-          <p:cNvPr id="13" name="TextBox 12">
+          <p:cNvPr id="38" name="TextBox 37">
             <a:extLst>
               <a:ext uri="{FF2B5EF4-FFF2-40B4-BE49-F238E27FC236}">
-                <a16:creationId xmlns:a16="http://schemas.microsoft.com/office/drawing/2014/main" id="{7F0D6DEB-8872-499A-8CF3-4E7F3865BA84}"/>
+                <a16:creationId xmlns:a16="http://schemas.microsoft.com/office/drawing/2014/main" id="{A55362DD-A1AD-4F00-A221-D91A8CF82E80}"/>
               </a:ext>
             </a:extLst>
           </p:cNvPr>
@@ -13581,8 +18527,8 @@
         </p:nvSpPr>
         <p:spPr>
           <a:xfrm>
-            <a:off x="278191" y="1238177"/>
-            <a:ext cx="11058166" cy="584775"/>
+            <a:off x="155086" y="1136060"/>
+            <a:ext cx="11412625" cy="1569660"/>
           </a:xfrm>
           <a:prstGeom prst="rect">
             <a:avLst/>
@@ -13596,17 +18542,394 @@
           <a:lstStyle/>
           <a:p>
             <a:r>
-              <a:rPr lang="en-US" sz="1600" dirty="0"/>
-              <a:t>A function composition or a composite function is an operation that takes two functions f and g and produces a function h such that h(x) = g(f(x)).</a:t>
+              <a:rPr lang="en-GB" sz="1600" dirty="0"/>
+              <a:t>Note that where we have y equal to any exponential function, it will always be asymptotic to the x axis. The exception to this is if we have y = (e^x)+3 the function will now be asymptotic to y=3. </a:t>
             </a:r>
+          </a:p>
+          <a:p>
+            <a:endParaRPr lang="en-GB" sz="1600" dirty="0"/>
+          </a:p>
+          <a:p>
+            <a:r>
+              <a:rPr lang="en-GB" sz="1600" dirty="0"/>
+              <a:t>On the flip to this where y is equal to a logarithm, the function will always be asymptotic to the y axis (x=0). The exception to this is if we have y = log(x + 3) the function will now be asymptotic to x=-3. </a:t>
+            </a:r>
+          </a:p>
+          <a:p>
             <a:endParaRPr lang="en-GB" sz="1600" dirty="0"/>
           </a:p>
         </p:txBody>
       </p:sp>
+      <mc:AlternateContent xmlns:mc="http://schemas.openxmlformats.org/markup-compatibility/2006">
+        <mc:Choice xmlns:a14="http://schemas.microsoft.com/office/drawing/2010/main" Requires="a14">
+          <p:sp>
+            <p:nvSpPr>
+              <p:cNvPr id="13" name="TextBox 12">
+                <a:extLst>
+                  <a:ext uri="{FF2B5EF4-FFF2-40B4-BE49-F238E27FC236}">
+                    <a16:creationId xmlns:a16="http://schemas.microsoft.com/office/drawing/2014/main" id="{89EA848E-732E-427E-9D5D-72C33C09B6E0}"/>
+                  </a:ext>
+                </a:extLst>
+              </p:cNvPr>
+              <p:cNvSpPr txBox="1"/>
+              <p:nvPr/>
+            </p:nvSpPr>
+            <p:spPr>
+              <a:xfrm>
+                <a:off x="1119450" y="2927227"/>
+                <a:ext cx="1558696" cy="307777"/>
+              </a:xfrm>
+              <a:prstGeom prst="rect">
+                <a:avLst/>
+              </a:prstGeom>
+              <a:solidFill>
+                <a:schemeClr val="bg1"/>
+              </a:solidFill>
+              <a:ln w="15875">
+                <a:solidFill>
+                  <a:schemeClr val="tx1">
+                    <a:lumMod val="85000"/>
+                    <a:lumOff val="15000"/>
+                  </a:schemeClr>
+                </a:solidFill>
+              </a:ln>
+            </p:spPr>
+            <p:txBody>
+              <a:bodyPr wrap="none" lIns="0" tIns="0" rIns="0" bIns="0" rtlCol="0">
+                <a:spAutoFit/>
+              </a:bodyPr>
+              <a:lstStyle/>
+              <a:p>
+                <a:pPr/>
+                <a14:m>
+                  <m:oMathPara xmlns:m="http://schemas.openxmlformats.org/officeDocument/2006/math">
+                    <m:oMathParaPr>
+                      <m:jc m:val="centerGroup"/>
+                    </m:oMathParaPr>
+                    <m:oMath xmlns:m="http://schemas.openxmlformats.org/officeDocument/2006/math">
+                      <m:r>
+                        <a:rPr lang="en-GB" sz="2000" i="1" smtClean="0">
+                          <a:latin typeface="Cambria Math" panose="02040503050406030204" pitchFamily="18" charset="0"/>
+                        </a:rPr>
+                        <m:t>𝑦</m:t>
+                      </m:r>
+                      <m:r>
+                        <a:rPr lang="en-GB" sz="2000" i="0">
+                          <a:latin typeface="Cambria Math" panose="02040503050406030204" pitchFamily="18" charset="0"/>
+                        </a:rPr>
+                        <m:t>=</m:t>
+                      </m:r>
+                      <m:func>
+                        <m:funcPr>
+                          <m:ctrlPr>
+                            <a:rPr lang="en-GB" sz="2000" i="1">
+                              <a:latin typeface="Cambria Math" panose="02040503050406030204" pitchFamily="18" charset="0"/>
+                            </a:rPr>
+                          </m:ctrlPr>
+                        </m:funcPr>
+                        <m:fName>
+                          <m:r>
+                            <m:rPr>
+                              <m:sty m:val="p"/>
+                            </m:rPr>
+                            <a:rPr lang="en-GB" sz="2000" b="0" i="0" smtClean="0">
+                              <a:latin typeface="Cambria Math" panose="02040503050406030204" pitchFamily="18" charset="0"/>
+                            </a:rPr>
+                            <m:t>ln</m:t>
+                          </m:r>
+                        </m:fName>
+                        <m:e>
+                          <m:d>
+                            <m:dPr>
+                              <m:ctrlPr>
+                                <a:rPr lang="en-GB" sz="2000" i="1">
+                                  <a:solidFill>
+                                    <a:srgbClr val="836967"/>
+                                  </a:solidFill>
+                                  <a:latin typeface="Cambria Math" panose="02040503050406030204" pitchFamily="18" charset="0"/>
+                                </a:rPr>
+                              </m:ctrlPr>
+                            </m:dPr>
+                            <m:e>
+                              <m:r>
+                                <a:rPr lang="en-GB" sz="2000" i="1">
+                                  <a:latin typeface="Cambria Math" panose="02040503050406030204" pitchFamily="18" charset="0"/>
+                                </a:rPr>
+                                <m:t>𝑥</m:t>
+                              </m:r>
+                              <m:r>
+                                <a:rPr lang="en-GB" sz="2000" b="0" i="1" smtClean="0">
+                                  <a:latin typeface="Cambria Math" panose="02040503050406030204" pitchFamily="18" charset="0"/>
+                                </a:rPr>
+                                <m:t>+3</m:t>
+                              </m:r>
+                            </m:e>
+                          </m:d>
+                        </m:e>
+                      </m:func>
+                    </m:oMath>
+                  </m:oMathPara>
+                </a14:m>
+                <a:endParaRPr lang="en-GB" sz="2000" dirty="0"/>
+              </a:p>
+            </p:txBody>
+          </p:sp>
+        </mc:Choice>
+        <mc:Fallback>
+          <p:sp>
+            <p:nvSpPr>
+              <p:cNvPr id="13" name="TextBox 12">
+                <a:extLst>
+                  <a:ext uri="{FF2B5EF4-FFF2-40B4-BE49-F238E27FC236}">
+                    <a16:creationId xmlns:a16="http://schemas.microsoft.com/office/drawing/2014/main" id="{89EA848E-732E-427E-9D5D-72C33C09B6E0}"/>
+                  </a:ext>
+                </a:extLst>
+              </p:cNvPr>
+              <p:cNvSpPr txBox="1">
+                <a:spLocks noRot="1" noChangeAspect="1" noMove="1" noResize="1" noEditPoints="1" noAdjustHandles="1" noChangeArrowheads="1" noChangeShapeType="1" noTextEdit="1"/>
+              </p:cNvSpPr>
+              <p:nvPr/>
+            </p:nvSpPr>
+            <p:spPr>
+              <a:xfrm>
+                <a:off x="1119450" y="2927227"/>
+                <a:ext cx="1558696" cy="307777"/>
+              </a:xfrm>
+              <a:prstGeom prst="rect">
+                <a:avLst/>
+              </a:prstGeom>
+              <a:blipFill>
+                <a:blip r:embed="rId4"/>
+                <a:stretch>
+                  <a:fillRect l="-3101" b="-18519"/>
+                </a:stretch>
+              </a:blipFill>
+              <a:ln w="15875">
+                <a:solidFill>
+                  <a:schemeClr val="tx1">
+                    <a:lumMod val="85000"/>
+                    <a:lumOff val="15000"/>
+                  </a:schemeClr>
+                </a:solidFill>
+              </a:ln>
+            </p:spPr>
+            <p:txBody>
+              <a:bodyPr/>
+              <a:lstStyle/>
+              <a:p>
+                <a:r>
+                  <a:rPr lang="en-GB">
+                    <a:noFill/>
+                  </a:rPr>
+                  <a:t> </a:t>
+                </a:r>
+              </a:p>
+            </p:txBody>
+          </p:sp>
+        </mc:Fallback>
+      </mc:AlternateContent>
+      <p:pic>
+        <p:nvPicPr>
+          <p:cNvPr id="12" name="Picture 11">
+            <a:extLst>
+              <a:ext uri="{FF2B5EF4-FFF2-40B4-BE49-F238E27FC236}">
+                <a16:creationId xmlns:a16="http://schemas.microsoft.com/office/drawing/2014/main" id="{EE0CC8A6-A91C-4A14-B147-08CC78AD2600}"/>
+              </a:ext>
+            </a:extLst>
+          </p:cNvPr>
+          <p:cNvPicPr>
+            <a:picLocks noChangeAspect="1"/>
+          </p:cNvPicPr>
+          <p:nvPr/>
+        </p:nvPicPr>
+        <p:blipFill>
+          <a:blip r:embed="rId5"/>
+          <a:stretch>
+            <a:fillRect/>
+          </a:stretch>
+        </p:blipFill>
+        <p:spPr>
+          <a:xfrm>
+            <a:off x="6516755" y="3081116"/>
+            <a:ext cx="4271354" cy="3351240"/>
+          </a:xfrm>
+          <a:prstGeom prst="rect">
+            <a:avLst/>
+          </a:prstGeom>
+        </p:spPr>
+      </p:pic>
+      <mc:AlternateContent xmlns:mc="http://schemas.openxmlformats.org/markup-compatibility/2006">
+        <mc:Choice xmlns:a14="http://schemas.microsoft.com/office/drawing/2010/main" Requires="a14">
+          <p:sp>
+            <p:nvSpPr>
+              <p:cNvPr id="19" name="TextBox 18">
+                <a:extLst>
+                  <a:ext uri="{FF2B5EF4-FFF2-40B4-BE49-F238E27FC236}">
+                    <a16:creationId xmlns:a16="http://schemas.microsoft.com/office/drawing/2014/main" id="{957EB46A-B670-4F8D-8694-B34391A5DF32}"/>
+                  </a:ext>
+                </a:extLst>
+              </p:cNvPr>
+              <p:cNvSpPr txBox="1"/>
+              <p:nvPr/>
+            </p:nvSpPr>
+            <p:spPr>
+              <a:xfrm>
+                <a:off x="9144446" y="3347233"/>
+                <a:ext cx="1302023" cy="307777"/>
+              </a:xfrm>
+              <a:prstGeom prst="rect">
+                <a:avLst/>
+              </a:prstGeom>
+              <a:solidFill>
+                <a:schemeClr val="bg1"/>
+              </a:solidFill>
+              <a:ln w="15875">
+                <a:solidFill>
+                  <a:schemeClr val="tx1">
+                    <a:lumMod val="85000"/>
+                    <a:lumOff val="15000"/>
+                  </a:schemeClr>
+                </a:solidFill>
+              </a:ln>
+            </p:spPr>
+            <p:txBody>
+              <a:bodyPr wrap="none" lIns="0" tIns="0" rIns="0" bIns="0" rtlCol="0">
+                <a:spAutoFit/>
+              </a:bodyPr>
+              <a:lstStyle/>
+              <a:p>
+                <a:pPr/>
+                <a14:m>
+                  <m:oMathPara xmlns:m="http://schemas.openxmlformats.org/officeDocument/2006/math">
+                    <m:oMathParaPr>
+                      <m:jc m:val="centerGroup"/>
+                    </m:oMathParaPr>
+                    <m:oMath xmlns:m="http://schemas.openxmlformats.org/officeDocument/2006/math">
+                      <m:r>
+                        <a:rPr lang="en-GB" sz="2000" i="1" smtClean="0">
+                          <a:latin typeface="Cambria Math" panose="02040503050406030204" pitchFamily="18" charset="0"/>
+                        </a:rPr>
+                        <m:t>𝑦</m:t>
+                      </m:r>
+                      <m:r>
+                        <a:rPr lang="en-GB" sz="2000" i="0">
+                          <a:latin typeface="Cambria Math" panose="02040503050406030204" pitchFamily="18" charset="0"/>
+                        </a:rPr>
+                        <m:t>=</m:t>
+                      </m:r>
+                      <m:func>
+                        <m:funcPr>
+                          <m:ctrlPr>
+                            <a:rPr lang="en-GB" sz="2000" i="1">
+                              <a:latin typeface="Cambria Math" panose="02040503050406030204" pitchFamily="18" charset="0"/>
+                            </a:rPr>
+                          </m:ctrlPr>
+                        </m:funcPr>
+                        <m:fName>
+                          <m:r>
+                            <a:rPr lang="en-GB" sz="2000" b="0" i="0" smtClean="0">
+                              <a:latin typeface="Cambria Math" panose="02040503050406030204" pitchFamily="18" charset="0"/>
+                            </a:rPr>
+                            <m:t>−</m:t>
+                          </m:r>
+                          <m:r>
+                            <m:rPr>
+                              <m:sty m:val="p"/>
+                            </m:rPr>
+                            <a:rPr lang="en-GB" sz="2000" b="0" i="0" smtClean="0">
+                              <a:latin typeface="Cambria Math" panose="02040503050406030204" pitchFamily="18" charset="0"/>
+                            </a:rPr>
+                            <m:t>ln</m:t>
+                          </m:r>
+                        </m:fName>
+                        <m:e>
+                          <m:d>
+                            <m:dPr>
+                              <m:ctrlPr>
+                                <a:rPr lang="en-GB" sz="2000" i="1">
+                                  <a:solidFill>
+                                    <a:srgbClr val="836967"/>
+                                  </a:solidFill>
+                                  <a:latin typeface="Cambria Math" panose="02040503050406030204" pitchFamily="18" charset="0"/>
+                                </a:rPr>
+                              </m:ctrlPr>
+                            </m:dPr>
+                            <m:e>
+                              <m:r>
+                                <a:rPr lang="en-GB" sz="2000" i="1">
+                                  <a:latin typeface="Cambria Math" panose="02040503050406030204" pitchFamily="18" charset="0"/>
+                                </a:rPr>
+                                <m:t>𝑥</m:t>
+                              </m:r>
+                            </m:e>
+                          </m:d>
+                        </m:e>
+                      </m:func>
+                    </m:oMath>
+                  </m:oMathPara>
+                </a14:m>
+                <a:endParaRPr lang="en-GB" sz="2000" dirty="0"/>
+              </a:p>
+            </p:txBody>
+          </p:sp>
+        </mc:Choice>
+        <mc:Fallback>
+          <p:sp>
+            <p:nvSpPr>
+              <p:cNvPr id="19" name="TextBox 18">
+                <a:extLst>
+                  <a:ext uri="{FF2B5EF4-FFF2-40B4-BE49-F238E27FC236}">
+                    <a16:creationId xmlns:a16="http://schemas.microsoft.com/office/drawing/2014/main" id="{957EB46A-B670-4F8D-8694-B34391A5DF32}"/>
+                  </a:ext>
+                </a:extLst>
+              </p:cNvPr>
+              <p:cNvSpPr txBox="1">
+                <a:spLocks noRot="1" noChangeAspect="1" noMove="1" noResize="1" noEditPoints="1" noAdjustHandles="1" noChangeArrowheads="1" noChangeShapeType="1" noTextEdit="1"/>
+              </p:cNvSpPr>
+              <p:nvPr/>
+            </p:nvSpPr>
+            <p:spPr>
+              <a:xfrm>
+                <a:off x="9144446" y="3347233"/>
+                <a:ext cx="1302023" cy="307777"/>
+              </a:xfrm>
+              <a:prstGeom prst="rect">
+                <a:avLst/>
+              </a:prstGeom>
+              <a:blipFill>
+                <a:blip r:embed="rId6"/>
+                <a:stretch>
+                  <a:fillRect l="-3687" b="-18519"/>
+                </a:stretch>
+              </a:blipFill>
+              <a:ln w="15875">
+                <a:solidFill>
+                  <a:schemeClr val="tx1">
+                    <a:lumMod val="85000"/>
+                    <a:lumOff val="15000"/>
+                  </a:schemeClr>
+                </a:solidFill>
+              </a:ln>
+            </p:spPr>
+            <p:txBody>
+              <a:bodyPr/>
+              <a:lstStyle/>
+              <a:p>
+                <a:r>
+                  <a:rPr lang="en-GB">
+                    <a:noFill/>
+                  </a:rPr>
+                  <a:t> </a:t>
+                </a:r>
+              </a:p>
+            </p:txBody>
+          </p:sp>
+        </mc:Fallback>
+      </mc:AlternateContent>
     </p:spTree>
     <p:extLst>
       <p:ext uri="{BB962C8B-B14F-4D97-AF65-F5344CB8AC3E}">
-        <p14:creationId xmlns:p14="http://schemas.microsoft.com/office/powerpoint/2010/main" val="3516987313"/>
+        <p14:creationId xmlns:p14="http://schemas.microsoft.com/office/powerpoint/2010/main" val="469683207"/>
       </p:ext>
     </p:extLst>
   </p:cSld>
